--- a/History/Khelafa.pptx
+++ b/History/Khelafa.pptx
@@ -8,16 +8,21 @@
     <p:sldId id="256" r:id="rId2"/>
     <p:sldId id="257" r:id="rId3"/>
     <p:sldId id="258" r:id="rId4"/>
-    <p:sldId id="259" r:id="rId5"/>
-    <p:sldId id="262" r:id="rId6"/>
-    <p:sldId id="263" r:id="rId7"/>
-    <p:sldId id="264" r:id="rId8"/>
-    <p:sldId id="265" r:id="rId9"/>
-    <p:sldId id="266" r:id="rId10"/>
-    <p:sldId id="267" r:id="rId11"/>
-    <p:sldId id="268" r:id="rId12"/>
-    <p:sldId id="269" r:id="rId13"/>
-    <p:sldId id="270" r:id="rId14"/>
+    <p:sldId id="274" r:id="rId5"/>
+    <p:sldId id="259" r:id="rId6"/>
+    <p:sldId id="262" r:id="rId7"/>
+    <p:sldId id="263" r:id="rId8"/>
+    <p:sldId id="271" r:id="rId9"/>
+    <p:sldId id="264" r:id="rId10"/>
+    <p:sldId id="265" r:id="rId11"/>
+    <p:sldId id="272" r:id="rId12"/>
+    <p:sldId id="266" r:id="rId13"/>
+    <p:sldId id="267" r:id="rId14"/>
+    <p:sldId id="273" r:id="rId15"/>
+    <p:sldId id="268" r:id="rId16"/>
+    <p:sldId id="269" r:id="rId17"/>
+    <p:sldId id="275" r:id="rId18"/>
+    <p:sldId id="270" r:id="rId19"/>
   </p:sldIdLst>
   <p:sldSz cx="12192000" cy="6858000"/>
   <p:notesSz cx="6858000" cy="9144000"/>
@@ -116,6 +121,11 @@
       </a:defRPr>
     </a:lvl9pPr>
   </p:defaultTextStyle>
+  <p:extLst>
+    <p:ext uri="{EFAFB233-063F-42B5-8137-9DF3F51BA10A}">
+      <p15:sldGuideLst xmlns:p15="http://schemas.microsoft.com/office/powerpoint/2012/main"/>
+    </p:ext>
+  </p:extLst>
 </p:presentation>
 </file>
 
@@ -266,7 +276,7 @@
           <a:p>
             <a:fld id="{E6B17F44-2827-4185-A4A9-7051A6E6D1A8}" type="datetimeFigureOut">
               <a:rPr lang="en-US" smtClean="0"/>
-              <a:t>18-Oct-23</a:t>
+              <a:t>19-Oct-23</a:t>
             </a:fld>
             <a:endParaRPr lang="en-US"/>
           </a:p>
@@ -464,7 +474,7 @@
           <a:p>
             <a:fld id="{E6B17F44-2827-4185-A4A9-7051A6E6D1A8}" type="datetimeFigureOut">
               <a:rPr lang="en-US" smtClean="0"/>
-              <a:t>18-Oct-23</a:t>
+              <a:t>19-Oct-23</a:t>
             </a:fld>
             <a:endParaRPr lang="en-US"/>
           </a:p>
@@ -672,7 +682,7 @@
           <a:p>
             <a:fld id="{E6B17F44-2827-4185-A4A9-7051A6E6D1A8}" type="datetimeFigureOut">
               <a:rPr lang="en-US" smtClean="0"/>
-              <a:t>18-Oct-23</a:t>
+              <a:t>19-Oct-23</a:t>
             </a:fld>
             <a:endParaRPr lang="en-US"/>
           </a:p>
@@ -870,7 +880,7 @@
           <a:p>
             <a:fld id="{E6B17F44-2827-4185-A4A9-7051A6E6D1A8}" type="datetimeFigureOut">
               <a:rPr lang="en-US" smtClean="0"/>
-              <a:t>18-Oct-23</a:t>
+              <a:t>19-Oct-23</a:t>
             </a:fld>
             <a:endParaRPr lang="en-US"/>
           </a:p>
@@ -1145,7 +1155,7 @@
           <a:p>
             <a:fld id="{E6B17F44-2827-4185-A4A9-7051A6E6D1A8}" type="datetimeFigureOut">
               <a:rPr lang="en-US" smtClean="0"/>
-              <a:t>18-Oct-23</a:t>
+              <a:t>19-Oct-23</a:t>
             </a:fld>
             <a:endParaRPr lang="en-US"/>
           </a:p>
@@ -1410,7 +1420,7 @@
           <a:p>
             <a:fld id="{E6B17F44-2827-4185-A4A9-7051A6E6D1A8}" type="datetimeFigureOut">
               <a:rPr lang="en-US" smtClean="0"/>
-              <a:t>18-Oct-23</a:t>
+              <a:t>19-Oct-23</a:t>
             </a:fld>
             <a:endParaRPr lang="en-US"/>
           </a:p>
@@ -1822,7 +1832,7 @@
           <a:p>
             <a:fld id="{E6B17F44-2827-4185-A4A9-7051A6E6D1A8}" type="datetimeFigureOut">
               <a:rPr lang="en-US" smtClean="0"/>
-              <a:t>18-Oct-23</a:t>
+              <a:t>19-Oct-23</a:t>
             </a:fld>
             <a:endParaRPr lang="en-US"/>
           </a:p>
@@ -1963,7 +1973,7 @@
           <a:p>
             <a:fld id="{E6B17F44-2827-4185-A4A9-7051A6E6D1A8}" type="datetimeFigureOut">
               <a:rPr lang="en-US" smtClean="0"/>
-              <a:t>18-Oct-23</a:t>
+              <a:t>19-Oct-23</a:t>
             </a:fld>
             <a:endParaRPr lang="en-US"/>
           </a:p>
@@ -2076,7 +2086,7 @@
           <a:p>
             <a:fld id="{E6B17F44-2827-4185-A4A9-7051A6E6D1A8}" type="datetimeFigureOut">
               <a:rPr lang="en-US" smtClean="0"/>
-              <a:t>18-Oct-23</a:t>
+              <a:t>19-Oct-23</a:t>
             </a:fld>
             <a:endParaRPr lang="en-US"/>
           </a:p>
@@ -2387,7 +2397,7 @@
           <a:p>
             <a:fld id="{E6B17F44-2827-4185-A4A9-7051A6E6D1A8}" type="datetimeFigureOut">
               <a:rPr lang="en-US" smtClean="0"/>
-              <a:t>18-Oct-23</a:t>
+              <a:t>19-Oct-23</a:t>
             </a:fld>
             <a:endParaRPr lang="en-US"/>
           </a:p>
@@ -2675,7 +2685,7 @@
           <a:p>
             <a:fld id="{E6B17F44-2827-4185-A4A9-7051A6E6D1A8}" type="datetimeFigureOut">
               <a:rPr lang="en-US" smtClean="0"/>
-              <a:t>18-Oct-23</a:t>
+              <a:t>19-Oct-23</a:t>
             </a:fld>
             <a:endParaRPr lang="en-US"/>
           </a:p>
@@ -2916,7 +2926,7 @@
           <a:p>
             <a:fld id="{E6B17F44-2827-4185-A4A9-7051A6E6D1A8}" type="datetimeFigureOut">
               <a:rPr lang="en-US" smtClean="0"/>
-              <a:t>18-Oct-23</a:t>
+              <a:t>19-Oct-23</a:t>
             </a:fld>
             <a:endParaRPr lang="en-US"/>
           </a:p>
@@ -4115,34 +4125,24 @@
                 <a:ea typeface="Calibri" panose="020F0502020204030204" pitchFamily="34" charset="0"/>
                 <a:cs typeface="Arial" panose="020B0604020202020204" pitchFamily="34" charset="0"/>
               </a:rPr>
-              <a:t>Третий халиф</a:t>
-            </a:r>
-            <a:r>
-              <a:rPr lang="en-US" dirty="0">
-                <a:effectLst/>
-                <a:latin typeface="Calibri" panose="020F0502020204030204" pitchFamily="34" charset="0"/>
-                <a:ea typeface="Calibri" panose="020F0502020204030204" pitchFamily="34" charset="0"/>
-                <a:cs typeface="Arial" panose="020B0604020202020204" pitchFamily="34" charset="0"/>
-              </a:rPr>
-              <a:t>, </a:t>
+              <a:t>Второй халиф, Омар </a:t>
             </a:r>
             <a:r>
               <a:rPr lang="ru-RU" dirty="0">
-                <a:effectLst/>
-                <a:latin typeface="Calibri" panose="020F0502020204030204" pitchFamily="34" charset="0"/>
-                <a:ea typeface="Calibri" panose="020F0502020204030204" pitchFamily="34" charset="0"/>
-                <a:cs typeface="Arial" panose="020B0604020202020204" pitchFamily="34" charset="0"/>
-              </a:rPr>
-              <a:t>Осман бин </a:t>
-            </a:r>
-            <a:r>
-              <a:rPr lang="ru-RU" dirty="0" err="1">
-                <a:effectLst/>
-                <a:latin typeface="Calibri" panose="020F0502020204030204" pitchFamily="34" charset="0"/>
-                <a:ea typeface="Calibri" panose="020F0502020204030204" pitchFamily="34" charset="0"/>
-                <a:cs typeface="Arial" panose="020B0604020202020204" pitchFamily="34" charset="0"/>
-              </a:rPr>
-              <a:t>Аффан</a:t>
+                <a:latin typeface="Calibri" panose="020F0502020204030204" pitchFamily="34" charset="0"/>
+                <a:ea typeface="Calibri" panose="020F0502020204030204" pitchFamily="34" charset="0"/>
+                <a:cs typeface="Arial" panose="020B0604020202020204" pitchFamily="34" charset="0"/>
+              </a:rPr>
+              <a:t>Ибн</a:t>
+            </a:r>
+            <a:r>
+              <a:rPr lang="ru-RU" dirty="0">
+                <a:effectLst/>
+                <a:latin typeface="Calibri" panose="020F0502020204030204" pitchFamily="34" charset="0"/>
+                <a:ea typeface="Calibri" panose="020F0502020204030204" pitchFamily="34" charset="0"/>
+                <a:cs typeface="Arial" panose="020B0604020202020204" pitchFamily="34" charset="0"/>
+              </a:rPr>
+              <a:t> Аль-Хаттаб</a:t>
             </a:r>
             <a:endParaRPr lang="en-US" dirty="0">
               <a:solidFill>
@@ -4198,28 +4198,8 @@
                 <a:ea typeface="Calibri" panose="020F0502020204030204" pitchFamily="34" charset="0"/>
                 <a:cs typeface="Arial" panose="020B0604020202020204" pitchFamily="34" charset="0"/>
               </a:rPr>
-              <a:t>Внутренние проблемы: период правления Усмана был свидетелем протестов и внутренних беспорядков в Исламском государстве в результате того, что справедливость халифата не распространялась, как ожидалось, и это было источником напряженности и беспорядков.</a:t>
-            </a:r>
-            <a:endParaRPr lang="en-US" sz="1800" kern="100" dirty="0">
-              <a:effectLst/>
-              <a:latin typeface="Calibri" panose="020F0502020204030204" pitchFamily="34" charset="0"/>
-              <a:ea typeface="Calibri" panose="020F0502020204030204" pitchFamily="34" charset="0"/>
-              <a:cs typeface="Arial" panose="020B0604020202020204" pitchFamily="34" charset="0"/>
-            </a:endParaRPr>
-          </a:p>
-          <a:p>
-            <a:pPr marL="0" marR="0" indent="0">
-              <a:lnSpc>
-                <a:spcPct val="107000"/>
-              </a:lnSpc>
-              <a:spcBef>
-                <a:spcPts val="0"/>
-              </a:spcBef>
-              <a:spcAft>
-                <a:spcPts val="800"/>
-              </a:spcAft>
-              <a:buNone/>
-            </a:pPr>
+              <a:t>Организация ИГИЛ: Во время правления Омара ибн аль-Хаттаба Исламское государство получило большое развитие и организацию, включая разделение территорий, назначение губернаторов и создание административных систем.</a:t>
+            </a:r>
             <a:endParaRPr lang="en-US" sz="1800" kern="100" dirty="0">
               <a:effectLst/>
               <a:latin typeface="Calibri" panose="020F0502020204030204" pitchFamily="34" charset="0"/>
@@ -4240,56 +4220,13 @@
               </a:spcAft>
             </a:pPr>
             <a:r>
-              <a:rPr lang="ru-RU" sz="1800" dirty="0">
-                <a:effectLst/>
-                <a:latin typeface="Calibri" panose="020F0502020204030204" pitchFamily="34" charset="0"/>
-                <a:ea typeface="Calibri" panose="020F0502020204030204" pitchFamily="34" charset="0"/>
-                <a:cs typeface="Arial" panose="020B0604020202020204" pitchFamily="34" charset="0"/>
-              </a:rPr>
-              <a:t>Копирование Корана: В период Усмана ибн </a:t>
-            </a:r>
-            <a:r>
-              <a:rPr lang="ru-RU" sz="1800" dirty="0" err="1">
-                <a:effectLst/>
-                <a:latin typeface="Calibri" panose="020F0502020204030204" pitchFamily="34" charset="0"/>
-                <a:ea typeface="Calibri" panose="020F0502020204030204" pitchFamily="34" charset="0"/>
-                <a:cs typeface="Arial" panose="020B0604020202020204" pitchFamily="34" charset="0"/>
-              </a:rPr>
-              <a:t>Аффана</a:t>
-            </a:r>
-            <a:r>
-              <a:rPr lang="ru-RU" sz="1800" dirty="0">
-                <a:effectLst/>
-                <a:latin typeface="Calibri" panose="020F0502020204030204" pitchFamily="34" charset="0"/>
-                <a:ea typeface="Calibri" panose="020F0502020204030204" pitchFamily="34" charset="0"/>
-                <a:cs typeface="Arial" panose="020B0604020202020204" pitchFamily="34" charset="0"/>
-              </a:rPr>
-              <a:t> Коран был объединен в одном экземпляре и распространен во всех регионах Исламского Государства, и это было важным шагом в сохранении и передаче Корана.</a:t>
-            </a:r>
-            <a:br>
-              <a:rPr lang="ru-RU" sz="1800" dirty="0">
-                <a:effectLst/>
-                <a:latin typeface="Calibri" panose="020F0502020204030204" pitchFamily="34" charset="0"/>
-                <a:ea typeface="Calibri" panose="020F0502020204030204" pitchFamily="34" charset="0"/>
-                <a:cs typeface="Arial" panose="020B0604020202020204" pitchFamily="34" charset="0"/>
-              </a:rPr>
-            </a:br>
-            <a:br>
-              <a:rPr lang="ru-RU" sz="1800" dirty="0">
-                <a:effectLst/>
-                <a:latin typeface="Calibri" panose="020F0502020204030204" pitchFamily="34" charset="0"/>
-                <a:ea typeface="Calibri" panose="020F0502020204030204" pitchFamily="34" charset="0"/>
-                <a:cs typeface="Arial" panose="020B0604020202020204" pitchFamily="34" charset="0"/>
-              </a:rPr>
-            </a:br>
-            <a:r>
               <a:rPr lang="ru-RU" sz="1800" kern="100" dirty="0">
                 <a:effectLst/>
                 <a:latin typeface="Calibri" panose="020F0502020204030204" pitchFamily="34" charset="0"/>
                 <a:ea typeface="Calibri" panose="020F0502020204030204" pitchFamily="34" charset="0"/>
                 <a:cs typeface="Arial" panose="020B0604020202020204" pitchFamily="34" charset="0"/>
               </a:rPr>
-              <a:t>Распространение ислама. В этот период ислам распространился на новые регионы, такие как Хорасан и Магриб в Африке.</a:t>
+              <a:t> </a:t>
             </a:r>
             <a:endParaRPr lang="en-US" sz="1800" kern="100" dirty="0">
               <a:effectLst/>
@@ -4306,25 +4243,7 @@
                 <a:ea typeface="Calibri" panose="020F0502020204030204" pitchFamily="34" charset="0"/>
                 <a:cs typeface="Arial" panose="020B0604020202020204" pitchFamily="34" charset="0"/>
               </a:rPr>
-              <a:t>Смерть Османа бин </a:t>
-            </a:r>
-            <a:r>
-              <a:rPr lang="ru-RU" sz="1800" dirty="0" err="1">
-                <a:effectLst/>
-                <a:latin typeface="Calibri" panose="020F0502020204030204" pitchFamily="34" charset="0"/>
-                <a:ea typeface="Calibri" panose="020F0502020204030204" pitchFamily="34" charset="0"/>
-                <a:cs typeface="Arial" panose="020B0604020202020204" pitchFamily="34" charset="0"/>
-              </a:rPr>
-              <a:t>Аффана</a:t>
-            </a:r>
-            <a:r>
-              <a:rPr lang="ru-RU" sz="1800" dirty="0">
-                <a:effectLst/>
-                <a:latin typeface="Calibri" panose="020F0502020204030204" pitchFamily="34" charset="0"/>
-                <a:ea typeface="Calibri" panose="020F0502020204030204" pitchFamily="34" charset="0"/>
-                <a:cs typeface="Arial" panose="020B0604020202020204" pitchFamily="34" charset="0"/>
-              </a:rPr>
-              <a:t>: 656 г.</a:t>
+              <a:t>Издание исламских законов: Омар бин Аль-Хаттаб издал множество исламских постановлений и законов, отражающих применение исламских законов в различных аспектах жизни.</a:t>
             </a:r>
             <a:endParaRPr lang="en-US" sz="1800" kern="100" dirty="0">
               <a:effectLst/>
@@ -4338,7 +4257,7 @@
     </p:spTree>
     <p:extLst>
       <p:ext uri="{BB962C8B-B14F-4D97-AF65-F5344CB8AC3E}">
-        <p14:creationId xmlns:p14="http://schemas.microsoft.com/office/powerpoint/2010/main" val="3340852477"/>
+        <p14:creationId xmlns:p14="http://schemas.microsoft.com/office/powerpoint/2010/main" val="1552944486"/>
       </p:ext>
     </p:extLst>
   </p:cSld>
@@ -4349,6 +4268,99 @@
 </file>
 
 <file path=ppt/slides/slide11.xml><?xml version="1.0" encoding="utf-8"?>
+<p:sld xmlns:a="http://schemas.openxmlformats.org/drawingml/2006/main" xmlns:r="http://schemas.openxmlformats.org/officeDocument/2006/relationships" xmlns:p="http://schemas.openxmlformats.org/presentationml/2006/main">
+  <p:cSld>
+    <p:spTree>
+      <p:nvGrpSpPr>
+        <p:cNvPr id="1" name=""/>
+        <p:cNvGrpSpPr/>
+        <p:nvPr/>
+      </p:nvGrpSpPr>
+      <p:grpSpPr>
+        <a:xfrm>
+          <a:off x="0" y="0"/>
+          <a:ext cx="0" cy="0"/>
+          <a:chOff x="0" y="0"/>
+          <a:chExt cx="0" cy="0"/>
+        </a:xfrm>
+      </p:grpSpPr>
+      <p:sp>
+        <p:nvSpPr>
+          <p:cNvPr id="2" name="Заголовок 1">
+            <a:extLst>
+              <a:ext uri="{FF2B5EF4-FFF2-40B4-BE49-F238E27FC236}">
+                <a16:creationId xmlns:a16="http://schemas.microsoft.com/office/drawing/2014/main" id="{296BB2E0-43DF-1EE9-8DFA-B3729F2D7AA9}"/>
+              </a:ext>
+            </a:extLst>
+          </p:cNvPr>
+          <p:cNvSpPr>
+            <a:spLocks noGrp="1"/>
+          </p:cNvSpPr>
+          <p:nvPr>
+            <p:ph type="title"/>
+          </p:nvPr>
+        </p:nvSpPr>
+        <p:spPr/>
+        <p:txBody>
+          <a:bodyPr/>
+          <a:lstStyle/>
+          <a:p>
+            <a:r>
+              <a:rPr lang="en-US" dirty="0"/>
+              <a:t>|</a:t>
+            </a:r>
+          </a:p>
+        </p:txBody>
+      </p:sp>
+      <p:pic>
+        <p:nvPicPr>
+          <p:cNvPr id="5" name="Объект 4" descr="Изображение выглядит как карта, текст, атлас&#10;&#10;Автоматически созданное описание">
+            <a:extLst>
+              <a:ext uri="{FF2B5EF4-FFF2-40B4-BE49-F238E27FC236}">
+                <a16:creationId xmlns:a16="http://schemas.microsoft.com/office/drawing/2014/main" id="{816C8922-6246-15C9-88B2-77DA8A29C165}"/>
+              </a:ext>
+            </a:extLst>
+          </p:cNvPr>
+          <p:cNvPicPr>
+            <a:picLocks noGrp="1" noChangeAspect="1"/>
+          </p:cNvPicPr>
+          <p:nvPr>
+            <p:ph idx="1"/>
+          </p:nvPr>
+        </p:nvPicPr>
+        <p:blipFill>
+          <a:blip r:embed="rId2">
+            <a:extLst>
+              <a:ext uri="{28A0092B-C50C-407E-A947-70E740481C1C}">
+                <a14:useLocalDpi xmlns:a14="http://schemas.microsoft.com/office/drawing/2010/main" val="0"/>
+              </a:ext>
+            </a:extLst>
+          </a:blip>
+          <a:stretch>
+            <a:fillRect/>
+          </a:stretch>
+        </p:blipFill>
+        <p:spPr>
+          <a:xfrm>
+            <a:off x="2087523" y="1528922"/>
+            <a:ext cx="8016953" cy="4963953"/>
+          </a:xfrm>
+        </p:spPr>
+      </p:pic>
+    </p:spTree>
+    <p:extLst>
+      <p:ext uri="{BB962C8B-B14F-4D97-AF65-F5344CB8AC3E}">
+        <p14:creationId xmlns:p14="http://schemas.microsoft.com/office/powerpoint/2010/main" val="1366737424"/>
+      </p:ext>
+    </p:extLst>
+  </p:cSld>
+  <p:clrMapOvr>
+    <a:masterClrMapping/>
+  </p:clrMapOvr>
+</p:sld>
+</file>
+
+<file path=ppt/slides/slide12.xml><?xml version="1.0" encoding="utf-8"?>
 <p:sld xmlns:a="http://schemas.openxmlformats.org/drawingml/2006/main" xmlns:r="http://schemas.openxmlformats.org/officeDocument/2006/relationships" xmlns:p="http://schemas.openxmlformats.org/presentationml/2006/main">
   <p:cSld>
     <p:bg>
@@ -4507,7 +4519,25 @@
                 <a:ea typeface="Calibri" panose="020F0502020204030204" pitchFamily="34" charset="0"/>
                 <a:cs typeface="Arial" panose="020B0604020202020204" pitchFamily="34" charset="0"/>
               </a:rPr>
-              <a:t>Четвертый халиф, Али бин </a:t>
+              <a:t>Третий халиф</a:t>
+            </a:r>
+            <a:r>
+              <a:rPr lang="en-US" dirty="0">
+                <a:effectLst/>
+                <a:latin typeface="Calibri" panose="020F0502020204030204" pitchFamily="34" charset="0"/>
+                <a:ea typeface="Calibri" panose="020F0502020204030204" pitchFamily="34" charset="0"/>
+                <a:cs typeface="Arial" panose="020B0604020202020204" pitchFamily="34" charset="0"/>
+              </a:rPr>
+              <a:t>, </a:t>
+            </a:r>
+            <a:r>
+              <a:rPr lang="ru-RU" dirty="0">
+                <a:effectLst/>
+                <a:latin typeface="Calibri" panose="020F0502020204030204" pitchFamily="34" charset="0"/>
+                <a:ea typeface="Calibri" panose="020F0502020204030204" pitchFamily="34" charset="0"/>
+                <a:cs typeface="Arial" panose="020B0604020202020204" pitchFamily="34" charset="0"/>
+              </a:rPr>
+              <a:t>Осман бин </a:t>
             </a:r>
             <a:r>
               <a:rPr lang="ru-RU" dirty="0" err="1">
@@ -4516,16 +4546,7 @@
                 <a:ea typeface="Calibri" panose="020F0502020204030204" pitchFamily="34" charset="0"/>
                 <a:cs typeface="Arial" panose="020B0604020202020204" pitchFamily="34" charset="0"/>
               </a:rPr>
-              <a:t>Аби</a:t>
-            </a:r>
-            <a:r>
-              <a:rPr lang="ru-RU" dirty="0">
-                <a:effectLst/>
-                <a:latin typeface="Calibri" panose="020F0502020204030204" pitchFamily="34" charset="0"/>
-                <a:ea typeface="Calibri" panose="020F0502020204030204" pitchFamily="34" charset="0"/>
-                <a:cs typeface="Arial" panose="020B0604020202020204" pitchFamily="34" charset="0"/>
-              </a:rPr>
-              <a:t> Талиб</a:t>
+              <a:t>Аффан</a:t>
             </a:r>
             <a:endParaRPr lang="en-US" dirty="0">
               <a:solidFill>
@@ -4581,7 +4602,25 @@
                 <a:ea typeface="Calibri" panose="020F0502020204030204" pitchFamily="34" charset="0"/>
                 <a:cs typeface="Arial" panose="020B0604020202020204" pitchFamily="34" charset="0"/>
               </a:rPr>
-              <a:t>После мученической смерти халифа Османа бин </a:t>
+              <a:t>Омар</a:t>
+            </a:r>
+            <a:r>
+              <a:rPr lang="en-US" sz="1800" kern="100" dirty="0">
+                <a:effectLst/>
+                <a:latin typeface="Calibri" panose="020F0502020204030204" pitchFamily="34" charset="0"/>
+                <a:ea typeface="Calibri" panose="020F0502020204030204" pitchFamily="34" charset="0"/>
+                <a:cs typeface="Arial" panose="020B0604020202020204" pitchFamily="34" charset="0"/>
+              </a:rPr>
+              <a:t>, </a:t>
+            </a:r>
+            <a:r>
+              <a:rPr lang="ru-RU" sz="1800" kern="100" dirty="0">
+                <a:effectLst/>
+                <a:latin typeface="Calibri" panose="020F0502020204030204" pitchFamily="34" charset="0"/>
+                <a:ea typeface="Calibri" panose="020F0502020204030204" pitchFamily="34" charset="0"/>
+                <a:cs typeface="Arial" panose="020B0604020202020204" pitchFamily="34" charset="0"/>
+              </a:rPr>
+              <a:t>получив ножевое ранение от Абу </a:t>
             </a:r>
             <a:r>
               <a:rPr lang="ru-RU" sz="1800" kern="100" dirty="0" err="1">
@@ -4590,6 +4629,132 @@
                 <a:ea typeface="Calibri" panose="020F0502020204030204" pitchFamily="34" charset="0"/>
                 <a:cs typeface="Arial" panose="020B0604020202020204" pitchFamily="34" charset="0"/>
               </a:rPr>
+              <a:t>Лулуа</a:t>
+            </a:r>
+            <a:r>
+              <a:rPr lang="ru-RU" sz="1800" kern="100" dirty="0">
+                <a:effectLst/>
+                <a:latin typeface="Calibri" panose="020F0502020204030204" pitchFamily="34" charset="0"/>
+                <a:ea typeface="Calibri" panose="020F0502020204030204" pitchFamily="34" charset="0"/>
+                <a:cs typeface="Arial" panose="020B0604020202020204" pitchFamily="34" charset="0"/>
+              </a:rPr>
+              <a:t> и почувствовав приближение своей смерти</a:t>
+            </a:r>
+            <a:r>
+              <a:rPr lang="en-US" sz="1800" kern="100" dirty="0">
+                <a:effectLst/>
+                <a:latin typeface="Calibri" panose="020F0502020204030204" pitchFamily="34" charset="0"/>
+                <a:ea typeface="Calibri" panose="020F0502020204030204" pitchFamily="34" charset="0"/>
+                <a:cs typeface="Arial" panose="020B0604020202020204" pitchFamily="34" charset="0"/>
+              </a:rPr>
+              <a:t>, </a:t>
+            </a:r>
+            <a:r>
+              <a:rPr lang="ru-RU" sz="1800" kern="100" dirty="0">
+                <a:effectLst/>
+                <a:latin typeface="Calibri" panose="020F0502020204030204" pitchFamily="34" charset="0"/>
+                <a:ea typeface="Calibri" panose="020F0502020204030204" pitchFamily="34" charset="0"/>
+                <a:cs typeface="Arial" panose="020B0604020202020204" pitchFamily="34" charset="0"/>
+              </a:rPr>
+              <a:t>сформировал совет из шести человек</a:t>
+            </a:r>
+            <a:r>
+              <a:rPr lang="en-US" sz="1800" kern="100" dirty="0">
+                <a:effectLst/>
+                <a:latin typeface="Calibri" panose="020F0502020204030204" pitchFamily="34" charset="0"/>
+                <a:ea typeface="Calibri" panose="020F0502020204030204" pitchFamily="34" charset="0"/>
+                <a:cs typeface="Arial" panose="020B0604020202020204" pitchFamily="34" charset="0"/>
+              </a:rPr>
+              <a:t>, </a:t>
+            </a:r>
+            <a:r>
+              <a:rPr lang="ru-RU" sz="1800" kern="100" dirty="0">
+                <a:effectLst/>
+                <a:latin typeface="Calibri" panose="020F0502020204030204" pitchFamily="34" charset="0"/>
+                <a:ea typeface="Calibri" panose="020F0502020204030204" pitchFamily="34" charset="0"/>
+                <a:cs typeface="Arial" panose="020B0604020202020204" pitchFamily="34" charset="0"/>
+              </a:rPr>
+              <a:t>одобренных Посланником Бога в исламе</a:t>
+            </a:r>
+            <a:r>
+              <a:rPr lang="en-US" sz="1800" kern="100" dirty="0">
+                <a:effectLst/>
+                <a:latin typeface="Calibri" panose="020F0502020204030204" pitchFamily="34" charset="0"/>
+                <a:ea typeface="Calibri" panose="020F0502020204030204" pitchFamily="34" charset="0"/>
+                <a:cs typeface="Arial" panose="020B0604020202020204" pitchFamily="34" charset="0"/>
+              </a:rPr>
+              <a:t>. </a:t>
+            </a:r>
+            <a:r>
+              <a:rPr lang="ru-RU" sz="1800" kern="100" dirty="0">
+                <a:effectLst/>
+                <a:latin typeface="Calibri" panose="020F0502020204030204" pitchFamily="34" charset="0"/>
+                <a:ea typeface="Calibri" panose="020F0502020204030204" pitchFamily="34" charset="0"/>
+                <a:cs typeface="Arial" panose="020B0604020202020204" pitchFamily="34" charset="0"/>
+              </a:rPr>
+              <a:t>Отбор из них будет производить Шура. Первое, что можно было назвать выборами, состоялось внутри зарождающегося исламского общества, чтобы сделать выбор между Усманом ибн </a:t>
+            </a:r>
+            <a:r>
+              <a:rPr lang="ru-RU" sz="1800" kern="100" dirty="0" err="1">
+                <a:effectLst/>
+                <a:latin typeface="Calibri" panose="020F0502020204030204" pitchFamily="34" charset="0"/>
+                <a:ea typeface="Calibri" panose="020F0502020204030204" pitchFamily="34" charset="0"/>
+                <a:cs typeface="Arial" panose="020B0604020202020204" pitchFamily="34" charset="0"/>
+              </a:rPr>
+              <a:t>Аффаном</a:t>
+            </a:r>
+            <a:r>
+              <a:rPr lang="ru-RU" sz="1800" kern="100" dirty="0">
+                <a:effectLst/>
+                <a:latin typeface="Calibri" panose="020F0502020204030204" pitchFamily="34" charset="0"/>
+                <a:ea typeface="Calibri" panose="020F0502020204030204" pitchFamily="34" charset="0"/>
+                <a:cs typeface="Arial" panose="020B0604020202020204" pitchFamily="34" charset="0"/>
+              </a:rPr>
+              <a:t> и Али ибн </a:t>
+            </a:r>
+            <a:r>
+              <a:rPr lang="ru-RU" sz="1800" kern="100" dirty="0" err="1">
+                <a:effectLst/>
+                <a:latin typeface="Calibri" panose="020F0502020204030204" pitchFamily="34" charset="0"/>
+                <a:ea typeface="Calibri" panose="020F0502020204030204" pitchFamily="34" charset="0"/>
+                <a:cs typeface="Arial" panose="020B0604020202020204" pitchFamily="34" charset="0"/>
+              </a:rPr>
+              <a:t>Аби</a:t>
+            </a:r>
+            <a:r>
+              <a:rPr lang="ru-RU" sz="1800" kern="100" dirty="0">
+                <a:effectLst/>
+                <a:latin typeface="Calibri" panose="020F0502020204030204" pitchFamily="34" charset="0"/>
+                <a:ea typeface="Calibri" panose="020F0502020204030204" pitchFamily="34" charset="0"/>
+                <a:cs typeface="Arial" panose="020B0604020202020204" pitchFamily="34" charset="0"/>
+              </a:rPr>
+              <a:t> Талибом, и результаты, как говорят источники, привели к процессу референдума, проведенному </a:t>
+            </a:r>
+            <a:r>
+              <a:rPr lang="ru-RU" sz="1800" kern="100" dirty="0" err="1">
+                <a:effectLst/>
+                <a:latin typeface="Calibri" panose="020F0502020204030204" pitchFamily="34" charset="0"/>
+                <a:ea typeface="Calibri" panose="020F0502020204030204" pitchFamily="34" charset="0"/>
+                <a:cs typeface="Arial" panose="020B0604020202020204" pitchFamily="34" charset="0"/>
+              </a:rPr>
+              <a:t>Абд</a:t>
+            </a:r>
+            <a:r>
+              <a:rPr lang="ru-RU" sz="1800" kern="100" dirty="0">
+                <a:effectLst/>
+                <a:latin typeface="Calibri" panose="020F0502020204030204" pitchFamily="34" charset="0"/>
+                <a:ea typeface="Calibri" panose="020F0502020204030204" pitchFamily="34" charset="0"/>
+                <a:cs typeface="Arial" panose="020B0604020202020204" pitchFamily="34" charset="0"/>
+              </a:rPr>
+              <a:t> ар-Рахманом ибн Ауфом. 12 в назначении Усмана ибн </a:t>
+            </a:r>
+            <a:r>
+              <a:rPr lang="ru-RU" sz="1800" kern="100" dirty="0" err="1">
+                <a:effectLst/>
+                <a:latin typeface="Calibri" panose="020F0502020204030204" pitchFamily="34" charset="0"/>
+                <a:ea typeface="Calibri" panose="020F0502020204030204" pitchFamily="34" charset="0"/>
+                <a:cs typeface="Arial" panose="020B0604020202020204" pitchFamily="34" charset="0"/>
+              </a:rPr>
               <a:t>Аффана</a:t>
             </a:r>
             <a:r>
@@ -4599,122 +4764,7 @@
                 <a:ea typeface="Calibri" panose="020F0502020204030204" pitchFamily="34" charset="0"/>
                 <a:cs typeface="Arial" panose="020B0604020202020204" pitchFamily="34" charset="0"/>
               </a:rPr>
-              <a:t> во время первой борьбы, свидетелем которой стало Исламское государство, Али бин </a:t>
-            </a:r>
-            <a:r>
-              <a:rPr lang="ru-RU" sz="1800" kern="100" dirty="0" err="1">
-                <a:effectLst/>
-                <a:latin typeface="Calibri" panose="020F0502020204030204" pitchFamily="34" charset="0"/>
-                <a:ea typeface="Calibri" panose="020F0502020204030204" pitchFamily="34" charset="0"/>
-                <a:cs typeface="Arial" panose="020B0604020202020204" pitchFamily="34" charset="0"/>
-              </a:rPr>
-              <a:t>Аби</a:t>
-            </a:r>
-            <a:r>
-              <a:rPr lang="ru-RU" sz="1800" kern="100" dirty="0">
-                <a:effectLst/>
-                <a:latin typeface="Calibri" panose="020F0502020204030204" pitchFamily="34" charset="0"/>
-                <a:ea typeface="Calibri" panose="020F0502020204030204" pitchFamily="34" charset="0"/>
-                <a:cs typeface="Arial" panose="020B0604020202020204" pitchFamily="34" charset="0"/>
-              </a:rPr>
-              <a:t> Талиб получил халифат, присягнув ему на верность от группы сподвижников, взяв таким образом на себя управление государством. В состоянии серьезных беспорядков, когда он был вынужден перенести центр халифата из Медины в </a:t>
-            </a:r>
-            <a:r>
-              <a:rPr lang="ru-RU" sz="1800" kern="100" dirty="0" err="1">
-                <a:effectLst/>
-                <a:latin typeface="Calibri" panose="020F0502020204030204" pitchFamily="34" charset="0"/>
-                <a:ea typeface="Calibri" panose="020F0502020204030204" pitchFamily="34" charset="0"/>
-                <a:cs typeface="Arial" panose="020B0604020202020204" pitchFamily="34" charset="0"/>
-              </a:rPr>
-              <a:t>Куфу</a:t>
-            </a:r>
-            <a:r>
-              <a:rPr lang="ru-RU" sz="1800" kern="100" dirty="0">
-                <a:effectLst/>
-                <a:latin typeface="Calibri" panose="020F0502020204030204" pitchFamily="34" charset="0"/>
-                <a:ea typeface="Calibri" panose="020F0502020204030204" pitchFamily="34" charset="0"/>
-                <a:cs typeface="Arial" panose="020B0604020202020204" pitchFamily="34" charset="0"/>
-              </a:rPr>
-              <a:t>, он отказался. Правитель Леванта в то время </a:t>
-            </a:r>
-            <a:r>
-              <a:rPr lang="ru-RU" sz="1800" kern="100" dirty="0" err="1">
-                <a:effectLst/>
-                <a:latin typeface="Calibri" panose="020F0502020204030204" pitchFamily="34" charset="0"/>
-                <a:ea typeface="Calibri" panose="020F0502020204030204" pitchFamily="34" charset="0"/>
-                <a:cs typeface="Arial" panose="020B0604020202020204" pitchFamily="34" charset="0"/>
-              </a:rPr>
-              <a:t>Муавия</a:t>
-            </a:r>
-            <a:r>
-              <a:rPr lang="ru-RU" sz="1800" kern="100" dirty="0">
-                <a:effectLst/>
-                <a:latin typeface="Calibri" panose="020F0502020204030204" pitchFamily="34" charset="0"/>
-                <a:ea typeface="Calibri" panose="020F0502020204030204" pitchFamily="34" charset="0"/>
-                <a:cs typeface="Arial" panose="020B0604020202020204" pitchFamily="34" charset="0"/>
-              </a:rPr>
-              <a:t> бин </a:t>
-            </a:r>
-            <a:r>
-              <a:rPr lang="ru-RU" sz="1800" kern="100" dirty="0" err="1">
-                <a:effectLst/>
-                <a:latin typeface="Calibri" panose="020F0502020204030204" pitchFamily="34" charset="0"/>
-                <a:ea typeface="Calibri" panose="020F0502020204030204" pitchFamily="34" charset="0"/>
-                <a:cs typeface="Arial" panose="020B0604020202020204" pitchFamily="34" charset="0"/>
-              </a:rPr>
-              <a:t>Аби</a:t>
-            </a:r>
-            <a:r>
-              <a:rPr lang="ru-RU" sz="1800" kern="100" dirty="0">
-                <a:effectLst/>
-                <a:latin typeface="Calibri" panose="020F0502020204030204" pitchFamily="34" charset="0"/>
-                <a:ea typeface="Calibri" panose="020F0502020204030204" pitchFamily="34" charset="0"/>
-                <a:cs typeface="Arial" panose="020B0604020202020204" pitchFamily="34" charset="0"/>
-              </a:rPr>
-              <a:t> Суфьян присягнул Али бин </a:t>
-            </a:r>
-            <a:r>
-              <a:rPr lang="ru-RU" sz="1800" kern="100" dirty="0" err="1">
-                <a:effectLst/>
-                <a:latin typeface="Calibri" panose="020F0502020204030204" pitchFamily="34" charset="0"/>
-                <a:ea typeface="Calibri" panose="020F0502020204030204" pitchFamily="34" charset="0"/>
-                <a:cs typeface="Arial" panose="020B0604020202020204" pitchFamily="34" charset="0"/>
-              </a:rPr>
-              <a:t>Аби</a:t>
-            </a:r>
-            <a:r>
-              <a:rPr lang="ru-RU" sz="1800" kern="100" dirty="0">
-                <a:effectLst/>
-                <a:latin typeface="Calibri" panose="020F0502020204030204" pitchFamily="34" charset="0"/>
-                <a:ea typeface="Calibri" panose="020F0502020204030204" pitchFamily="34" charset="0"/>
-                <a:cs typeface="Arial" panose="020B0604020202020204" pitchFamily="34" charset="0"/>
-              </a:rPr>
-              <a:t> Талибу, ссылаясь на необходимость возмездия сначала убийцам халифа Османа, что привело к раздорам среди мусульман и сражениям между двумя сторонами, и Али продолжал править в течение 5 лет.</a:t>
-            </a:r>
-            <a:br>
-              <a:rPr lang="ru-RU" sz="1800" kern="100" dirty="0">
-                <a:effectLst/>
-                <a:latin typeface="Calibri" panose="020F0502020204030204" pitchFamily="34" charset="0"/>
-                <a:ea typeface="Calibri" panose="020F0502020204030204" pitchFamily="34" charset="0"/>
-                <a:cs typeface="Arial" panose="020B0604020202020204" pitchFamily="34" charset="0"/>
-              </a:rPr>
-            </a:br>
-            <a:br>
-              <a:rPr lang="ru-RU" sz="1800" kern="100" dirty="0">
-                <a:effectLst/>
-                <a:latin typeface="Calibri" panose="020F0502020204030204" pitchFamily="34" charset="0"/>
-                <a:ea typeface="Calibri" panose="020F0502020204030204" pitchFamily="34" charset="0"/>
-                <a:cs typeface="Arial" panose="020B0604020202020204" pitchFamily="34" charset="0"/>
-              </a:rPr>
-            </a:br>
-            <a:r>
-              <a:rPr lang="ru-RU" sz="1800" kern="100" dirty="0">
-                <a:effectLst/>
-                <a:latin typeface="Calibri" panose="020F0502020204030204" pitchFamily="34" charset="0"/>
-                <a:ea typeface="Calibri" panose="020F0502020204030204" pitchFamily="34" charset="0"/>
-                <a:cs typeface="Arial" panose="020B0604020202020204" pitchFamily="34" charset="0"/>
-              </a:rPr>
-              <a:t>Хотя Али принял халифат с единогласного одобрения сподвижников, его правление было полно испытаний и искушений.</a:t>
+              <a:t> халифом мусульман, и он продолжал править в течение 12 лет.</a:t>
             </a:r>
             <a:endParaRPr lang="en-US" sz="1800" kern="100" dirty="0">
               <a:effectLst/>
@@ -4724,27 +4774,7 @@
             </a:endParaRPr>
           </a:p>
           <a:p>
-            <a:pPr marL="0" marR="0" indent="0">
-              <a:lnSpc>
-                <a:spcPct val="107000"/>
-              </a:lnSpc>
-              <a:spcBef>
-                <a:spcPts val="0"/>
-              </a:spcBef>
-              <a:spcAft>
-                <a:spcPts val="800"/>
-              </a:spcAft>
-              <a:buNone/>
-            </a:pPr>
-            <a:endParaRPr lang="en-US" sz="1800" kern="100" dirty="0">
-              <a:effectLst/>
-              <a:latin typeface="Calibri" panose="020F0502020204030204" pitchFamily="34" charset="0"/>
-              <a:ea typeface="Calibri" panose="020F0502020204030204" pitchFamily="34" charset="0"/>
-              <a:cs typeface="Arial" panose="020B0604020202020204" pitchFamily="34" charset="0"/>
-            </a:endParaRPr>
-          </a:p>
-          <a:p>
-            <a:pPr marL="0" marR="0">
+            <a:pPr marL="0">
               <a:lnSpc>
                 <a:spcPct val="107000"/>
               </a:lnSpc>
@@ -4762,7 +4792,95 @@
                 <a:ea typeface="Calibri" panose="020F0502020204030204" pitchFamily="34" charset="0"/>
                 <a:cs typeface="Arial" panose="020B0604020202020204" pitchFamily="34" charset="0"/>
               </a:rPr>
-              <a:t>К наиболее важным событиям и вызовам во время правления Али бин </a:t>
+              <a:t>С 644 г. до своей мученической кончины в 656 г</a:t>
+            </a:r>
+            <a:r>
+              <a:rPr lang="ar-SA" sz="1800" kern="100" dirty="0">
+                <a:effectLst/>
+                <a:latin typeface="Calibri" panose="020F0502020204030204" pitchFamily="34" charset="0"/>
+                <a:ea typeface="Calibri" panose="020F0502020204030204" pitchFamily="34" charset="0"/>
+                <a:cs typeface="Arial" panose="020B0604020202020204" pitchFamily="34" charset="0"/>
+              </a:rPr>
+              <a:t>. </a:t>
+            </a:r>
+            <a:r>
+              <a:rPr lang="ru-RU" sz="1800" kern="100" dirty="0">
+                <a:effectLst/>
+                <a:latin typeface="Calibri" panose="020F0502020204030204" pitchFamily="34" charset="0"/>
+                <a:ea typeface="Calibri" panose="020F0502020204030204" pitchFamily="34" charset="0"/>
+                <a:cs typeface="Arial" panose="020B0604020202020204" pitchFamily="34" charset="0"/>
+              </a:rPr>
+              <a:t>За время его правления Исламское Государство стало свидетелем многих важных событий и сражений, в том числе:</a:t>
+            </a:r>
+            <a:br>
+              <a:rPr lang="ru-RU" sz="1800" kern="100" dirty="0">
+                <a:effectLst/>
+                <a:latin typeface="Calibri" panose="020F0502020204030204" pitchFamily="34" charset="0"/>
+                <a:ea typeface="Calibri" panose="020F0502020204030204" pitchFamily="34" charset="0"/>
+                <a:cs typeface="Arial" panose="020B0604020202020204" pitchFamily="34" charset="0"/>
+              </a:rPr>
+            </a:br>
+            <a:r>
+              <a:rPr lang="ru-RU" sz="1800" kern="100" dirty="0">
+                <a:effectLst/>
+                <a:latin typeface="Calibri" panose="020F0502020204030204" pitchFamily="34" charset="0"/>
+                <a:ea typeface="Calibri" panose="020F0502020204030204" pitchFamily="34" charset="0"/>
+                <a:cs typeface="Arial" panose="020B0604020202020204" pitchFamily="34" charset="0"/>
+              </a:rPr>
+              <a:t> </a:t>
+            </a:r>
+            <a:br>
+              <a:rPr lang="ru-RU" sz="1800" kern="100" dirty="0">
+                <a:effectLst/>
+                <a:latin typeface="Calibri" panose="020F0502020204030204" pitchFamily="34" charset="0"/>
+                <a:ea typeface="Calibri" panose="020F0502020204030204" pitchFamily="34" charset="0"/>
+                <a:cs typeface="Arial" panose="020B0604020202020204" pitchFamily="34" charset="0"/>
+              </a:rPr>
+            </a:br>
+            <a:r>
+              <a:rPr lang="en-US" sz="1800" kern="100" dirty="0" err="1">
+                <a:effectLst/>
+                <a:latin typeface="Calibri" panose="020F0502020204030204" pitchFamily="34" charset="0"/>
+                <a:ea typeface="Calibri" panose="020F0502020204030204" pitchFamily="34" charset="0"/>
+                <a:cs typeface="Arial" panose="020B0604020202020204" pitchFamily="34" charset="0"/>
+              </a:rPr>
+              <a:t>Битва</a:t>
+            </a:r>
+            <a:r>
+              <a:rPr lang="en-US" sz="1800" kern="100" dirty="0">
+                <a:effectLst/>
+                <a:latin typeface="Calibri" panose="020F0502020204030204" pitchFamily="34" charset="0"/>
+                <a:ea typeface="Calibri" panose="020F0502020204030204" pitchFamily="34" charset="0"/>
+                <a:cs typeface="Arial" panose="020B0604020202020204" pitchFamily="34" charset="0"/>
+              </a:rPr>
+              <a:t> при </a:t>
+            </a:r>
+            <a:r>
+              <a:rPr lang="en-US" sz="1800" kern="100" dirty="0" err="1">
+                <a:effectLst/>
+                <a:latin typeface="Calibri" panose="020F0502020204030204" pitchFamily="34" charset="0"/>
+                <a:ea typeface="Calibri" panose="020F0502020204030204" pitchFamily="34" charset="0"/>
+                <a:cs typeface="Arial" panose="020B0604020202020204" pitchFamily="34" charset="0"/>
+              </a:rPr>
+              <a:t>Аль-Куме</a:t>
+            </a:r>
+            <a:r>
+              <a:rPr lang="en-US" sz="1800" kern="100" dirty="0">
+                <a:effectLst/>
+                <a:latin typeface="Calibri" panose="020F0502020204030204" pitchFamily="34" charset="0"/>
+                <a:ea typeface="Calibri" panose="020F0502020204030204" pitchFamily="34" charset="0"/>
+                <a:cs typeface="Arial" panose="020B0604020202020204" pitchFamily="34" charset="0"/>
+              </a:rPr>
+              <a:t> (656 г. н. э.). </a:t>
+            </a:r>
+            <a:r>
+              <a:rPr lang="ru-RU" sz="1800" kern="100" dirty="0">
+                <a:effectLst/>
+                <a:latin typeface="Calibri" panose="020F0502020204030204" pitchFamily="34" charset="0"/>
+                <a:ea typeface="Calibri" panose="020F0502020204030204" pitchFamily="34" charset="0"/>
+                <a:cs typeface="Arial" panose="020B0604020202020204" pitchFamily="34" charset="0"/>
+              </a:rPr>
+              <a:t>Эта битва произошла между Армией ислама во главе с Али бин </a:t>
             </a:r>
             <a:r>
               <a:rPr lang="ru-RU" sz="1800" kern="100" dirty="0" err="1">
@@ -4780,7 +4898,79 @@
                 <a:ea typeface="Calibri" panose="020F0502020204030204" pitchFamily="34" charset="0"/>
                 <a:cs typeface="Arial" panose="020B0604020202020204" pitchFamily="34" charset="0"/>
               </a:rPr>
-              <a:t> Талиба относятся:</a:t>
+              <a:t> Талибом и </a:t>
+            </a:r>
+            <a:r>
+              <a:rPr lang="ru-RU" sz="1800" kern="100" dirty="0" err="1">
+                <a:effectLst/>
+                <a:latin typeface="Calibri" panose="020F0502020204030204" pitchFamily="34" charset="0"/>
+                <a:ea typeface="Calibri" panose="020F0502020204030204" pitchFamily="34" charset="0"/>
+                <a:cs typeface="Arial" panose="020B0604020202020204" pitchFamily="34" charset="0"/>
+              </a:rPr>
+              <a:t>хариджитами</a:t>
+            </a:r>
+            <a:r>
+              <a:rPr lang="ru-RU" sz="1800" kern="100" dirty="0">
+                <a:effectLst/>
+                <a:latin typeface="Calibri" panose="020F0502020204030204" pitchFamily="34" charset="0"/>
+                <a:ea typeface="Calibri" panose="020F0502020204030204" pitchFamily="34" charset="0"/>
+                <a:cs typeface="Arial" panose="020B0604020202020204" pitchFamily="34" charset="0"/>
+              </a:rPr>
+              <a:t>. </a:t>
+            </a:r>
+            <a:r>
+              <a:rPr lang="ru-RU" sz="1800" kern="100" dirty="0" err="1">
+                <a:effectLst/>
+                <a:latin typeface="Calibri" panose="020F0502020204030204" pitchFamily="34" charset="0"/>
+                <a:ea typeface="Calibri" panose="020F0502020204030204" pitchFamily="34" charset="0"/>
+                <a:cs typeface="Arial" panose="020B0604020202020204" pitchFamily="34" charset="0"/>
+              </a:rPr>
+              <a:t>Хариджиты</a:t>
+            </a:r>
+            <a:r>
+              <a:rPr lang="ru-RU" sz="1800" kern="100" dirty="0">
+                <a:effectLst/>
+                <a:latin typeface="Calibri" panose="020F0502020204030204" pitchFamily="34" charset="0"/>
+                <a:ea typeface="Calibri" panose="020F0502020204030204" pitchFamily="34" charset="0"/>
+                <a:cs typeface="Arial" panose="020B0604020202020204" pitchFamily="34" charset="0"/>
+              </a:rPr>
+              <a:t> были повстанческой группой, выступавшей против правления Усмана ибн </a:t>
+            </a:r>
+            <a:r>
+              <a:rPr lang="ru-RU" sz="1800" kern="100" dirty="0" err="1">
+                <a:effectLst/>
+                <a:latin typeface="Calibri" panose="020F0502020204030204" pitchFamily="34" charset="0"/>
+                <a:ea typeface="Calibri" panose="020F0502020204030204" pitchFamily="34" charset="0"/>
+                <a:cs typeface="Arial" panose="020B0604020202020204" pitchFamily="34" charset="0"/>
+              </a:rPr>
+              <a:t>Аффана</a:t>
+            </a:r>
+            <a:r>
+              <a:rPr lang="ru-RU" sz="1800" kern="100" dirty="0">
+                <a:effectLst/>
+                <a:latin typeface="Calibri" panose="020F0502020204030204" pitchFamily="34" charset="0"/>
+                <a:ea typeface="Calibri" panose="020F0502020204030204" pitchFamily="34" charset="0"/>
+                <a:cs typeface="Arial" panose="020B0604020202020204" pitchFamily="34" charset="0"/>
+              </a:rPr>
+              <a:t>. Битва закончилась убийством Османа бин </a:t>
+            </a:r>
+            <a:r>
+              <a:rPr lang="ru-RU" sz="1800" kern="100" dirty="0" err="1">
+                <a:effectLst/>
+                <a:latin typeface="Calibri" panose="020F0502020204030204" pitchFamily="34" charset="0"/>
+                <a:ea typeface="Calibri" panose="020F0502020204030204" pitchFamily="34" charset="0"/>
+                <a:cs typeface="Arial" panose="020B0604020202020204" pitchFamily="34" charset="0"/>
+              </a:rPr>
+              <a:t>Аффана</a:t>
+            </a:r>
+            <a:r>
+              <a:rPr lang="ru-RU" sz="1800" kern="100" dirty="0">
+                <a:effectLst/>
+                <a:latin typeface="Calibri" panose="020F0502020204030204" pitchFamily="34" charset="0"/>
+                <a:ea typeface="Calibri" panose="020F0502020204030204" pitchFamily="34" charset="0"/>
+                <a:cs typeface="Arial" panose="020B0604020202020204" pitchFamily="34" charset="0"/>
+              </a:rPr>
+              <a:t>, и Али принял халифат после его смерти.</a:t>
             </a:r>
             <a:endParaRPr lang="en-US" sz="1800" kern="100" dirty="0">
               <a:effectLst/>
@@ -4794,7 +4984,7 @@
     </p:spTree>
     <p:extLst>
       <p:ext uri="{BB962C8B-B14F-4D97-AF65-F5344CB8AC3E}">
-        <p14:creationId xmlns:p14="http://schemas.microsoft.com/office/powerpoint/2010/main" val="339954584"/>
+        <p14:creationId xmlns:p14="http://schemas.microsoft.com/office/powerpoint/2010/main" val="2303202450"/>
       </p:ext>
     </p:extLst>
   </p:cSld>
@@ -4804,7 +4994,7 @@
 </p:sld>
 </file>
 
-<file path=ppt/slides/slide12.xml><?xml version="1.0" encoding="utf-8"?>
+<file path=ppt/slides/slide13.xml><?xml version="1.0" encoding="utf-8"?>
 <p:sld xmlns:a="http://schemas.openxmlformats.org/drawingml/2006/main" xmlns:r="http://schemas.openxmlformats.org/officeDocument/2006/relationships" xmlns:p="http://schemas.openxmlformats.org/presentationml/2006/main">
   <p:cSld>
     <p:bg>
@@ -4963,7 +5153,25 @@
                 <a:ea typeface="Calibri" panose="020F0502020204030204" pitchFamily="34" charset="0"/>
                 <a:cs typeface="Arial" panose="020B0604020202020204" pitchFamily="34" charset="0"/>
               </a:rPr>
-              <a:t>Четвертый халиф, Али бин </a:t>
+              <a:t>Третий халиф</a:t>
+            </a:r>
+            <a:r>
+              <a:rPr lang="en-US" dirty="0">
+                <a:effectLst/>
+                <a:latin typeface="Calibri" panose="020F0502020204030204" pitchFamily="34" charset="0"/>
+                <a:ea typeface="Calibri" panose="020F0502020204030204" pitchFamily="34" charset="0"/>
+                <a:cs typeface="Arial" panose="020B0604020202020204" pitchFamily="34" charset="0"/>
+              </a:rPr>
+              <a:t>, </a:t>
+            </a:r>
+            <a:r>
+              <a:rPr lang="ru-RU" dirty="0">
+                <a:effectLst/>
+                <a:latin typeface="Calibri" panose="020F0502020204030204" pitchFamily="34" charset="0"/>
+                <a:ea typeface="Calibri" panose="020F0502020204030204" pitchFamily="34" charset="0"/>
+                <a:cs typeface="Arial" panose="020B0604020202020204" pitchFamily="34" charset="0"/>
+              </a:rPr>
+              <a:t>Осман бин </a:t>
             </a:r>
             <a:r>
               <a:rPr lang="ru-RU" dirty="0" err="1">
@@ -4972,16 +5180,7 @@
                 <a:ea typeface="Calibri" panose="020F0502020204030204" pitchFamily="34" charset="0"/>
                 <a:cs typeface="Arial" panose="020B0604020202020204" pitchFamily="34" charset="0"/>
               </a:rPr>
-              <a:t>Аби</a:t>
-            </a:r>
-            <a:r>
-              <a:rPr lang="ru-RU" dirty="0">
-                <a:effectLst/>
-                <a:latin typeface="Calibri" panose="020F0502020204030204" pitchFamily="34" charset="0"/>
-                <a:ea typeface="Calibri" panose="020F0502020204030204" pitchFamily="34" charset="0"/>
-                <a:cs typeface="Arial" panose="020B0604020202020204" pitchFamily="34" charset="0"/>
-              </a:rPr>
-              <a:t> Талиб</a:t>
+              <a:t>Аффан</a:t>
             </a:r>
             <a:endParaRPr lang="en-US" dirty="0">
               <a:solidFill>
@@ -5037,122 +5236,7 @@
                 <a:ea typeface="Calibri" panose="020F0502020204030204" pitchFamily="34" charset="0"/>
                 <a:cs typeface="Arial" panose="020B0604020202020204" pitchFamily="34" charset="0"/>
               </a:rPr>
-              <a:t>2. Перенос центра халифата. Из-за эскалации напряженности в Медине и давления политических вопросов Али бин </a:t>
-            </a:r>
-            <a:r>
-              <a:rPr lang="ru-RU" sz="1800" kern="100" dirty="0" err="1">
-                <a:effectLst/>
-                <a:latin typeface="Calibri" panose="020F0502020204030204" pitchFamily="34" charset="0"/>
-                <a:ea typeface="Calibri" panose="020F0502020204030204" pitchFamily="34" charset="0"/>
-                <a:cs typeface="Arial" panose="020B0604020202020204" pitchFamily="34" charset="0"/>
-              </a:rPr>
-              <a:t>Аби</a:t>
-            </a:r>
-            <a:r>
-              <a:rPr lang="ru-RU" sz="1800" kern="100" dirty="0">
-                <a:effectLst/>
-                <a:latin typeface="Calibri" panose="020F0502020204030204" pitchFamily="34" charset="0"/>
-                <a:ea typeface="Calibri" panose="020F0502020204030204" pitchFamily="34" charset="0"/>
-                <a:cs typeface="Arial" panose="020B0604020202020204" pitchFamily="34" charset="0"/>
-              </a:rPr>
-              <a:t> Талиб был вынужден перенести центр халифата в </a:t>
-            </a:r>
-            <a:r>
-              <a:rPr lang="ru-RU" sz="1800" kern="100" dirty="0" err="1">
-                <a:effectLst/>
-                <a:latin typeface="Calibri" panose="020F0502020204030204" pitchFamily="34" charset="0"/>
-                <a:ea typeface="Calibri" panose="020F0502020204030204" pitchFamily="34" charset="0"/>
-                <a:cs typeface="Arial" panose="020B0604020202020204" pitchFamily="34" charset="0"/>
-              </a:rPr>
-              <a:t>Куфу</a:t>
-            </a:r>
-            <a:r>
-              <a:rPr lang="ru-RU" sz="1800" kern="100" dirty="0">
-                <a:effectLst/>
-                <a:latin typeface="Calibri" panose="020F0502020204030204" pitchFamily="34" charset="0"/>
-                <a:ea typeface="Calibri" panose="020F0502020204030204" pitchFamily="34" charset="0"/>
-                <a:cs typeface="Arial" panose="020B0604020202020204" pitchFamily="34" charset="0"/>
-              </a:rPr>
-              <a:t> в Ираке. Это решение ознаменовало серьезные перемены в ИГИЛ.</a:t>
-            </a:r>
-            <a:br>
-              <a:rPr lang="en-US" sz="1800" kern="100" dirty="0">
-                <a:effectLst/>
-                <a:latin typeface="Calibri" panose="020F0502020204030204" pitchFamily="34" charset="0"/>
-                <a:ea typeface="Calibri" panose="020F0502020204030204" pitchFamily="34" charset="0"/>
-                <a:cs typeface="Arial" panose="020B0604020202020204" pitchFamily="34" charset="0"/>
-              </a:rPr>
-            </a:br>
-            <a:br>
-              <a:rPr lang="en-US" sz="1800" kern="100" dirty="0">
-                <a:effectLst/>
-                <a:latin typeface="Calibri" panose="020F0502020204030204" pitchFamily="34" charset="0"/>
-                <a:ea typeface="Calibri" panose="020F0502020204030204" pitchFamily="34" charset="0"/>
-                <a:cs typeface="Arial" panose="020B0604020202020204" pitchFamily="34" charset="0"/>
-              </a:rPr>
-            </a:br>
-            <a:r>
-              <a:rPr lang="ru-RU" sz="1800" kern="100" dirty="0">
-                <a:effectLst/>
-                <a:latin typeface="Calibri" panose="020F0502020204030204" pitchFamily="34" charset="0"/>
-                <a:ea typeface="Calibri" panose="020F0502020204030204" pitchFamily="34" charset="0"/>
-                <a:cs typeface="Arial" panose="020B0604020202020204" pitchFamily="34" charset="0"/>
-              </a:rPr>
-              <a:t>3. Второе восстание. Продолжались раздоры и конфликты между сторонниками Али и сторонниками </a:t>
-            </a:r>
-            <a:r>
-              <a:rPr lang="ru-RU" sz="1800" kern="100" dirty="0" err="1">
-                <a:effectLst/>
-                <a:latin typeface="Calibri" panose="020F0502020204030204" pitchFamily="34" charset="0"/>
-                <a:ea typeface="Calibri" panose="020F0502020204030204" pitchFamily="34" charset="0"/>
-                <a:cs typeface="Arial" panose="020B0604020202020204" pitchFamily="34" charset="0"/>
-              </a:rPr>
-              <a:t>Муавии</a:t>
-            </a:r>
-            <a:r>
-              <a:rPr lang="ru-RU" sz="1800" kern="100" dirty="0">
-                <a:effectLst/>
-                <a:latin typeface="Calibri" panose="020F0502020204030204" pitchFamily="34" charset="0"/>
-                <a:ea typeface="Calibri" panose="020F0502020204030204" pitchFamily="34" charset="0"/>
-                <a:cs typeface="Arial" panose="020B0604020202020204" pitchFamily="34" charset="0"/>
-              </a:rPr>
-              <a:t> бин </a:t>
-            </a:r>
-            <a:r>
-              <a:rPr lang="ru-RU" sz="1800" kern="100" dirty="0" err="1">
-                <a:effectLst/>
-                <a:latin typeface="Calibri" panose="020F0502020204030204" pitchFamily="34" charset="0"/>
-                <a:ea typeface="Calibri" panose="020F0502020204030204" pitchFamily="34" charset="0"/>
-                <a:cs typeface="Arial" panose="020B0604020202020204" pitchFamily="34" charset="0"/>
-              </a:rPr>
-              <a:t>Аби</a:t>
-            </a:r>
-            <a:r>
-              <a:rPr lang="ru-RU" sz="1800" kern="100" dirty="0">
-                <a:effectLst/>
-                <a:latin typeface="Calibri" panose="020F0502020204030204" pitchFamily="34" charset="0"/>
-                <a:ea typeface="Calibri" panose="020F0502020204030204" pitchFamily="34" charset="0"/>
-                <a:cs typeface="Arial" panose="020B0604020202020204" pitchFamily="34" charset="0"/>
-              </a:rPr>
-              <a:t> Суфьяна, и эти конфликты были связаны с убийством третьего халифа, Османа. Эта борьба привела к крупным сражениям, таким как битва при </a:t>
-            </a:r>
-            <a:r>
-              <a:rPr lang="ru-RU" sz="1800" kern="100" dirty="0" err="1">
-                <a:effectLst/>
-                <a:latin typeface="Calibri" panose="020F0502020204030204" pitchFamily="34" charset="0"/>
-                <a:ea typeface="Calibri" panose="020F0502020204030204" pitchFamily="34" charset="0"/>
-                <a:cs typeface="Arial" panose="020B0604020202020204" pitchFamily="34" charset="0"/>
-              </a:rPr>
-              <a:t>Сиффине</a:t>
-            </a:r>
-            <a:r>
-              <a:rPr lang="ru-RU" sz="1800" kern="100" dirty="0">
-                <a:effectLst/>
-                <a:latin typeface="Calibri" panose="020F0502020204030204" pitchFamily="34" charset="0"/>
-                <a:ea typeface="Calibri" panose="020F0502020204030204" pitchFamily="34" charset="0"/>
-                <a:cs typeface="Arial" panose="020B0604020202020204" pitchFamily="34" charset="0"/>
-              </a:rPr>
-              <a:t>.</a:t>
+              <a:t>Внутренние проблемы: период правления Усмана был свидетелем протестов и внутренних беспорядков в Исламском государстве в результате того, что справедливость халифата не распространялась, как ожидалось, и это было источником напряженности и беспорядков.</a:t>
             </a:r>
             <a:endParaRPr lang="en-US" sz="1800" kern="100" dirty="0">
               <a:effectLst/>
@@ -5194,13 +5278,441 @@
               </a:spcAft>
             </a:pPr>
             <a:r>
+              <a:rPr lang="ru-RU" sz="1800" dirty="0">
+                <a:effectLst/>
+                <a:latin typeface="Calibri" panose="020F0502020204030204" pitchFamily="34" charset="0"/>
+                <a:ea typeface="Calibri" panose="020F0502020204030204" pitchFamily="34" charset="0"/>
+                <a:cs typeface="Arial" panose="020B0604020202020204" pitchFamily="34" charset="0"/>
+              </a:rPr>
+              <a:t>Копирование Корана: В период Усмана ибн </a:t>
+            </a:r>
+            <a:r>
+              <a:rPr lang="ru-RU" sz="1800" dirty="0" err="1">
+                <a:effectLst/>
+                <a:latin typeface="Calibri" panose="020F0502020204030204" pitchFamily="34" charset="0"/>
+                <a:ea typeface="Calibri" panose="020F0502020204030204" pitchFamily="34" charset="0"/>
+                <a:cs typeface="Arial" panose="020B0604020202020204" pitchFamily="34" charset="0"/>
+              </a:rPr>
+              <a:t>Аффана</a:t>
+            </a:r>
+            <a:r>
+              <a:rPr lang="ru-RU" sz="1800" dirty="0">
+                <a:effectLst/>
+                <a:latin typeface="Calibri" panose="020F0502020204030204" pitchFamily="34" charset="0"/>
+                <a:ea typeface="Calibri" panose="020F0502020204030204" pitchFamily="34" charset="0"/>
+                <a:cs typeface="Arial" panose="020B0604020202020204" pitchFamily="34" charset="0"/>
+              </a:rPr>
+              <a:t> Коран был объединен в одном экземпляре и распространен во всех регионах Исламского Государства, и это было важным шагом в сохранении и передаче Корана.</a:t>
+            </a:r>
+            <a:br>
+              <a:rPr lang="ru-RU" sz="1800" dirty="0">
+                <a:effectLst/>
+                <a:latin typeface="Calibri" panose="020F0502020204030204" pitchFamily="34" charset="0"/>
+                <a:ea typeface="Calibri" panose="020F0502020204030204" pitchFamily="34" charset="0"/>
+                <a:cs typeface="Arial" panose="020B0604020202020204" pitchFamily="34" charset="0"/>
+              </a:rPr>
+            </a:br>
+            <a:br>
+              <a:rPr lang="ru-RU" sz="1800" dirty="0">
+                <a:effectLst/>
+                <a:latin typeface="Calibri" panose="020F0502020204030204" pitchFamily="34" charset="0"/>
+                <a:ea typeface="Calibri" panose="020F0502020204030204" pitchFamily="34" charset="0"/>
+                <a:cs typeface="Arial" panose="020B0604020202020204" pitchFamily="34" charset="0"/>
+              </a:rPr>
+            </a:br>
+            <a:r>
               <a:rPr lang="ru-RU" sz="1800" kern="100" dirty="0">
                 <a:effectLst/>
                 <a:latin typeface="Calibri" panose="020F0502020204030204" pitchFamily="34" charset="0"/>
                 <a:ea typeface="Calibri" panose="020F0502020204030204" pitchFamily="34" charset="0"/>
                 <a:cs typeface="Arial" panose="020B0604020202020204" pitchFamily="34" charset="0"/>
               </a:rPr>
-              <a:t>4. Битва при </a:t>
+              <a:t>Распространение ислама. В этот период ислам распространился на новые регионы, такие как Хорасан и Магриб в Африке.</a:t>
+            </a:r>
+            <a:endParaRPr lang="en-US" sz="1800" kern="100" dirty="0">
+              <a:effectLst/>
+              <a:latin typeface="Calibri" panose="020F0502020204030204" pitchFamily="34" charset="0"/>
+              <a:ea typeface="Calibri" panose="020F0502020204030204" pitchFamily="34" charset="0"/>
+              <a:cs typeface="Arial" panose="020B0604020202020204" pitchFamily="34" charset="0"/>
+            </a:endParaRPr>
+          </a:p>
+          <a:p>
+            <a:r>
+              <a:rPr lang="ru-RU" sz="1800" dirty="0">
+                <a:effectLst/>
+                <a:latin typeface="Calibri" panose="020F0502020204030204" pitchFamily="34" charset="0"/>
+                <a:ea typeface="Calibri" panose="020F0502020204030204" pitchFamily="34" charset="0"/>
+                <a:cs typeface="Arial" panose="020B0604020202020204" pitchFamily="34" charset="0"/>
+              </a:rPr>
+              <a:t>Смерть Османа бин </a:t>
+            </a:r>
+            <a:r>
+              <a:rPr lang="ru-RU" sz="1800" dirty="0" err="1">
+                <a:effectLst/>
+                <a:latin typeface="Calibri" panose="020F0502020204030204" pitchFamily="34" charset="0"/>
+                <a:ea typeface="Calibri" panose="020F0502020204030204" pitchFamily="34" charset="0"/>
+                <a:cs typeface="Arial" panose="020B0604020202020204" pitchFamily="34" charset="0"/>
+              </a:rPr>
+              <a:t>Аффана</a:t>
+            </a:r>
+            <a:r>
+              <a:rPr lang="ru-RU" sz="1800" dirty="0">
+                <a:effectLst/>
+                <a:latin typeface="Calibri" panose="020F0502020204030204" pitchFamily="34" charset="0"/>
+                <a:ea typeface="Calibri" panose="020F0502020204030204" pitchFamily="34" charset="0"/>
+                <a:cs typeface="Arial" panose="020B0604020202020204" pitchFamily="34" charset="0"/>
+              </a:rPr>
+              <a:t>: 656 г.</a:t>
+            </a:r>
+            <a:endParaRPr lang="en-US" sz="1800" kern="100" dirty="0">
+              <a:effectLst/>
+              <a:latin typeface="Calibri" panose="020F0502020204030204" pitchFamily="34" charset="0"/>
+              <a:ea typeface="Calibri" panose="020F0502020204030204" pitchFamily="34" charset="0"/>
+              <a:cs typeface="Arial" panose="020B0604020202020204" pitchFamily="34" charset="0"/>
+            </a:endParaRPr>
+          </a:p>
+        </p:txBody>
+      </p:sp>
+    </p:spTree>
+    <p:extLst>
+      <p:ext uri="{BB962C8B-B14F-4D97-AF65-F5344CB8AC3E}">
+        <p14:creationId xmlns:p14="http://schemas.microsoft.com/office/powerpoint/2010/main" val="3340852477"/>
+      </p:ext>
+    </p:extLst>
+  </p:cSld>
+  <p:clrMapOvr>
+    <a:overrideClrMapping bg1="dk1" tx1="lt1" bg2="dk2" tx2="lt2" accent1="accent1" accent2="accent2" accent3="accent3" accent4="accent4" accent5="accent5" accent6="accent6" hlink="hlink" folHlink="folHlink"/>
+  </p:clrMapOvr>
+</p:sld>
+</file>
+
+<file path=ppt/slides/slide14.xml><?xml version="1.0" encoding="utf-8"?>
+<p:sld xmlns:a="http://schemas.openxmlformats.org/drawingml/2006/main" xmlns:r="http://schemas.openxmlformats.org/officeDocument/2006/relationships" xmlns:p="http://schemas.openxmlformats.org/presentationml/2006/main">
+  <p:cSld>
+    <p:spTree>
+      <p:nvGrpSpPr>
+        <p:cNvPr id="1" name=""/>
+        <p:cNvGrpSpPr/>
+        <p:nvPr/>
+      </p:nvGrpSpPr>
+      <p:grpSpPr>
+        <a:xfrm>
+          <a:off x="0" y="0"/>
+          <a:ext cx="0" cy="0"/>
+          <a:chOff x="0" y="0"/>
+          <a:chExt cx="0" cy="0"/>
+        </a:xfrm>
+      </p:grpSpPr>
+      <p:sp>
+        <p:nvSpPr>
+          <p:cNvPr id="2" name="Заголовок 1">
+            <a:extLst>
+              <a:ext uri="{FF2B5EF4-FFF2-40B4-BE49-F238E27FC236}">
+                <a16:creationId xmlns:a16="http://schemas.microsoft.com/office/drawing/2014/main" id="{296BB2E0-43DF-1EE9-8DFA-B3729F2D7AA9}"/>
+              </a:ext>
+            </a:extLst>
+          </p:cNvPr>
+          <p:cNvSpPr>
+            <a:spLocks noGrp="1"/>
+          </p:cNvSpPr>
+          <p:nvPr>
+            <p:ph type="title"/>
+          </p:nvPr>
+        </p:nvSpPr>
+        <p:spPr/>
+        <p:txBody>
+          <a:bodyPr/>
+          <a:lstStyle/>
+          <a:p>
+            <a:r>
+              <a:rPr lang="en-US" dirty="0"/>
+              <a:t>|</a:t>
+            </a:r>
+          </a:p>
+        </p:txBody>
+      </p:sp>
+      <p:pic>
+        <p:nvPicPr>
+          <p:cNvPr id="5" name="Объект 4" descr="Изображение выглядит как карта, текст, атлас&#10;&#10;Автоматически созданное описание">
+            <a:extLst>
+              <a:ext uri="{FF2B5EF4-FFF2-40B4-BE49-F238E27FC236}">
+                <a16:creationId xmlns:a16="http://schemas.microsoft.com/office/drawing/2014/main" id="{816C8922-6246-15C9-88B2-77DA8A29C165}"/>
+              </a:ext>
+            </a:extLst>
+          </p:cNvPr>
+          <p:cNvPicPr>
+            <a:picLocks noGrp="1" noChangeAspect="1"/>
+          </p:cNvPicPr>
+          <p:nvPr>
+            <p:ph idx="1"/>
+          </p:nvPr>
+        </p:nvPicPr>
+        <p:blipFill>
+          <a:blip r:embed="rId2">
+            <a:extLst>
+              <a:ext uri="{28A0092B-C50C-407E-A947-70E740481C1C}">
+                <a14:useLocalDpi xmlns:a14="http://schemas.microsoft.com/office/drawing/2010/main" val="0"/>
+              </a:ext>
+            </a:extLst>
+          </a:blip>
+          <a:stretch>
+            <a:fillRect/>
+          </a:stretch>
+        </p:blipFill>
+        <p:spPr>
+          <a:xfrm>
+            <a:off x="2087523" y="1528922"/>
+            <a:ext cx="8016953" cy="4963953"/>
+          </a:xfrm>
+        </p:spPr>
+      </p:pic>
+    </p:spTree>
+    <p:extLst>
+      <p:ext uri="{BB962C8B-B14F-4D97-AF65-F5344CB8AC3E}">
+        <p14:creationId xmlns:p14="http://schemas.microsoft.com/office/powerpoint/2010/main" val="2523540303"/>
+      </p:ext>
+    </p:extLst>
+  </p:cSld>
+  <p:clrMapOvr>
+    <a:masterClrMapping/>
+  </p:clrMapOvr>
+</p:sld>
+</file>
+
+<file path=ppt/slides/slide15.xml><?xml version="1.0" encoding="utf-8"?>
+<p:sld xmlns:a="http://schemas.openxmlformats.org/drawingml/2006/main" xmlns:r="http://schemas.openxmlformats.org/officeDocument/2006/relationships" xmlns:p="http://schemas.openxmlformats.org/presentationml/2006/main">
+  <p:cSld>
+    <p:bg>
+      <p:bgPr>
+        <a:solidFill>
+          <a:schemeClr val="bg1"/>
+        </a:solidFill>
+        <a:effectLst/>
+      </p:bgPr>
+    </p:bg>
+    <p:spTree>
+      <p:nvGrpSpPr>
+        <p:cNvPr id="1" name=""/>
+        <p:cNvGrpSpPr/>
+        <p:nvPr/>
+      </p:nvGrpSpPr>
+      <p:grpSpPr>
+        <a:xfrm>
+          <a:off x="0" y="0"/>
+          <a:ext cx="0" cy="0"/>
+          <a:chOff x="0" y="0"/>
+          <a:chExt cx="0" cy="0"/>
+        </a:xfrm>
+      </p:grpSpPr>
+      <p:sp>
+        <p:nvSpPr>
+          <p:cNvPr id="16" name="Rectangle 15">
+            <a:extLst>
+              <a:ext uri="{FF2B5EF4-FFF2-40B4-BE49-F238E27FC236}">
+                <a16:creationId xmlns:a16="http://schemas.microsoft.com/office/drawing/2014/main" id="{9228552E-C8B1-4A80-8448-0787CE0FC704}"/>
+              </a:ext>
+              <a:ext uri="{C183D7F6-B498-43B3-948B-1728B52AA6E4}">
+                <adec:decorative xmlns:adec="http://schemas.microsoft.com/office/drawing/2017/decorative" val="1"/>
+              </a:ext>
+            </a:extLst>
+          </p:cNvPr>
+          <p:cNvSpPr>
+            <a:spLocks noGrp="1" noRot="1" noChangeAspect="1" noMove="1" noResize="1" noEditPoints="1" noAdjustHandles="1" noChangeArrowheads="1" noChangeShapeType="1" noTextEdit="1"/>
+          </p:cNvSpPr>
+          <p:nvPr>
+            <p:extLst>
+              <p:ext uri="{386F3935-93C4-4BCD-93E2-E3B085C9AB24}">
+                <p16:designElem xmlns:p16="http://schemas.microsoft.com/office/powerpoint/2015/main" val="1"/>
+              </p:ext>
+            </p:extLst>
+          </p:nvPr>
+        </p:nvSpPr>
+        <p:spPr>
+          <a:xfrm>
+            <a:off x="0" y="0"/>
+            <a:ext cx="12192000" cy="6858000"/>
+          </a:xfrm>
+          <a:prstGeom prst="rect">
+            <a:avLst/>
+          </a:prstGeom>
+          <a:solidFill>
+            <a:srgbClr val="000000"/>
+          </a:solidFill>
+          <a:ln>
+            <a:noFill/>
+          </a:ln>
+        </p:spPr>
+        <p:style>
+          <a:lnRef idx="2">
+            <a:schemeClr val="accent1">
+              <a:shade val="50000"/>
+            </a:schemeClr>
+          </a:lnRef>
+          <a:fillRef idx="1">
+            <a:schemeClr val="accent1"/>
+          </a:fillRef>
+          <a:effectRef idx="0">
+            <a:schemeClr val="accent1"/>
+          </a:effectRef>
+          <a:fontRef idx="minor">
+            <a:schemeClr val="lt1"/>
+          </a:fontRef>
+        </p:style>
+        <p:txBody>
+          <a:bodyPr rtlCol="0" anchor="ctr"/>
+          <a:lstStyle/>
+          <a:p>
+            <a:pPr algn="ctr"/>
+            <a:endParaRPr lang="en-US"/>
+          </a:p>
+        </p:txBody>
+      </p:sp>
+      <p:pic>
+        <p:nvPicPr>
+          <p:cNvPr id="5" name="Picture 4" descr="A flag with a red white and black triangle&#10;&#10;Description automatically generated">
+            <a:extLst>
+              <a:ext uri="{FF2B5EF4-FFF2-40B4-BE49-F238E27FC236}">
+                <a16:creationId xmlns:a16="http://schemas.microsoft.com/office/drawing/2014/main" id="{57A4C738-D5C6-4CAF-EC82-6ACEAB6AF852}"/>
+              </a:ext>
+            </a:extLst>
+          </p:cNvPr>
+          <p:cNvPicPr>
+            <a:picLocks noChangeAspect="1"/>
+          </p:cNvPicPr>
+          <p:nvPr/>
+        </p:nvPicPr>
+        <p:blipFill rotWithShape="1">
+          <a:blip r:embed="rId2">
+            <a:alphaModFix amt="35000"/>
+            <a:extLst>
+              <a:ext uri="{28A0092B-C50C-407E-A947-70E740481C1C}">
+                <a14:useLocalDpi xmlns:a14="http://schemas.microsoft.com/office/drawing/2010/main" val="0"/>
+              </a:ext>
+            </a:extLst>
+          </a:blip>
+          <a:srcRect l="1063" r="10048"/>
+          <a:stretch/>
+        </p:blipFill>
+        <p:spPr>
+          <a:xfrm>
+            <a:off x="20" y="10"/>
+            <a:ext cx="12191980" cy="6857990"/>
+          </a:xfrm>
+          <a:prstGeom prst="rect">
+            <a:avLst/>
+          </a:prstGeom>
+        </p:spPr>
+      </p:pic>
+      <p:sp>
+        <p:nvSpPr>
+          <p:cNvPr id="2" name="Title 1">
+            <a:extLst>
+              <a:ext uri="{FF2B5EF4-FFF2-40B4-BE49-F238E27FC236}">
+                <a16:creationId xmlns:a16="http://schemas.microsoft.com/office/drawing/2014/main" id="{487D4709-4AE5-13EB-EFFF-8823E28178D3}"/>
+              </a:ext>
+            </a:extLst>
+          </p:cNvPr>
+          <p:cNvSpPr>
+            <a:spLocks noGrp="1"/>
+          </p:cNvSpPr>
+          <p:nvPr>
+            <p:ph type="title"/>
+          </p:nvPr>
+        </p:nvSpPr>
+        <p:spPr>
+          <a:xfrm>
+            <a:off x="838200" y="365125"/>
+            <a:ext cx="10515600" cy="1325563"/>
+          </a:xfrm>
+        </p:spPr>
+        <p:txBody>
+          <a:bodyPr>
+            <a:normAutofit/>
+          </a:bodyPr>
+          <a:lstStyle/>
+          <a:p>
+            <a:r>
+              <a:rPr lang="ru-RU" dirty="0">
+                <a:effectLst/>
+                <a:latin typeface="Calibri" panose="020F0502020204030204" pitchFamily="34" charset="0"/>
+                <a:ea typeface="Calibri" panose="020F0502020204030204" pitchFamily="34" charset="0"/>
+                <a:cs typeface="Arial" panose="020B0604020202020204" pitchFamily="34" charset="0"/>
+              </a:rPr>
+              <a:t>Четвертый халиф, Али бин </a:t>
+            </a:r>
+            <a:r>
+              <a:rPr lang="ru-RU" dirty="0" err="1">
+                <a:effectLst/>
+                <a:latin typeface="Calibri" panose="020F0502020204030204" pitchFamily="34" charset="0"/>
+                <a:ea typeface="Calibri" panose="020F0502020204030204" pitchFamily="34" charset="0"/>
+                <a:cs typeface="Arial" panose="020B0604020202020204" pitchFamily="34" charset="0"/>
+              </a:rPr>
+              <a:t>Аби</a:t>
+            </a:r>
+            <a:r>
+              <a:rPr lang="ru-RU" dirty="0">
+                <a:effectLst/>
+                <a:latin typeface="Calibri" panose="020F0502020204030204" pitchFamily="34" charset="0"/>
+                <a:ea typeface="Calibri" panose="020F0502020204030204" pitchFamily="34" charset="0"/>
+                <a:cs typeface="Arial" panose="020B0604020202020204" pitchFamily="34" charset="0"/>
+              </a:rPr>
+              <a:t> Талиб</a:t>
+            </a:r>
+            <a:endParaRPr lang="en-US" dirty="0">
+              <a:solidFill>
+                <a:srgbClr val="FFFFFF"/>
+              </a:solidFill>
+            </a:endParaRPr>
+          </a:p>
+        </p:txBody>
+      </p:sp>
+      <p:sp>
+        <p:nvSpPr>
+          <p:cNvPr id="3" name="Content Placeholder 2">
+            <a:extLst>
+              <a:ext uri="{FF2B5EF4-FFF2-40B4-BE49-F238E27FC236}">
+                <a16:creationId xmlns:a16="http://schemas.microsoft.com/office/drawing/2014/main" id="{FF685C3B-A764-AC2D-D337-10CFF016CD56}"/>
+              </a:ext>
+            </a:extLst>
+          </p:cNvPr>
+          <p:cNvSpPr>
+            <a:spLocks noGrp="1"/>
+          </p:cNvSpPr>
+          <p:nvPr>
+            <p:ph idx="1"/>
+          </p:nvPr>
+        </p:nvSpPr>
+        <p:spPr>
+          <a:xfrm>
+            <a:off x="838200" y="1825624"/>
+            <a:ext cx="10515600" cy="4801317"/>
+          </a:xfrm>
+        </p:spPr>
+        <p:txBody>
+          <a:bodyPr>
+            <a:normAutofit/>
+          </a:bodyPr>
+          <a:lstStyle/>
+          <a:p>
+            <a:pPr marL="0" marR="0">
+              <a:lnSpc>
+                <a:spcPct val="107000"/>
+              </a:lnSpc>
+              <a:spcBef>
+                <a:spcPts val="0"/>
+              </a:spcBef>
+              <a:spcAft>
+                <a:spcPts val="800"/>
+              </a:spcAft>
+            </a:pPr>
+            <a:r>
+              <a:rPr lang="ru-RU" sz="1800" kern="100" dirty="0">
+                <a:effectLst/>
+                <a:latin typeface="Calibri" panose="020F0502020204030204" pitchFamily="34" charset="0"/>
+                <a:ea typeface="Calibri" panose="020F0502020204030204" pitchFamily="34" charset="0"/>
+                <a:cs typeface="Arial" panose="020B0604020202020204" pitchFamily="34" charset="0"/>
+              </a:rPr>
+              <a:t>После мученической смерти халифа Османа бин </a:t>
             </a:r>
             <a:r>
               <a:rPr lang="ru-RU" sz="1800" kern="100" dirty="0" err="1">
@@ -5209,7 +5721,7 @@
                 <a:ea typeface="Calibri" panose="020F0502020204030204" pitchFamily="34" charset="0"/>
                 <a:cs typeface="Arial" panose="020B0604020202020204" pitchFamily="34" charset="0"/>
               </a:rPr>
-              <a:t>Сиффине</a:t>
+              <a:t>Аффана</a:t>
             </a:r>
             <a:r>
               <a:rPr lang="ru-RU" sz="1800" kern="100" dirty="0">
@@ -5218,7 +5730,7 @@
                 <a:ea typeface="Calibri" panose="020F0502020204030204" pitchFamily="34" charset="0"/>
                 <a:cs typeface="Arial" panose="020B0604020202020204" pitchFamily="34" charset="0"/>
               </a:rPr>
-              <a:t> (657 г. н. э.). Битва при </a:t>
+              <a:t> во время первой борьбы, свидетелем которой стало Исламское государство, Али бин </a:t>
             </a:r>
             <a:r>
               <a:rPr lang="ru-RU" sz="1800" kern="100" dirty="0" err="1">
@@ -5227,7 +5739,7 @@
                 <a:ea typeface="Calibri" panose="020F0502020204030204" pitchFamily="34" charset="0"/>
                 <a:cs typeface="Arial" panose="020B0604020202020204" pitchFamily="34" charset="0"/>
               </a:rPr>
-              <a:t>Сиффине</a:t>
+              <a:t>Аби</a:t>
             </a:r>
             <a:r>
               <a:rPr lang="ru-RU" sz="1800" kern="100" dirty="0">
@@ -5236,7 +5748,7 @@
                 <a:ea typeface="Calibri" panose="020F0502020204030204" pitchFamily="34" charset="0"/>
                 <a:cs typeface="Arial" panose="020B0604020202020204" pitchFamily="34" charset="0"/>
               </a:rPr>
-              <a:t> произошла между армией Али и армией </a:t>
+              <a:t> Талиб получил халифат, присягнув ему на верность от группы сподвижников, взяв таким образом на себя управление государством. В состоянии серьезных беспорядков, когда он был вынужден перенести центр халифата из Медины в </a:t>
             </a:r>
             <a:r>
               <a:rPr lang="ru-RU" sz="1800" kern="100" dirty="0" err="1">
@@ -5245,7 +5757,7 @@
                 <a:ea typeface="Calibri" panose="020F0502020204030204" pitchFamily="34" charset="0"/>
                 <a:cs typeface="Arial" panose="020B0604020202020204" pitchFamily="34" charset="0"/>
               </a:rPr>
-              <a:t>Муавии</a:t>
+              <a:t>Куфу</a:t>
             </a:r>
             <a:r>
               <a:rPr lang="ru-RU" sz="1800" kern="100" dirty="0">
@@ -5254,6 +5766,24 @@
                 <a:ea typeface="Calibri" panose="020F0502020204030204" pitchFamily="34" charset="0"/>
                 <a:cs typeface="Arial" panose="020B0604020202020204" pitchFamily="34" charset="0"/>
               </a:rPr>
+              <a:t>, он отказался. Правитель Леванта в то время </a:t>
+            </a:r>
+            <a:r>
+              <a:rPr lang="ru-RU" sz="1800" kern="100" dirty="0" err="1">
+                <a:effectLst/>
+                <a:latin typeface="Calibri" panose="020F0502020204030204" pitchFamily="34" charset="0"/>
+                <a:ea typeface="Calibri" panose="020F0502020204030204" pitchFamily="34" charset="0"/>
+                <a:cs typeface="Arial" panose="020B0604020202020204" pitchFamily="34" charset="0"/>
+              </a:rPr>
+              <a:t>Муавия</a:t>
+            </a:r>
+            <a:r>
+              <a:rPr lang="ru-RU" sz="1800" kern="100" dirty="0">
+                <a:effectLst/>
+                <a:latin typeface="Calibri" panose="020F0502020204030204" pitchFamily="34" charset="0"/>
+                <a:ea typeface="Calibri" panose="020F0502020204030204" pitchFamily="34" charset="0"/>
+                <a:cs typeface="Arial" panose="020B0604020202020204" pitchFamily="34" charset="0"/>
+              </a:rPr>
               <a:t> бин </a:t>
             </a:r>
             <a:r>
@@ -5272,7 +5802,50 @@
                 <a:ea typeface="Calibri" panose="020F0502020204030204" pitchFamily="34" charset="0"/>
                 <a:cs typeface="Arial" panose="020B0604020202020204" pitchFamily="34" charset="0"/>
               </a:rPr>
-              <a:t> Суфьяна. Эта битва была одной из самых важных битв гражданского конфликта в истории ислама и привела к огромным потерям.</a:t>
+              <a:t> Суфьян присягнул Али бин </a:t>
+            </a:r>
+            <a:r>
+              <a:rPr lang="ru-RU" sz="1800" kern="100" dirty="0" err="1">
+                <a:effectLst/>
+                <a:latin typeface="Calibri" panose="020F0502020204030204" pitchFamily="34" charset="0"/>
+                <a:ea typeface="Calibri" panose="020F0502020204030204" pitchFamily="34" charset="0"/>
+                <a:cs typeface="Arial" panose="020B0604020202020204" pitchFamily="34" charset="0"/>
+              </a:rPr>
+              <a:t>Аби</a:t>
+            </a:r>
+            <a:r>
+              <a:rPr lang="ru-RU" sz="1800" kern="100" dirty="0">
+                <a:effectLst/>
+                <a:latin typeface="Calibri" panose="020F0502020204030204" pitchFamily="34" charset="0"/>
+                <a:ea typeface="Calibri" panose="020F0502020204030204" pitchFamily="34" charset="0"/>
+                <a:cs typeface="Arial" panose="020B0604020202020204" pitchFamily="34" charset="0"/>
+              </a:rPr>
+              <a:t> Талибу, ссылаясь на необходимость возмездия сначала убийцам халифа Османа, что привело к раздорам среди мусульман и сражениям между двумя сторонами, и Али продолжал править в течение 5 лет.</a:t>
+            </a:r>
+            <a:br>
+              <a:rPr lang="ru-RU" sz="1800" kern="100" dirty="0">
+                <a:effectLst/>
+                <a:latin typeface="Calibri" panose="020F0502020204030204" pitchFamily="34" charset="0"/>
+                <a:ea typeface="Calibri" panose="020F0502020204030204" pitchFamily="34" charset="0"/>
+                <a:cs typeface="Arial" panose="020B0604020202020204" pitchFamily="34" charset="0"/>
+              </a:rPr>
+            </a:br>
+            <a:br>
+              <a:rPr lang="ru-RU" sz="1800" kern="100" dirty="0">
+                <a:effectLst/>
+                <a:latin typeface="Calibri" panose="020F0502020204030204" pitchFamily="34" charset="0"/>
+                <a:ea typeface="Calibri" panose="020F0502020204030204" pitchFamily="34" charset="0"/>
+                <a:cs typeface="Arial" panose="020B0604020202020204" pitchFamily="34" charset="0"/>
+              </a:rPr>
+            </a:br>
+            <a:r>
+              <a:rPr lang="ru-RU" sz="1800" kern="100" dirty="0">
+                <a:effectLst/>
+                <a:latin typeface="Calibri" panose="020F0502020204030204" pitchFamily="34" charset="0"/>
+                <a:ea typeface="Calibri" panose="020F0502020204030204" pitchFamily="34" charset="0"/>
+                <a:cs typeface="Arial" panose="020B0604020202020204" pitchFamily="34" charset="0"/>
+              </a:rPr>
+              <a:t>Хотя Али принял халифат с единогласного одобрения сподвижников, его правление было полно испытаний и искушений.</a:t>
             </a:r>
             <a:endParaRPr lang="en-US" sz="1800" kern="100" dirty="0">
               <a:effectLst/>
@@ -5301,6 +5874,564 @@
               <a:cs typeface="Arial" panose="020B0604020202020204" pitchFamily="34" charset="0"/>
             </a:endParaRPr>
           </a:p>
+          <a:p>
+            <a:pPr marL="0" marR="0">
+              <a:lnSpc>
+                <a:spcPct val="107000"/>
+              </a:lnSpc>
+              <a:spcBef>
+                <a:spcPts val="0"/>
+              </a:spcBef>
+              <a:spcAft>
+                <a:spcPts val="800"/>
+              </a:spcAft>
+            </a:pPr>
+            <a:r>
+              <a:rPr lang="ru-RU" sz="1800" kern="100" dirty="0">
+                <a:effectLst/>
+                <a:latin typeface="Calibri" panose="020F0502020204030204" pitchFamily="34" charset="0"/>
+                <a:ea typeface="Calibri" panose="020F0502020204030204" pitchFamily="34" charset="0"/>
+                <a:cs typeface="Arial" panose="020B0604020202020204" pitchFamily="34" charset="0"/>
+              </a:rPr>
+              <a:t>К наиболее важным событиям и вызовам во время правления Али бин </a:t>
+            </a:r>
+            <a:r>
+              <a:rPr lang="ru-RU" sz="1800" kern="100" dirty="0" err="1">
+                <a:effectLst/>
+                <a:latin typeface="Calibri" panose="020F0502020204030204" pitchFamily="34" charset="0"/>
+                <a:ea typeface="Calibri" panose="020F0502020204030204" pitchFamily="34" charset="0"/>
+                <a:cs typeface="Arial" panose="020B0604020202020204" pitchFamily="34" charset="0"/>
+              </a:rPr>
+              <a:t>Аби</a:t>
+            </a:r>
+            <a:r>
+              <a:rPr lang="ru-RU" sz="1800" kern="100" dirty="0">
+                <a:effectLst/>
+                <a:latin typeface="Calibri" panose="020F0502020204030204" pitchFamily="34" charset="0"/>
+                <a:ea typeface="Calibri" panose="020F0502020204030204" pitchFamily="34" charset="0"/>
+                <a:cs typeface="Arial" panose="020B0604020202020204" pitchFamily="34" charset="0"/>
+              </a:rPr>
+              <a:t> Талиба относятся:</a:t>
+            </a:r>
+            <a:endParaRPr lang="en-US" sz="1800" kern="100" dirty="0">
+              <a:effectLst/>
+              <a:latin typeface="Calibri" panose="020F0502020204030204" pitchFamily="34" charset="0"/>
+              <a:ea typeface="Calibri" panose="020F0502020204030204" pitchFamily="34" charset="0"/>
+              <a:cs typeface="Arial" panose="020B0604020202020204" pitchFamily="34" charset="0"/>
+            </a:endParaRPr>
+          </a:p>
+        </p:txBody>
+      </p:sp>
+    </p:spTree>
+    <p:extLst>
+      <p:ext uri="{BB962C8B-B14F-4D97-AF65-F5344CB8AC3E}">
+        <p14:creationId xmlns:p14="http://schemas.microsoft.com/office/powerpoint/2010/main" val="339954584"/>
+      </p:ext>
+    </p:extLst>
+  </p:cSld>
+  <p:clrMapOvr>
+    <a:overrideClrMapping bg1="dk1" tx1="lt1" bg2="dk2" tx2="lt2" accent1="accent1" accent2="accent2" accent3="accent3" accent4="accent4" accent5="accent5" accent6="accent6" hlink="hlink" folHlink="folHlink"/>
+  </p:clrMapOvr>
+</p:sld>
+</file>
+
+<file path=ppt/slides/slide16.xml><?xml version="1.0" encoding="utf-8"?>
+<p:sld xmlns:a="http://schemas.openxmlformats.org/drawingml/2006/main" xmlns:r="http://schemas.openxmlformats.org/officeDocument/2006/relationships" xmlns:p="http://schemas.openxmlformats.org/presentationml/2006/main">
+  <p:cSld>
+    <p:bg>
+      <p:bgPr>
+        <a:solidFill>
+          <a:schemeClr val="bg1"/>
+        </a:solidFill>
+        <a:effectLst/>
+      </p:bgPr>
+    </p:bg>
+    <p:spTree>
+      <p:nvGrpSpPr>
+        <p:cNvPr id="1" name=""/>
+        <p:cNvGrpSpPr/>
+        <p:nvPr/>
+      </p:nvGrpSpPr>
+      <p:grpSpPr>
+        <a:xfrm>
+          <a:off x="0" y="0"/>
+          <a:ext cx="0" cy="0"/>
+          <a:chOff x="0" y="0"/>
+          <a:chExt cx="0" cy="0"/>
+        </a:xfrm>
+      </p:grpSpPr>
+      <p:sp>
+        <p:nvSpPr>
+          <p:cNvPr id="16" name="Rectangle 15">
+            <a:extLst>
+              <a:ext uri="{FF2B5EF4-FFF2-40B4-BE49-F238E27FC236}">
+                <a16:creationId xmlns:a16="http://schemas.microsoft.com/office/drawing/2014/main" id="{9228552E-C8B1-4A80-8448-0787CE0FC704}"/>
+              </a:ext>
+              <a:ext uri="{C183D7F6-B498-43B3-948B-1728B52AA6E4}">
+                <adec:decorative xmlns:adec="http://schemas.microsoft.com/office/drawing/2017/decorative" val="1"/>
+              </a:ext>
+            </a:extLst>
+          </p:cNvPr>
+          <p:cNvSpPr>
+            <a:spLocks noGrp="1" noRot="1" noChangeAspect="1" noMove="1" noResize="1" noEditPoints="1" noAdjustHandles="1" noChangeArrowheads="1" noChangeShapeType="1" noTextEdit="1"/>
+          </p:cNvSpPr>
+          <p:nvPr>
+            <p:extLst>
+              <p:ext uri="{386F3935-93C4-4BCD-93E2-E3B085C9AB24}">
+                <p16:designElem xmlns:p16="http://schemas.microsoft.com/office/powerpoint/2015/main" val="1"/>
+              </p:ext>
+            </p:extLst>
+          </p:nvPr>
+        </p:nvSpPr>
+        <p:spPr>
+          <a:xfrm>
+            <a:off x="0" y="0"/>
+            <a:ext cx="12192000" cy="6858000"/>
+          </a:xfrm>
+          <a:prstGeom prst="rect">
+            <a:avLst/>
+          </a:prstGeom>
+          <a:solidFill>
+            <a:srgbClr val="000000"/>
+          </a:solidFill>
+          <a:ln>
+            <a:noFill/>
+          </a:ln>
+        </p:spPr>
+        <p:style>
+          <a:lnRef idx="2">
+            <a:schemeClr val="accent1">
+              <a:shade val="50000"/>
+            </a:schemeClr>
+          </a:lnRef>
+          <a:fillRef idx="1">
+            <a:schemeClr val="accent1"/>
+          </a:fillRef>
+          <a:effectRef idx="0">
+            <a:schemeClr val="accent1"/>
+          </a:effectRef>
+          <a:fontRef idx="minor">
+            <a:schemeClr val="lt1"/>
+          </a:fontRef>
+        </p:style>
+        <p:txBody>
+          <a:bodyPr rtlCol="0" anchor="ctr"/>
+          <a:lstStyle/>
+          <a:p>
+            <a:pPr algn="ctr"/>
+            <a:endParaRPr lang="en-US"/>
+          </a:p>
+        </p:txBody>
+      </p:sp>
+      <p:pic>
+        <p:nvPicPr>
+          <p:cNvPr id="5" name="Picture 4" descr="A flag with a red white and black triangle&#10;&#10;Description automatically generated">
+            <a:extLst>
+              <a:ext uri="{FF2B5EF4-FFF2-40B4-BE49-F238E27FC236}">
+                <a16:creationId xmlns:a16="http://schemas.microsoft.com/office/drawing/2014/main" id="{57A4C738-D5C6-4CAF-EC82-6ACEAB6AF852}"/>
+              </a:ext>
+            </a:extLst>
+          </p:cNvPr>
+          <p:cNvPicPr>
+            <a:picLocks noChangeAspect="1"/>
+          </p:cNvPicPr>
+          <p:nvPr/>
+        </p:nvPicPr>
+        <p:blipFill rotWithShape="1">
+          <a:blip r:embed="rId2">
+            <a:alphaModFix amt="35000"/>
+            <a:extLst>
+              <a:ext uri="{28A0092B-C50C-407E-A947-70E740481C1C}">
+                <a14:useLocalDpi xmlns:a14="http://schemas.microsoft.com/office/drawing/2010/main" val="0"/>
+              </a:ext>
+            </a:extLst>
+          </a:blip>
+          <a:srcRect l="1063" r="10048"/>
+          <a:stretch/>
+        </p:blipFill>
+        <p:spPr>
+          <a:xfrm>
+            <a:off x="20" y="10"/>
+            <a:ext cx="12191980" cy="6857990"/>
+          </a:xfrm>
+          <a:prstGeom prst="rect">
+            <a:avLst/>
+          </a:prstGeom>
+        </p:spPr>
+      </p:pic>
+      <p:sp>
+        <p:nvSpPr>
+          <p:cNvPr id="2" name="Title 1">
+            <a:extLst>
+              <a:ext uri="{FF2B5EF4-FFF2-40B4-BE49-F238E27FC236}">
+                <a16:creationId xmlns:a16="http://schemas.microsoft.com/office/drawing/2014/main" id="{487D4709-4AE5-13EB-EFFF-8823E28178D3}"/>
+              </a:ext>
+            </a:extLst>
+          </p:cNvPr>
+          <p:cNvSpPr>
+            <a:spLocks noGrp="1"/>
+          </p:cNvSpPr>
+          <p:nvPr>
+            <p:ph type="title"/>
+          </p:nvPr>
+        </p:nvSpPr>
+        <p:spPr>
+          <a:xfrm>
+            <a:off x="838200" y="365125"/>
+            <a:ext cx="10515600" cy="1325563"/>
+          </a:xfrm>
+        </p:spPr>
+        <p:txBody>
+          <a:bodyPr>
+            <a:normAutofit/>
+          </a:bodyPr>
+          <a:lstStyle/>
+          <a:p>
+            <a:r>
+              <a:rPr lang="ru-RU" dirty="0">
+                <a:effectLst/>
+                <a:latin typeface="Calibri" panose="020F0502020204030204" pitchFamily="34" charset="0"/>
+                <a:ea typeface="Calibri" panose="020F0502020204030204" pitchFamily="34" charset="0"/>
+                <a:cs typeface="Arial" panose="020B0604020202020204" pitchFamily="34" charset="0"/>
+              </a:rPr>
+              <a:t>Четвертый халиф, Али бин </a:t>
+            </a:r>
+            <a:r>
+              <a:rPr lang="ru-RU" dirty="0" err="1">
+                <a:effectLst/>
+                <a:latin typeface="Calibri" panose="020F0502020204030204" pitchFamily="34" charset="0"/>
+                <a:ea typeface="Calibri" panose="020F0502020204030204" pitchFamily="34" charset="0"/>
+                <a:cs typeface="Arial" panose="020B0604020202020204" pitchFamily="34" charset="0"/>
+              </a:rPr>
+              <a:t>Аби</a:t>
+            </a:r>
+            <a:r>
+              <a:rPr lang="ru-RU" dirty="0">
+                <a:effectLst/>
+                <a:latin typeface="Calibri" panose="020F0502020204030204" pitchFamily="34" charset="0"/>
+                <a:ea typeface="Calibri" panose="020F0502020204030204" pitchFamily="34" charset="0"/>
+                <a:cs typeface="Arial" panose="020B0604020202020204" pitchFamily="34" charset="0"/>
+              </a:rPr>
+              <a:t> Талиб</a:t>
+            </a:r>
+            <a:endParaRPr lang="en-US" dirty="0">
+              <a:solidFill>
+                <a:srgbClr val="FFFFFF"/>
+              </a:solidFill>
+            </a:endParaRPr>
+          </a:p>
+        </p:txBody>
+      </p:sp>
+      <p:sp>
+        <p:nvSpPr>
+          <p:cNvPr id="3" name="Content Placeholder 2">
+            <a:extLst>
+              <a:ext uri="{FF2B5EF4-FFF2-40B4-BE49-F238E27FC236}">
+                <a16:creationId xmlns:a16="http://schemas.microsoft.com/office/drawing/2014/main" id="{FF685C3B-A764-AC2D-D337-10CFF016CD56}"/>
+              </a:ext>
+            </a:extLst>
+          </p:cNvPr>
+          <p:cNvSpPr>
+            <a:spLocks noGrp="1"/>
+          </p:cNvSpPr>
+          <p:nvPr>
+            <p:ph idx="1"/>
+          </p:nvPr>
+        </p:nvSpPr>
+        <p:spPr>
+          <a:xfrm>
+            <a:off x="838200" y="1825624"/>
+            <a:ext cx="10515600" cy="4801317"/>
+          </a:xfrm>
+        </p:spPr>
+        <p:txBody>
+          <a:bodyPr>
+            <a:normAutofit/>
+          </a:bodyPr>
+          <a:lstStyle/>
+          <a:p>
+            <a:pPr marL="0" marR="0">
+              <a:lnSpc>
+                <a:spcPct val="107000"/>
+              </a:lnSpc>
+              <a:spcBef>
+                <a:spcPts val="0"/>
+              </a:spcBef>
+              <a:spcAft>
+                <a:spcPts val="800"/>
+              </a:spcAft>
+            </a:pPr>
+            <a:r>
+              <a:rPr lang="ru-RU" sz="1800" kern="100" dirty="0">
+                <a:effectLst/>
+                <a:latin typeface="Calibri" panose="020F0502020204030204" pitchFamily="34" charset="0"/>
+                <a:ea typeface="Calibri" panose="020F0502020204030204" pitchFamily="34" charset="0"/>
+                <a:cs typeface="Arial" panose="020B0604020202020204" pitchFamily="34" charset="0"/>
+              </a:rPr>
+              <a:t>2. Перенос центра халифата. Из-за эскалации напряженности в Медине и давления политических вопросов Али бин </a:t>
+            </a:r>
+            <a:r>
+              <a:rPr lang="ru-RU" sz="1800" kern="100" dirty="0" err="1">
+                <a:effectLst/>
+                <a:latin typeface="Calibri" panose="020F0502020204030204" pitchFamily="34" charset="0"/>
+                <a:ea typeface="Calibri" panose="020F0502020204030204" pitchFamily="34" charset="0"/>
+                <a:cs typeface="Arial" panose="020B0604020202020204" pitchFamily="34" charset="0"/>
+              </a:rPr>
+              <a:t>Аби</a:t>
+            </a:r>
+            <a:r>
+              <a:rPr lang="ru-RU" sz="1800" kern="100" dirty="0">
+                <a:effectLst/>
+                <a:latin typeface="Calibri" panose="020F0502020204030204" pitchFamily="34" charset="0"/>
+                <a:ea typeface="Calibri" panose="020F0502020204030204" pitchFamily="34" charset="0"/>
+                <a:cs typeface="Arial" panose="020B0604020202020204" pitchFamily="34" charset="0"/>
+              </a:rPr>
+              <a:t> Талиб был вынужден перенести центр халифата в </a:t>
+            </a:r>
+            <a:r>
+              <a:rPr lang="ru-RU" sz="1800" kern="100" dirty="0" err="1">
+                <a:effectLst/>
+                <a:latin typeface="Calibri" panose="020F0502020204030204" pitchFamily="34" charset="0"/>
+                <a:ea typeface="Calibri" panose="020F0502020204030204" pitchFamily="34" charset="0"/>
+                <a:cs typeface="Arial" panose="020B0604020202020204" pitchFamily="34" charset="0"/>
+              </a:rPr>
+              <a:t>Куфу</a:t>
+            </a:r>
+            <a:r>
+              <a:rPr lang="ru-RU" sz="1800" kern="100" dirty="0">
+                <a:effectLst/>
+                <a:latin typeface="Calibri" panose="020F0502020204030204" pitchFamily="34" charset="0"/>
+                <a:ea typeface="Calibri" panose="020F0502020204030204" pitchFamily="34" charset="0"/>
+                <a:cs typeface="Arial" panose="020B0604020202020204" pitchFamily="34" charset="0"/>
+              </a:rPr>
+              <a:t> в Ираке. Это решение ознаменовало серьезные перемены в ИГИЛ.</a:t>
+            </a:r>
+            <a:br>
+              <a:rPr lang="en-US" sz="1800" kern="100" dirty="0">
+                <a:effectLst/>
+                <a:latin typeface="Calibri" panose="020F0502020204030204" pitchFamily="34" charset="0"/>
+                <a:ea typeface="Calibri" panose="020F0502020204030204" pitchFamily="34" charset="0"/>
+                <a:cs typeface="Arial" panose="020B0604020202020204" pitchFamily="34" charset="0"/>
+              </a:rPr>
+            </a:br>
+            <a:br>
+              <a:rPr lang="en-US" sz="1800" kern="100" dirty="0">
+                <a:effectLst/>
+                <a:latin typeface="Calibri" panose="020F0502020204030204" pitchFamily="34" charset="0"/>
+                <a:ea typeface="Calibri" panose="020F0502020204030204" pitchFamily="34" charset="0"/>
+                <a:cs typeface="Arial" panose="020B0604020202020204" pitchFamily="34" charset="0"/>
+              </a:rPr>
+            </a:br>
+            <a:r>
+              <a:rPr lang="ru-RU" sz="1800" kern="100" dirty="0">
+                <a:effectLst/>
+                <a:latin typeface="Calibri" panose="020F0502020204030204" pitchFamily="34" charset="0"/>
+                <a:ea typeface="Calibri" panose="020F0502020204030204" pitchFamily="34" charset="0"/>
+                <a:cs typeface="Arial" panose="020B0604020202020204" pitchFamily="34" charset="0"/>
+              </a:rPr>
+              <a:t>3. Второе восстание. Продолжались раздоры и конфликты между сторонниками Али и сторонниками </a:t>
+            </a:r>
+            <a:r>
+              <a:rPr lang="ru-RU" sz="1800" kern="100" dirty="0" err="1">
+                <a:effectLst/>
+                <a:latin typeface="Calibri" panose="020F0502020204030204" pitchFamily="34" charset="0"/>
+                <a:ea typeface="Calibri" panose="020F0502020204030204" pitchFamily="34" charset="0"/>
+                <a:cs typeface="Arial" panose="020B0604020202020204" pitchFamily="34" charset="0"/>
+              </a:rPr>
+              <a:t>Муавии</a:t>
+            </a:r>
+            <a:r>
+              <a:rPr lang="ru-RU" sz="1800" kern="100" dirty="0">
+                <a:effectLst/>
+                <a:latin typeface="Calibri" panose="020F0502020204030204" pitchFamily="34" charset="0"/>
+                <a:ea typeface="Calibri" panose="020F0502020204030204" pitchFamily="34" charset="0"/>
+                <a:cs typeface="Arial" panose="020B0604020202020204" pitchFamily="34" charset="0"/>
+              </a:rPr>
+              <a:t> бин </a:t>
+            </a:r>
+            <a:r>
+              <a:rPr lang="ru-RU" sz="1800" kern="100" dirty="0" err="1">
+                <a:effectLst/>
+                <a:latin typeface="Calibri" panose="020F0502020204030204" pitchFamily="34" charset="0"/>
+                <a:ea typeface="Calibri" panose="020F0502020204030204" pitchFamily="34" charset="0"/>
+                <a:cs typeface="Arial" panose="020B0604020202020204" pitchFamily="34" charset="0"/>
+              </a:rPr>
+              <a:t>Аби</a:t>
+            </a:r>
+            <a:r>
+              <a:rPr lang="ru-RU" sz="1800" kern="100" dirty="0">
+                <a:effectLst/>
+                <a:latin typeface="Calibri" panose="020F0502020204030204" pitchFamily="34" charset="0"/>
+                <a:ea typeface="Calibri" panose="020F0502020204030204" pitchFamily="34" charset="0"/>
+                <a:cs typeface="Arial" panose="020B0604020202020204" pitchFamily="34" charset="0"/>
+              </a:rPr>
+              <a:t> Суфьяна, и эти конфликты были связаны с убийством третьего халифа, Османа. Эта борьба привела к крупным сражениям, таким как битва при </a:t>
+            </a:r>
+            <a:r>
+              <a:rPr lang="ru-RU" sz="1800" kern="100" dirty="0" err="1">
+                <a:effectLst/>
+                <a:latin typeface="Calibri" panose="020F0502020204030204" pitchFamily="34" charset="0"/>
+                <a:ea typeface="Calibri" panose="020F0502020204030204" pitchFamily="34" charset="0"/>
+                <a:cs typeface="Arial" panose="020B0604020202020204" pitchFamily="34" charset="0"/>
+              </a:rPr>
+              <a:t>Сиффине</a:t>
+            </a:r>
+            <a:r>
+              <a:rPr lang="ru-RU" sz="1800" kern="100" dirty="0">
+                <a:effectLst/>
+                <a:latin typeface="Calibri" panose="020F0502020204030204" pitchFamily="34" charset="0"/>
+                <a:ea typeface="Calibri" panose="020F0502020204030204" pitchFamily="34" charset="0"/>
+                <a:cs typeface="Arial" panose="020B0604020202020204" pitchFamily="34" charset="0"/>
+              </a:rPr>
+              <a:t>.</a:t>
+            </a:r>
+            <a:endParaRPr lang="en-US" sz="1800" kern="100" dirty="0">
+              <a:effectLst/>
+              <a:latin typeface="Calibri" panose="020F0502020204030204" pitchFamily="34" charset="0"/>
+              <a:ea typeface="Calibri" panose="020F0502020204030204" pitchFamily="34" charset="0"/>
+              <a:cs typeface="Arial" panose="020B0604020202020204" pitchFamily="34" charset="0"/>
+            </a:endParaRPr>
+          </a:p>
+          <a:p>
+            <a:pPr marL="0" marR="0" indent="0">
+              <a:lnSpc>
+                <a:spcPct val="107000"/>
+              </a:lnSpc>
+              <a:spcBef>
+                <a:spcPts val="0"/>
+              </a:spcBef>
+              <a:spcAft>
+                <a:spcPts val="800"/>
+              </a:spcAft>
+              <a:buNone/>
+            </a:pPr>
+            <a:endParaRPr lang="en-US" sz="1800" kern="100" dirty="0">
+              <a:effectLst/>
+              <a:latin typeface="Calibri" panose="020F0502020204030204" pitchFamily="34" charset="0"/>
+              <a:ea typeface="Calibri" panose="020F0502020204030204" pitchFamily="34" charset="0"/>
+              <a:cs typeface="Arial" panose="020B0604020202020204" pitchFamily="34" charset="0"/>
+            </a:endParaRPr>
+          </a:p>
+          <a:p>
+            <a:pPr marL="0" marR="0">
+              <a:lnSpc>
+                <a:spcPct val="107000"/>
+              </a:lnSpc>
+              <a:spcBef>
+                <a:spcPts val="0"/>
+              </a:spcBef>
+              <a:spcAft>
+                <a:spcPts val="800"/>
+              </a:spcAft>
+            </a:pPr>
+            <a:r>
+              <a:rPr lang="ru-RU" sz="1800" kern="100" dirty="0">
+                <a:effectLst/>
+                <a:latin typeface="Calibri" panose="020F0502020204030204" pitchFamily="34" charset="0"/>
+                <a:ea typeface="Calibri" panose="020F0502020204030204" pitchFamily="34" charset="0"/>
+                <a:cs typeface="Arial" panose="020B0604020202020204" pitchFamily="34" charset="0"/>
+              </a:rPr>
+              <a:t>4. Битва при </a:t>
+            </a:r>
+            <a:r>
+              <a:rPr lang="ru-RU" sz="1800" kern="100" dirty="0" err="1">
+                <a:effectLst/>
+                <a:latin typeface="Calibri" panose="020F0502020204030204" pitchFamily="34" charset="0"/>
+                <a:ea typeface="Calibri" panose="020F0502020204030204" pitchFamily="34" charset="0"/>
+                <a:cs typeface="Arial" panose="020B0604020202020204" pitchFamily="34" charset="0"/>
+              </a:rPr>
+              <a:t>Сиффине</a:t>
+            </a:r>
+            <a:r>
+              <a:rPr lang="ru-RU" sz="1800" kern="100" dirty="0">
+                <a:effectLst/>
+                <a:latin typeface="Calibri" panose="020F0502020204030204" pitchFamily="34" charset="0"/>
+                <a:ea typeface="Calibri" panose="020F0502020204030204" pitchFamily="34" charset="0"/>
+                <a:cs typeface="Arial" panose="020B0604020202020204" pitchFamily="34" charset="0"/>
+              </a:rPr>
+              <a:t> (657 г. н. э.). Битва при </a:t>
+            </a:r>
+            <a:r>
+              <a:rPr lang="ru-RU" sz="1800" kern="100" dirty="0" err="1">
+                <a:effectLst/>
+                <a:latin typeface="Calibri" panose="020F0502020204030204" pitchFamily="34" charset="0"/>
+                <a:ea typeface="Calibri" panose="020F0502020204030204" pitchFamily="34" charset="0"/>
+                <a:cs typeface="Arial" panose="020B0604020202020204" pitchFamily="34" charset="0"/>
+              </a:rPr>
+              <a:t>Сиффине</a:t>
+            </a:r>
+            <a:r>
+              <a:rPr lang="ru-RU" sz="1800" kern="100" dirty="0">
+                <a:effectLst/>
+                <a:latin typeface="Calibri" panose="020F0502020204030204" pitchFamily="34" charset="0"/>
+                <a:ea typeface="Calibri" panose="020F0502020204030204" pitchFamily="34" charset="0"/>
+                <a:cs typeface="Arial" panose="020B0604020202020204" pitchFamily="34" charset="0"/>
+              </a:rPr>
+              <a:t> произошла между армией Али и армией </a:t>
+            </a:r>
+            <a:r>
+              <a:rPr lang="ru-RU" sz="1800" kern="100" dirty="0" err="1">
+                <a:effectLst/>
+                <a:latin typeface="Calibri" panose="020F0502020204030204" pitchFamily="34" charset="0"/>
+                <a:ea typeface="Calibri" panose="020F0502020204030204" pitchFamily="34" charset="0"/>
+                <a:cs typeface="Arial" panose="020B0604020202020204" pitchFamily="34" charset="0"/>
+              </a:rPr>
+              <a:t>Муавии</a:t>
+            </a:r>
+            <a:r>
+              <a:rPr lang="ru-RU" sz="1800" kern="100" dirty="0">
+                <a:effectLst/>
+                <a:latin typeface="Calibri" panose="020F0502020204030204" pitchFamily="34" charset="0"/>
+                <a:ea typeface="Calibri" panose="020F0502020204030204" pitchFamily="34" charset="0"/>
+                <a:cs typeface="Arial" panose="020B0604020202020204" pitchFamily="34" charset="0"/>
+              </a:rPr>
+              <a:t> бин </a:t>
+            </a:r>
+            <a:r>
+              <a:rPr lang="ru-RU" sz="1800" kern="100" dirty="0" err="1">
+                <a:effectLst/>
+                <a:latin typeface="Calibri" panose="020F0502020204030204" pitchFamily="34" charset="0"/>
+                <a:ea typeface="Calibri" panose="020F0502020204030204" pitchFamily="34" charset="0"/>
+                <a:cs typeface="Arial" panose="020B0604020202020204" pitchFamily="34" charset="0"/>
+              </a:rPr>
+              <a:t>Аби</a:t>
+            </a:r>
+            <a:r>
+              <a:rPr lang="ru-RU" sz="1800" kern="100" dirty="0">
+                <a:effectLst/>
+                <a:latin typeface="Calibri" panose="020F0502020204030204" pitchFamily="34" charset="0"/>
+                <a:ea typeface="Calibri" panose="020F0502020204030204" pitchFamily="34" charset="0"/>
+                <a:cs typeface="Arial" panose="020B0604020202020204" pitchFamily="34" charset="0"/>
+              </a:rPr>
+              <a:t> Суфьяна. Эта битва была одной из самых важных битв гражданского конфликта в истории ислама и привела к огромным потерям.</a:t>
+            </a:r>
+            <a:endParaRPr lang="en-US" sz="1800" kern="100" dirty="0">
+              <a:effectLst/>
+              <a:latin typeface="Calibri" panose="020F0502020204030204" pitchFamily="34" charset="0"/>
+              <a:ea typeface="Calibri" panose="020F0502020204030204" pitchFamily="34" charset="0"/>
+              <a:cs typeface="Arial" panose="020B0604020202020204" pitchFamily="34" charset="0"/>
+            </a:endParaRPr>
+          </a:p>
+          <a:p>
+            <a:pPr marL="0" marR="0" indent="0">
+              <a:lnSpc>
+                <a:spcPct val="107000"/>
+              </a:lnSpc>
+              <a:spcBef>
+                <a:spcPts val="0"/>
+              </a:spcBef>
+              <a:spcAft>
+                <a:spcPts val="800"/>
+              </a:spcAft>
+              <a:buNone/>
+            </a:pPr>
+            <a:endParaRPr lang="en-US" sz="1800" kern="100" dirty="0">
+              <a:effectLst/>
+              <a:latin typeface="Calibri" panose="020F0502020204030204" pitchFamily="34" charset="0"/>
+              <a:ea typeface="Calibri" panose="020F0502020204030204" pitchFamily="34" charset="0"/>
+              <a:cs typeface="Arial" panose="020B0604020202020204" pitchFamily="34" charset="0"/>
+            </a:endParaRPr>
+          </a:p>
         </p:txBody>
       </p:sp>
     </p:spTree>
@@ -5316,7 +6447,72 @@
 </p:sld>
 </file>
 
-<file path=ppt/slides/slide13.xml><?xml version="1.0" encoding="utf-8"?>
+<file path=ppt/slides/slide17.xml><?xml version="1.0" encoding="utf-8"?>
+<p:sld xmlns:a="http://schemas.openxmlformats.org/drawingml/2006/main" xmlns:r="http://schemas.openxmlformats.org/officeDocument/2006/relationships" xmlns:p="http://schemas.openxmlformats.org/presentationml/2006/main">
+  <p:cSld>
+    <p:spTree>
+      <p:nvGrpSpPr>
+        <p:cNvPr id="1" name=""/>
+        <p:cNvGrpSpPr/>
+        <p:nvPr/>
+      </p:nvGrpSpPr>
+      <p:grpSpPr>
+        <a:xfrm>
+          <a:off x="0" y="0"/>
+          <a:ext cx="0" cy="0"/>
+          <a:chOff x="0" y="0"/>
+          <a:chExt cx="0" cy="0"/>
+        </a:xfrm>
+      </p:grpSpPr>
+      <p:pic>
+        <p:nvPicPr>
+          <p:cNvPr id="7" name="Объект 6" descr="Изображение выглядит как карта, текст, атлас&#10;&#10;Автоматически созданное описание">
+            <a:extLst>
+              <a:ext uri="{FF2B5EF4-FFF2-40B4-BE49-F238E27FC236}">
+                <a16:creationId xmlns:a16="http://schemas.microsoft.com/office/drawing/2014/main" id="{1CBEFB01-5969-A9B4-7223-D5D9631B0492}"/>
+              </a:ext>
+            </a:extLst>
+          </p:cNvPr>
+          <p:cNvPicPr>
+            <a:picLocks noGrp="1" noChangeAspect="1"/>
+          </p:cNvPicPr>
+          <p:nvPr>
+            <p:ph idx="1"/>
+          </p:nvPr>
+        </p:nvPicPr>
+        <p:blipFill>
+          <a:blip r:embed="rId2">
+            <a:extLst>
+              <a:ext uri="{28A0092B-C50C-407E-A947-70E740481C1C}">
+                <a14:useLocalDpi xmlns:a14="http://schemas.microsoft.com/office/drawing/2010/main" val="0"/>
+              </a:ext>
+            </a:extLst>
+          </a:blip>
+          <a:stretch>
+            <a:fillRect/>
+          </a:stretch>
+        </p:blipFill>
+        <p:spPr>
+          <a:xfrm>
+            <a:off x="2320415" y="170619"/>
+            <a:ext cx="7789566" cy="6516762"/>
+          </a:xfrm>
+        </p:spPr>
+      </p:pic>
+    </p:spTree>
+    <p:extLst>
+      <p:ext uri="{BB962C8B-B14F-4D97-AF65-F5344CB8AC3E}">
+        <p14:creationId xmlns:p14="http://schemas.microsoft.com/office/powerpoint/2010/main" val="1554621964"/>
+      </p:ext>
+    </p:extLst>
+  </p:cSld>
+  <p:clrMapOvr>
+    <a:masterClrMapping/>
+  </p:clrMapOvr>
+</p:sld>
+</file>
+
+<file path=ppt/slides/slide18.xml><?xml version="1.0" encoding="utf-8"?>
 <p:sld xmlns:a="http://schemas.openxmlformats.org/drawingml/2006/main" xmlns:r="http://schemas.openxmlformats.org/officeDocument/2006/relationships" xmlns:p="http://schemas.openxmlformats.org/presentationml/2006/main">
   <p:cSld>
     <p:bg>
@@ -6498,153 +7694,6 @@
                 <a:cs typeface="Arial" panose="020B0604020202020204" pitchFamily="34" charset="0"/>
               </a:rPr>
               <a:t>Сууна</a:t>
-            </a:r>
-            <a:br>
-              <a:rPr lang="en-US" sz="1800" kern="100" dirty="0">
-                <a:solidFill>
-                  <a:schemeClr val="bg1"/>
-                </a:solidFill>
-                <a:effectLst/>
-                <a:latin typeface="Calibri" panose="020F0502020204030204" pitchFamily="34" charset="0"/>
-                <a:ea typeface="Calibri" panose="020F0502020204030204" pitchFamily="34" charset="0"/>
-                <a:cs typeface="Arial" panose="020B0604020202020204" pitchFamily="34" charset="0"/>
-              </a:rPr>
-            </a:br>
-            <a:endParaRPr lang="en-US" dirty="0"/>
-          </a:p>
-        </p:txBody>
-      </p:sp>
-      <p:sp>
-        <p:nvSpPr>
-          <p:cNvPr id="14" name="Title 1">
-            <a:extLst>
-              <a:ext uri="{FF2B5EF4-FFF2-40B4-BE49-F238E27FC236}">
-                <a16:creationId xmlns:a16="http://schemas.microsoft.com/office/drawing/2014/main" id="{85B6E904-45D7-BFE7-520D-3D990674DBB9}"/>
-              </a:ext>
-            </a:extLst>
-          </p:cNvPr>
-          <p:cNvSpPr txBox="1">
-            <a:spLocks/>
-          </p:cNvSpPr>
-          <p:nvPr/>
-        </p:nvSpPr>
-        <p:spPr>
-          <a:xfrm>
-            <a:off x="477981" y="4167838"/>
-            <a:ext cx="3045507" cy="755598"/>
-          </a:xfrm>
-          <a:prstGeom prst="rect">
-            <a:avLst/>
-          </a:prstGeom>
-        </p:spPr>
-        <p:txBody>
-          <a:bodyPr vert="horz" lIns="91440" tIns="45720" rIns="91440" bIns="45720" rtlCol="0" anchor="b">
-            <a:normAutofit/>
-          </a:bodyPr>
-          <a:lstStyle>
-            <a:lvl1pPr algn="l" defTabSz="914400" rtl="0" eaLnBrk="1" latinLnBrk="0" hangingPunct="1">
-              <a:lnSpc>
-                <a:spcPct val="90000"/>
-              </a:lnSpc>
-              <a:spcBef>
-                <a:spcPct val="0"/>
-              </a:spcBef>
-              <a:buNone/>
-              <a:defRPr sz="4400" kern="1200">
-                <a:solidFill>
-                  <a:schemeClr val="tx1"/>
-                </a:solidFill>
-                <a:latin typeface="+mj-lt"/>
-                <a:ea typeface="+mj-ea"/>
-                <a:cs typeface="+mj-cs"/>
-              </a:defRPr>
-            </a:lvl1pPr>
-          </a:lstStyle>
-          <a:p>
-            <a:r>
-              <a:rPr lang="ru-RU" sz="1800" dirty="0">
-                <a:solidFill>
-                  <a:schemeClr val="bg1"/>
-                </a:solidFill>
-              </a:rPr>
-              <a:t>7- </a:t>
-            </a:r>
-            <a:r>
-              <a:rPr lang="ru-RU" sz="1800" kern="100" dirty="0">
-                <a:solidFill>
-                  <a:schemeClr val="bg1"/>
-                </a:solidFill>
-                <a:latin typeface="Calibri" panose="020F0502020204030204" pitchFamily="34" charset="0"/>
-                <a:ea typeface="Calibri" panose="020F0502020204030204" pitchFamily="34" charset="0"/>
-                <a:cs typeface="Arial" panose="020B0604020202020204" pitchFamily="34" charset="0"/>
-              </a:rPr>
-              <a:t>Исламский Халифат</a:t>
-            </a:r>
-            <a:br>
-              <a:rPr lang="en-US" sz="1800" kern="100" dirty="0">
-                <a:solidFill>
-                  <a:schemeClr val="bg1"/>
-                </a:solidFill>
-                <a:latin typeface="Calibri" panose="020F0502020204030204" pitchFamily="34" charset="0"/>
-                <a:ea typeface="Calibri" panose="020F0502020204030204" pitchFamily="34" charset="0"/>
-                <a:cs typeface="Arial" panose="020B0604020202020204" pitchFamily="34" charset="0"/>
-              </a:rPr>
-            </a:br>
-            <a:endParaRPr lang="en-US" sz="1800" dirty="0">
-              <a:solidFill>
-                <a:schemeClr val="bg1"/>
-              </a:solidFill>
-            </a:endParaRPr>
-          </a:p>
-        </p:txBody>
-      </p:sp>
-      <p:sp>
-        <p:nvSpPr>
-          <p:cNvPr id="16" name="TextBox 15">
-            <a:extLst>
-              <a:ext uri="{FF2B5EF4-FFF2-40B4-BE49-F238E27FC236}">
-                <a16:creationId xmlns:a16="http://schemas.microsoft.com/office/drawing/2014/main" id="{1CA9BB2B-87E1-9969-7954-4B1176271AE3}"/>
-              </a:ext>
-            </a:extLst>
-          </p:cNvPr>
-          <p:cNvSpPr txBox="1"/>
-          <p:nvPr/>
-        </p:nvSpPr>
-        <p:spPr>
-          <a:xfrm>
-            <a:off x="475488" y="4790443"/>
-            <a:ext cx="6096000" cy="646331"/>
-          </a:xfrm>
-          <a:prstGeom prst="rect">
-            <a:avLst/>
-          </a:prstGeom>
-          <a:noFill/>
-        </p:spPr>
-        <p:txBody>
-          <a:bodyPr wrap="square">
-            <a:spAutoFit/>
-          </a:bodyPr>
-          <a:lstStyle/>
-          <a:p>
-            <a:r>
-              <a:rPr lang="ru-RU" sz="1800" dirty="0">
-                <a:solidFill>
-                  <a:schemeClr val="bg1"/>
-                </a:solidFill>
-              </a:rPr>
-              <a:t>8- </a:t>
-            </a:r>
-            <a:r>
-              <a:rPr lang="ru-RU" sz="1800" kern="100" dirty="0">
-                <a:solidFill>
-                  <a:schemeClr val="bg1"/>
-                </a:solidFill>
-                <a:effectLst/>
-                <a:latin typeface="Calibri" panose="020F0502020204030204" pitchFamily="34" charset="0"/>
-                <a:ea typeface="Calibri" panose="020F0502020204030204" pitchFamily="34" charset="0"/>
-                <a:cs typeface="Arial" panose="020B0604020202020204" pitchFamily="34" charset="0"/>
-              </a:rPr>
-              <a:t>Исламский Халифат</a:t>
             </a:r>
             <a:br>
               <a:rPr lang="en-US" sz="1800" kern="100" dirty="0">
@@ -7225,188 +8274,6 @@
                       </p:childTnLst>
                     </p:cTn>
                   </p:par>
-                  <p:par>
-                    <p:cTn id="39" fill="hold">
-                      <p:stCondLst>
-                        <p:cond delay="indefinite"/>
-                      </p:stCondLst>
-                      <p:childTnLst>
-                        <p:par>
-                          <p:cTn id="40" fill="hold">
-                            <p:stCondLst>
-                              <p:cond delay="0"/>
-                            </p:stCondLst>
-                            <p:childTnLst>
-                              <p:par>
-                                <p:cTn id="41" presetID="2" presetClass="entr" presetSubtype="4" fill="hold" grpId="0" nodeType="clickEffect">
-                                  <p:stCondLst>
-                                    <p:cond delay="0"/>
-                                  </p:stCondLst>
-                                  <p:childTnLst>
-                                    <p:set>
-                                      <p:cBhvr>
-                                        <p:cTn id="42" dur="1" fill="hold">
-                                          <p:stCondLst>
-                                            <p:cond delay="0"/>
-                                          </p:stCondLst>
-                                        </p:cTn>
-                                        <p:tgtEl>
-                                          <p:spTgt spid="14"/>
-                                        </p:tgtEl>
-                                        <p:attrNameLst>
-                                          <p:attrName>style.visibility</p:attrName>
-                                        </p:attrNameLst>
-                                      </p:cBhvr>
-                                      <p:to>
-                                        <p:strVal val="visible"/>
-                                      </p:to>
-                                    </p:set>
-                                    <p:anim calcmode="lin" valueType="num">
-                                      <p:cBhvr additive="base">
-                                        <p:cTn id="43" dur="500" fill="hold"/>
-                                        <p:tgtEl>
-                                          <p:spTgt spid="14"/>
-                                        </p:tgtEl>
-                                        <p:attrNameLst>
-                                          <p:attrName>ppt_x</p:attrName>
-                                        </p:attrNameLst>
-                                      </p:cBhvr>
-                                      <p:tavLst>
-                                        <p:tav tm="0">
-                                          <p:val>
-                                            <p:strVal val="#ppt_x"/>
-                                          </p:val>
-                                        </p:tav>
-                                        <p:tav tm="100000">
-                                          <p:val>
-                                            <p:strVal val="#ppt_x"/>
-                                          </p:val>
-                                        </p:tav>
-                                      </p:tavLst>
-                                    </p:anim>
-                                    <p:anim calcmode="lin" valueType="num">
-                                      <p:cBhvr additive="base">
-                                        <p:cTn id="44" dur="500" fill="hold"/>
-                                        <p:tgtEl>
-                                          <p:spTgt spid="14"/>
-                                        </p:tgtEl>
-                                        <p:attrNameLst>
-                                          <p:attrName>ppt_y</p:attrName>
-                                        </p:attrNameLst>
-                                      </p:cBhvr>
-                                      <p:tavLst>
-                                        <p:tav tm="0">
-                                          <p:val>
-                                            <p:strVal val="1+#ppt_h/2"/>
-                                          </p:val>
-                                        </p:tav>
-                                        <p:tav tm="100000">
-                                          <p:val>
-                                            <p:strVal val="#ppt_y"/>
-                                          </p:val>
-                                        </p:tav>
-                                      </p:tavLst>
-                                    </p:anim>
-                                  </p:childTnLst>
-                                </p:cTn>
-                              </p:par>
-                            </p:childTnLst>
-                          </p:cTn>
-                        </p:par>
-                      </p:childTnLst>
-                    </p:cTn>
-                  </p:par>
-                  <p:par>
-                    <p:cTn id="45" fill="hold">
-                      <p:stCondLst>
-                        <p:cond delay="indefinite"/>
-                      </p:stCondLst>
-                      <p:childTnLst>
-                        <p:par>
-                          <p:cTn id="46" fill="hold">
-                            <p:stCondLst>
-                              <p:cond delay="0"/>
-                            </p:stCondLst>
-                            <p:childTnLst>
-                              <p:par>
-                                <p:cTn id="47" presetID="2" presetClass="entr" presetSubtype="4" fill="hold" grpId="0" nodeType="clickEffect">
-                                  <p:stCondLst>
-                                    <p:cond delay="0"/>
-                                  </p:stCondLst>
-                                  <p:childTnLst>
-                                    <p:set>
-                                      <p:cBhvr>
-                                        <p:cTn id="48" dur="1" fill="hold">
-                                          <p:stCondLst>
-                                            <p:cond delay="0"/>
-                                          </p:stCondLst>
-                                        </p:cTn>
-                                        <p:tgtEl>
-                                          <p:spTgt spid="16"/>
-                                        </p:tgtEl>
-                                        <p:attrNameLst>
-                                          <p:attrName>style.visibility</p:attrName>
-                                        </p:attrNameLst>
-                                      </p:cBhvr>
-                                      <p:to>
-                                        <p:strVal val="visible"/>
-                                      </p:to>
-                                    </p:set>
-                                    <p:anim calcmode="lin" valueType="num">
-                                      <p:cBhvr additive="base">
-                                        <p:cTn id="49" dur="500" fill="hold"/>
-                                        <p:tgtEl>
-                                          <p:spTgt spid="16"/>
-                                        </p:tgtEl>
-                                        <p:attrNameLst>
-                                          <p:attrName>ppt_x</p:attrName>
-                                        </p:attrNameLst>
-                                      </p:cBhvr>
-                                      <p:tavLst>
-                                        <p:tav tm="0">
-                                          <p:val>
-                                            <p:strVal val="#ppt_x"/>
-                                          </p:val>
-                                        </p:tav>
-                                        <p:tav tm="100000">
-                                          <p:val>
-                                            <p:strVal val="#ppt_x"/>
-                                          </p:val>
-                                        </p:tav>
-                                      </p:tavLst>
-                                    </p:anim>
-                                    <p:anim calcmode="lin" valueType="num">
-                                      <p:cBhvr additive="base">
-                                        <p:cTn id="50" dur="500" fill="hold"/>
-                                        <p:tgtEl>
-                                          <p:spTgt spid="16"/>
-                                        </p:tgtEl>
-                                        <p:attrNameLst>
-                                          <p:attrName>ppt_y</p:attrName>
-                                        </p:attrNameLst>
-                                      </p:cBhvr>
-                                      <p:tavLst>
-                                        <p:tav tm="0">
-                                          <p:val>
-                                            <p:strVal val="1+#ppt_h/2"/>
-                                          </p:val>
-                                        </p:tav>
-                                        <p:tav tm="100000">
-                                          <p:val>
-                                            <p:strVal val="#ppt_y"/>
-                                          </p:val>
-                                        </p:tav>
-                                      </p:tavLst>
-                                    </p:anim>
-                                  </p:childTnLst>
-                                </p:cTn>
-                              </p:par>
-                            </p:childTnLst>
-                          </p:cTn>
-                        </p:par>
-                      </p:childTnLst>
-                    </p:cTn>
-                  </p:par>
                 </p:childTnLst>
               </p:cTn>
               <p:prevCondLst>
@@ -7435,8 +8302,6 @@
       <p:bldP spid="8" grpId="0"/>
       <p:bldP spid="10" grpId="0"/>
       <p:bldP spid="12" grpId="0"/>
-      <p:bldP spid="14" grpId="0"/>
-      <p:bldP spid="16" grpId="0"/>
     </p:bldLst>
   </p:timing>
 </p:sld>
@@ -7855,6 +8720,104 @@
 <file path=ppt/slides/slide4.xml><?xml version="1.0" encoding="utf-8"?>
 <p:sld xmlns:a="http://schemas.openxmlformats.org/drawingml/2006/main" xmlns:r="http://schemas.openxmlformats.org/officeDocument/2006/relationships" xmlns:p="http://schemas.openxmlformats.org/presentationml/2006/main">
   <p:cSld>
+    <p:spTree>
+      <p:nvGrpSpPr>
+        <p:cNvPr id="1" name=""/>
+        <p:cNvGrpSpPr/>
+        <p:nvPr/>
+      </p:nvGrpSpPr>
+      <p:grpSpPr>
+        <a:xfrm>
+          <a:off x="0" y="0"/>
+          <a:ext cx="0" cy="0"/>
+          <a:chOff x="0" y="0"/>
+          <a:chExt cx="0" cy="0"/>
+        </a:xfrm>
+      </p:grpSpPr>
+      <p:sp>
+        <p:nvSpPr>
+          <p:cNvPr id="2" name="Заголовок 1">
+            <a:extLst>
+              <a:ext uri="{FF2B5EF4-FFF2-40B4-BE49-F238E27FC236}">
+                <a16:creationId xmlns:a16="http://schemas.microsoft.com/office/drawing/2014/main" id="{296BB2E0-43DF-1EE9-8DFA-B3729F2D7AA9}"/>
+              </a:ext>
+            </a:extLst>
+          </p:cNvPr>
+          <p:cNvSpPr>
+            <a:spLocks noGrp="1"/>
+          </p:cNvSpPr>
+          <p:nvPr>
+            <p:ph type="title"/>
+          </p:nvPr>
+        </p:nvSpPr>
+        <p:spPr>
+          <a:xfrm>
+            <a:off x="838200" y="335628"/>
+            <a:ext cx="10515600" cy="1325563"/>
+          </a:xfrm>
+        </p:spPr>
+        <p:txBody>
+          <a:bodyPr/>
+          <a:lstStyle/>
+          <a:p>
+            <a:r>
+              <a:rPr lang="en-US" dirty="0"/>
+              <a:t>Flag</a:t>
+            </a:r>
+          </a:p>
+        </p:txBody>
+      </p:sp>
+      <p:pic>
+        <p:nvPicPr>
+          <p:cNvPr id="7" name="Объект 6" descr="Изображение выглядит как Шрифт, рукописный текст, типография, каллиграфия&#10;&#10;Автоматически созданное описание">
+            <a:extLst>
+              <a:ext uri="{FF2B5EF4-FFF2-40B4-BE49-F238E27FC236}">
+                <a16:creationId xmlns:a16="http://schemas.microsoft.com/office/drawing/2014/main" id="{846510D7-1739-7A04-F404-C9BBA239ED4F}"/>
+              </a:ext>
+            </a:extLst>
+          </p:cNvPr>
+          <p:cNvPicPr>
+            <a:picLocks noGrp="1" noChangeAspect="1"/>
+          </p:cNvPicPr>
+          <p:nvPr>
+            <p:ph idx="1"/>
+          </p:nvPr>
+        </p:nvPicPr>
+        <p:blipFill>
+          <a:blip r:embed="rId2">
+            <a:extLst>
+              <a:ext uri="{28A0092B-C50C-407E-A947-70E740481C1C}">
+                <a14:useLocalDpi xmlns:a14="http://schemas.microsoft.com/office/drawing/2010/main" val="0"/>
+              </a:ext>
+            </a:extLst>
+          </a:blip>
+          <a:stretch>
+            <a:fillRect/>
+          </a:stretch>
+        </p:blipFill>
+        <p:spPr>
+          <a:xfrm>
+            <a:off x="3028431" y="2113935"/>
+            <a:ext cx="6135138" cy="4090092"/>
+          </a:xfrm>
+        </p:spPr>
+      </p:pic>
+    </p:spTree>
+    <p:extLst>
+      <p:ext uri="{BB962C8B-B14F-4D97-AF65-F5344CB8AC3E}">
+        <p14:creationId xmlns:p14="http://schemas.microsoft.com/office/powerpoint/2010/main" val="2790575700"/>
+      </p:ext>
+    </p:extLst>
+  </p:cSld>
+  <p:clrMapOvr>
+    <a:masterClrMapping/>
+  </p:clrMapOvr>
+</p:sld>
+</file>
+
+<file path=ppt/slides/slide5.xml><?xml version="1.0" encoding="utf-8"?>
+<p:sld xmlns:a="http://schemas.openxmlformats.org/drawingml/2006/main" xmlns:r="http://schemas.openxmlformats.org/officeDocument/2006/relationships" xmlns:p="http://schemas.openxmlformats.org/presentationml/2006/main">
+  <p:cSld>
     <p:bg>
       <p:bgPr>
         <a:solidFill>
@@ -8337,489 +9300,6 @@
     <p:extLst>
       <p:ext uri="{BB962C8B-B14F-4D97-AF65-F5344CB8AC3E}">
         <p14:creationId xmlns:p14="http://schemas.microsoft.com/office/powerpoint/2010/main" val="4063333291"/>
-      </p:ext>
-    </p:extLst>
-  </p:cSld>
-  <p:clrMapOvr>
-    <a:overrideClrMapping bg1="dk1" tx1="lt1" bg2="dk2" tx2="lt2" accent1="accent1" accent2="accent2" accent3="accent3" accent4="accent4" accent5="accent5" accent6="accent6" hlink="hlink" folHlink="folHlink"/>
-  </p:clrMapOvr>
-</p:sld>
-</file>
-
-<file path=ppt/slides/slide5.xml><?xml version="1.0" encoding="utf-8"?>
-<p:sld xmlns:a="http://schemas.openxmlformats.org/drawingml/2006/main" xmlns:r="http://schemas.openxmlformats.org/officeDocument/2006/relationships" xmlns:p="http://schemas.openxmlformats.org/presentationml/2006/main">
-  <p:cSld>
-    <p:bg>
-      <p:bgPr>
-        <a:solidFill>
-          <a:schemeClr val="bg1"/>
-        </a:solidFill>
-        <a:effectLst/>
-      </p:bgPr>
-    </p:bg>
-    <p:spTree>
-      <p:nvGrpSpPr>
-        <p:cNvPr id="1" name=""/>
-        <p:cNvGrpSpPr/>
-        <p:nvPr/>
-      </p:nvGrpSpPr>
-      <p:grpSpPr>
-        <a:xfrm>
-          <a:off x="0" y="0"/>
-          <a:ext cx="0" cy="0"/>
-          <a:chOff x="0" y="0"/>
-          <a:chExt cx="0" cy="0"/>
-        </a:xfrm>
-      </p:grpSpPr>
-      <p:sp>
-        <p:nvSpPr>
-          <p:cNvPr id="16" name="Rectangle 15">
-            <a:extLst>
-              <a:ext uri="{FF2B5EF4-FFF2-40B4-BE49-F238E27FC236}">
-                <a16:creationId xmlns:a16="http://schemas.microsoft.com/office/drawing/2014/main" id="{9228552E-C8B1-4A80-8448-0787CE0FC704}"/>
-              </a:ext>
-              <a:ext uri="{C183D7F6-B498-43B3-948B-1728B52AA6E4}">
-                <adec:decorative xmlns:adec="http://schemas.microsoft.com/office/drawing/2017/decorative" val="1"/>
-              </a:ext>
-            </a:extLst>
-          </p:cNvPr>
-          <p:cNvSpPr>
-            <a:spLocks noGrp="1" noRot="1" noChangeAspect="1" noMove="1" noResize="1" noEditPoints="1" noAdjustHandles="1" noChangeArrowheads="1" noChangeShapeType="1" noTextEdit="1"/>
-          </p:cNvSpPr>
-          <p:nvPr>
-            <p:extLst>
-              <p:ext uri="{386F3935-93C4-4BCD-93E2-E3B085C9AB24}">
-                <p16:designElem xmlns:p16="http://schemas.microsoft.com/office/powerpoint/2015/main" val="1"/>
-              </p:ext>
-            </p:extLst>
-          </p:nvPr>
-        </p:nvSpPr>
-        <p:spPr>
-          <a:xfrm>
-            <a:off x="0" y="0"/>
-            <a:ext cx="12192000" cy="6858000"/>
-          </a:xfrm>
-          <a:prstGeom prst="rect">
-            <a:avLst/>
-          </a:prstGeom>
-          <a:solidFill>
-            <a:srgbClr val="000000"/>
-          </a:solidFill>
-          <a:ln>
-            <a:noFill/>
-          </a:ln>
-        </p:spPr>
-        <p:style>
-          <a:lnRef idx="2">
-            <a:schemeClr val="accent1">
-              <a:shade val="50000"/>
-            </a:schemeClr>
-          </a:lnRef>
-          <a:fillRef idx="1">
-            <a:schemeClr val="accent1"/>
-          </a:fillRef>
-          <a:effectRef idx="0">
-            <a:schemeClr val="accent1"/>
-          </a:effectRef>
-          <a:fontRef idx="minor">
-            <a:schemeClr val="lt1"/>
-          </a:fontRef>
-        </p:style>
-        <p:txBody>
-          <a:bodyPr rtlCol="0" anchor="ctr"/>
-          <a:lstStyle/>
-          <a:p>
-            <a:pPr algn="ctr"/>
-            <a:endParaRPr lang="en-US"/>
-          </a:p>
-        </p:txBody>
-      </p:sp>
-      <p:pic>
-        <p:nvPicPr>
-          <p:cNvPr id="5" name="Picture 4" descr="A flag with a red white and black triangle&#10;&#10;Description automatically generated">
-            <a:extLst>
-              <a:ext uri="{FF2B5EF4-FFF2-40B4-BE49-F238E27FC236}">
-                <a16:creationId xmlns:a16="http://schemas.microsoft.com/office/drawing/2014/main" id="{57A4C738-D5C6-4CAF-EC82-6ACEAB6AF852}"/>
-              </a:ext>
-            </a:extLst>
-          </p:cNvPr>
-          <p:cNvPicPr>
-            <a:picLocks noChangeAspect="1"/>
-          </p:cNvPicPr>
-          <p:nvPr/>
-        </p:nvPicPr>
-        <p:blipFill rotWithShape="1">
-          <a:blip r:embed="rId2">
-            <a:alphaModFix amt="35000"/>
-            <a:extLst>
-              <a:ext uri="{28A0092B-C50C-407E-A947-70E740481C1C}">
-                <a14:useLocalDpi xmlns:a14="http://schemas.microsoft.com/office/drawing/2010/main" val="0"/>
-              </a:ext>
-            </a:extLst>
-          </a:blip>
-          <a:srcRect l="1063" r="10048"/>
-          <a:stretch/>
-        </p:blipFill>
-        <p:spPr>
-          <a:xfrm>
-            <a:off x="20" y="10"/>
-            <a:ext cx="12191980" cy="6857990"/>
-          </a:xfrm>
-          <a:prstGeom prst="rect">
-            <a:avLst/>
-          </a:prstGeom>
-        </p:spPr>
-      </p:pic>
-      <p:sp>
-        <p:nvSpPr>
-          <p:cNvPr id="2" name="Title 1">
-            <a:extLst>
-              <a:ext uri="{FF2B5EF4-FFF2-40B4-BE49-F238E27FC236}">
-                <a16:creationId xmlns:a16="http://schemas.microsoft.com/office/drawing/2014/main" id="{487D4709-4AE5-13EB-EFFF-8823E28178D3}"/>
-              </a:ext>
-            </a:extLst>
-          </p:cNvPr>
-          <p:cNvSpPr>
-            <a:spLocks noGrp="1"/>
-          </p:cNvSpPr>
-          <p:nvPr>
-            <p:ph type="title"/>
-          </p:nvPr>
-        </p:nvSpPr>
-        <p:spPr>
-          <a:xfrm>
-            <a:off x="838200" y="365125"/>
-            <a:ext cx="10515600" cy="1325563"/>
-          </a:xfrm>
-        </p:spPr>
-        <p:txBody>
-          <a:bodyPr>
-            <a:normAutofit/>
-          </a:bodyPr>
-          <a:lstStyle/>
-          <a:p>
-            <a:r>
-              <a:rPr lang="ru-RU">
-                <a:solidFill>
-                  <a:srgbClr val="FFFFFF"/>
-                </a:solidFill>
-                <a:effectLst/>
-                <a:latin typeface="Calibri" panose="020F0502020204030204" pitchFamily="34" charset="0"/>
-                <a:ea typeface="Calibri" panose="020F0502020204030204" pitchFamily="34" charset="0"/>
-                <a:cs typeface="Arial" panose="020B0604020202020204" pitchFamily="34" charset="0"/>
-              </a:rPr>
-              <a:t>Первый халиф, Абу Бакр Аль-Сиддик</a:t>
-            </a:r>
-            <a:endParaRPr lang="en-US">
-              <a:solidFill>
-                <a:srgbClr val="FFFFFF"/>
-              </a:solidFill>
-            </a:endParaRPr>
-          </a:p>
-        </p:txBody>
-      </p:sp>
-      <p:sp>
-        <p:nvSpPr>
-          <p:cNvPr id="3" name="Content Placeholder 2">
-            <a:extLst>
-              <a:ext uri="{FF2B5EF4-FFF2-40B4-BE49-F238E27FC236}">
-                <a16:creationId xmlns:a16="http://schemas.microsoft.com/office/drawing/2014/main" id="{FF685C3B-A764-AC2D-D337-10CFF016CD56}"/>
-              </a:ext>
-            </a:extLst>
-          </p:cNvPr>
-          <p:cNvSpPr>
-            <a:spLocks noGrp="1"/>
-          </p:cNvSpPr>
-          <p:nvPr>
-            <p:ph idx="1"/>
-          </p:nvPr>
-        </p:nvSpPr>
-        <p:spPr>
-          <a:xfrm>
-            <a:off x="838200" y="1825624"/>
-            <a:ext cx="10515600" cy="4801317"/>
-          </a:xfrm>
-        </p:spPr>
-        <p:txBody>
-          <a:bodyPr>
-            <a:normAutofit/>
-          </a:bodyPr>
-          <a:lstStyle/>
-          <a:p>
-            <a:pPr marL="0" marR="0">
-              <a:lnSpc>
-                <a:spcPct val="107000"/>
-              </a:lnSpc>
-              <a:spcBef>
-                <a:spcPts val="0"/>
-              </a:spcBef>
-              <a:spcAft>
-                <a:spcPts val="800"/>
-              </a:spcAft>
-            </a:pPr>
-            <a:r>
-              <a:rPr lang="ru-RU" sz="1800" dirty="0">
-                <a:effectLst/>
-                <a:latin typeface="Calibri" panose="020F0502020204030204" pitchFamily="34" charset="0"/>
-                <a:ea typeface="Calibri" panose="020F0502020204030204" pitchFamily="34" charset="0"/>
-                <a:cs typeface="Arial" panose="020B0604020202020204" pitchFamily="34" charset="0"/>
-              </a:rPr>
-              <a:t>Абу Бакр ас-</a:t>
-            </a:r>
-            <a:r>
-              <a:rPr lang="ru-RU" sz="1800" dirty="0" err="1">
-                <a:effectLst/>
-                <a:latin typeface="Calibri" panose="020F0502020204030204" pitchFamily="34" charset="0"/>
-                <a:ea typeface="Calibri" panose="020F0502020204030204" pitchFamily="34" charset="0"/>
-                <a:cs typeface="Arial" panose="020B0604020202020204" pitchFamily="34" charset="0"/>
-              </a:rPr>
-              <a:t>Сиддик</a:t>
-            </a:r>
-            <a:r>
-              <a:rPr lang="ru-RU" sz="1800" dirty="0">
-                <a:effectLst/>
-                <a:latin typeface="Calibri" panose="020F0502020204030204" pitchFamily="34" charset="0"/>
-                <a:ea typeface="Calibri" panose="020F0502020204030204" pitchFamily="34" charset="0"/>
-                <a:cs typeface="Arial" panose="020B0604020202020204" pitchFamily="34" charset="0"/>
-              </a:rPr>
-              <a:t> за свою жизнь участвовал во многих важных битвах и сыграл заметную роль в успехе ислама в этих битвах. Среди наиболее ярких боев, в которых он участвовал, можно упомянуть следующие:</a:t>
-            </a:r>
-            <a:br>
-              <a:rPr lang="ru-RU" sz="1800" dirty="0">
-                <a:effectLst/>
-                <a:latin typeface="Calibri" panose="020F0502020204030204" pitchFamily="34" charset="0"/>
-                <a:ea typeface="Calibri" panose="020F0502020204030204" pitchFamily="34" charset="0"/>
-                <a:cs typeface="Arial" panose="020B0604020202020204" pitchFamily="34" charset="0"/>
-              </a:rPr>
-            </a:br>
-            <a:r>
-              <a:rPr lang="ru-RU" sz="1800" kern="100" dirty="0">
-                <a:effectLst/>
-                <a:latin typeface="Calibri" panose="020F0502020204030204" pitchFamily="34" charset="0"/>
-                <a:ea typeface="Calibri" panose="020F0502020204030204" pitchFamily="34" charset="0"/>
-                <a:cs typeface="Arial" panose="020B0604020202020204" pitchFamily="34" charset="0"/>
-              </a:rPr>
-              <a:t>1. (624 г.): Абу Бакр Аль-</a:t>
-            </a:r>
-            <a:r>
-              <a:rPr lang="ru-RU" sz="1800" kern="100" dirty="0" err="1">
-                <a:effectLst/>
-                <a:latin typeface="Calibri" panose="020F0502020204030204" pitchFamily="34" charset="0"/>
-                <a:ea typeface="Calibri" panose="020F0502020204030204" pitchFamily="34" charset="0"/>
-                <a:cs typeface="Arial" panose="020B0604020202020204" pitchFamily="34" charset="0"/>
-              </a:rPr>
-              <a:t>Сиддик</a:t>
-            </a:r>
-            <a:r>
-              <a:rPr lang="ru-RU" sz="1800" kern="100" dirty="0">
-                <a:effectLst/>
-                <a:latin typeface="Calibri" panose="020F0502020204030204" pitchFamily="34" charset="0"/>
-                <a:ea typeface="Calibri" panose="020F0502020204030204" pitchFamily="34" charset="0"/>
-                <a:cs typeface="Arial" panose="020B0604020202020204" pitchFamily="34" charset="0"/>
-              </a:rPr>
-              <a:t> участвовал в битве при Бадре, которая была первой битвой, которую мусульмане вели против </a:t>
-            </a:r>
-            <a:r>
-              <a:rPr lang="ru-RU" sz="1800" kern="100" dirty="0" err="1">
-                <a:effectLst/>
-                <a:latin typeface="Calibri" panose="020F0502020204030204" pitchFamily="34" charset="0"/>
-                <a:ea typeface="Calibri" panose="020F0502020204030204" pitchFamily="34" charset="0"/>
-                <a:cs typeface="Arial" panose="020B0604020202020204" pitchFamily="34" charset="0"/>
-              </a:rPr>
-              <a:t>курайшитов</a:t>
-            </a:r>
-            <a:r>
-              <a:rPr lang="ru-RU" sz="1800" kern="100" dirty="0">
-                <a:effectLst/>
-                <a:latin typeface="Calibri" panose="020F0502020204030204" pitchFamily="34" charset="0"/>
-                <a:ea typeface="Calibri" panose="020F0502020204030204" pitchFamily="34" charset="0"/>
-                <a:cs typeface="Arial" panose="020B0604020202020204" pitchFamily="34" charset="0"/>
-              </a:rPr>
-              <a:t> в Мекке. Об этом свидетельствует успех мусульман в этой битве, поскольку они смогли разгромить армию </a:t>
-            </a:r>
-            <a:r>
-              <a:rPr lang="ru-RU" sz="1800" kern="100" dirty="0" err="1">
-                <a:effectLst/>
-                <a:latin typeface="Calibri" panose="020F0502020204030204" pitchFamily="34" charset="0"/>
-                <a:ea typeface="Calibri" panose="020F0502020204030204" pitchFamily="34" charset="0"/>
-                <a:cs typeface="Arial" panose="020B0604020202020204" pitchFamily="34" charset="0"/>
-              </a:rPr>
-              <a:t>курайшитов</a:t>
-            </a:r>
-            <a:r>
-              <a:rPr lang="ru-RU" sz="1800" kern="100" dirty="0">
-                <a:effectLst/>
-                <a:latin typeface="Calibri" panose="020F0502020204030204" pitchFamily="34" charset="0"/>
-                <a:ea typeface="Calibri" panose="020F0502020204030204" pitchFamily="34" charset="0"/>
-                <a:cs typeface="Arial" panose="020B0604020202020204" pitchFamily="34" charset="0"/>
-              </a:rPr>
-              <a:t>, несмотря на численное превосходство последних.</a:t>
-            </a:r>
-            <a:endParaRPr lang="en-US" sz="1800" kern="100" dirty="0">
-              <a:effectLst/>
-              <a:latin typeface="Calibri" panose="020F0502020204030204" pitchFamily="34" charset="0"/>
-              <a:ea typeface="Calibri" panose="020F0502020204030204" pitchFamily="34" charset="0"/>
-              <a:cs typeface="Arial" panose="020B0604020202020204" pitchFamily="34" charset="0"/>
-            </a:endParaRPr>
-          </a:p>
-          <a:p>
-            <a:pPr marL="0" marR="0" rtl="1">
-              <a:lnSpc>
-                <a:spcPct val="107000"/>
-              </a:lnSpc>
-              <a:spcBef>
-                <a:spcPts val="0"/>
-              </a:spcBef>
-              <a:spcAft>
-                <a:spcPts val="800"/>
-              </a:spcAft>
-            </a:pPr>
-            <a:r>
-              <a:rPr lang="ru-RU" sz="1800" dirty="0">
-                <a:effectLst/>
-                <a:latin typeface="Calibri" panose="020F0502020204030204" pitchFamily="34" charset="0"/>
-                <a:ea typeface="Calibri" panose="020F0502020204030204" pitchFamily="34" charset="0"/>
-                <a:cs typeface="Arial" panose="020B0604020202020204" pitchFamily="34" charset="0"/>
-              </a:rPr>
-              <a:t>2. (625 г.): Абу Бакр участвовал в битве при </a:t>
-            </a:r>
-            <a:r>
-              <a:rPr lang="ru-RU" sz="1800" dirty="0" err="1">
-                <a:effectLst/>
-                <a:latin typeface="Calibri" panose="020F0502020204030204" pitchFamily="34" charset="0"/>
-                <a:ea typeface="Calibri" panose="020F0502020204030204" pitchFamily="34" charset="0"/>
-                <a:cs typeface="Arial" panose="020B0604020202020204" pitchFamily="34" charset="0"/>
-              </a:rPr>
-              <a:t>Ухуде</a:t>
-            </a:r>
-            <a:r>
-              <a:rPr lang="ru-RU" sz="1800" dirty="0">
-                <a:effectLst/>
-                <a:latin typeface="Calibri" panose="020F0502020204030204" pitchFamily="34" charset="0"/>
-                <a:ea typeface="Calibri" panose="020F0502020204030204" pitchFamily="34" charset="0"/>
-                <a:cs typeface="Arial" panose="020B0604020202020204" pitchFamily="34" charset="0"/>
-              </a:rPr>
-              <a:t>, где произошла битва между мусульманами и </a:t>
-            </a:r>
-            <a:r>
-              <a:rPr lang="ru-RU" sz="1800" dirty="0" err="1">
-                <a:effectLst/>
-                <a:latin typeface="Calibri" panose="020F0502020204030204" pitchFamily="34" charset="0"/>
-                <a:ea typeface="Calibri" panose="020F0502020204030204" pitchFamily="34" charset="0"/>
-                <a:cs typeface="Arial" panose="020B0604020202020204" pitchFamily="34" charset="0"/>
-              </a:rPr>
-              <a:t>многобожниками</a:t>
-            </a:r>
-            <a:r>
-              <a:rPr lang="ru-RU" sz="1800" dirty="0">
-                <a:effectLst/>
-                <a:latin typeface="Calibri" panose="020F0502020204030204" pitchFamily="34" charset="0"/>
-                <a:ea typeface="Calibri" panose="020F0502020204030204" pitchFamily="34" charset="0"/>
-                <a:cs typeface="Arial" panose="020B0604020202020204" pitchFamily="34" charset="0"/>
-              </a:rPr>
-              <a:t> в </a:t>
-            </a:r>
-            <a:r>
-              <a:rPr lang="ru-RU" sz="1800" dirty="0" err="1">
-                <a:effectLst/>
-                <a:latin typeface="Calibri" panose="020F0502020204030204" pitchFamily="34" charset="0"/>
-                <a:ea typeface="Calibri" panose="020F0502020204030204" pitchFamily="34" charset="0"/>
-                <a:cs typeface="Arial" panose="020B0604020202020204" pitchFamily="34" charset="0"/>
-              </a:rPr>
-              <a:t>Ухуде</a:t>
-            </a:r>
-            <a:r>
-              <a:rPr lang="ru-RU" sz="1800" dirty="0">
-                <a:effectLst/>
-                <a:latin typeface="Calibri" panose="020F0502020204030204" pitchFamily="34" charset="0"/>
-                <a:ea typeface="Calibri" panose="020F0502020204030204" pitchFamily="34" charset="0"/>
-                <a:cs typeface="Arial" panose="020B0604020202020204" pitchFamily="34" charset="0"/>
-              </a:rPr>
-              <a:t> недалеко от Медины. В этом бою мусульмане понесли большие потери, но это не помешало им продолжить свою миссию.</a:t>
-            </a:r>
-            <a:br>
-              <a:rPr lang="ar-SA" sz="1800" dirty="0">
-                <a:effectLst/>
-                <a:latin typeface="Calibri" panose="020F0502020204030204" pitchFamily="34" charset="0"/>
-                <a:ea typeface="Calibri" panose="020F0502020204030204" pitchFamily="34" charset="0"/>
-                <a:cs typeface="Arial" panose="020B0604020202020204" pitchFamily="34" charset="0"/>
-              </a:rPr>
-            </a:br>
-            <a:r>
-              <a:rPr lang="ar-SA" sz="1800" kern="100" dirty="0">
-                <a:effectLst/>
-                <a:latin typeface="Calibri" panose="020F0502020204030204" pitchFamily="34" charset="0"/>
-                <a:ea typeface="Calibri" panose="020F0502020204030204" pitchFamily="34" charset="0"/>
-                <a:cs typeface="Arial" panose="020B0604020202020204" pitchFamily="34" charset="0"/>
-              </a:rPr>
-              <a:t>3</a:t>
-            </a:r>
-            <a:r>
-              <a:rPr lang="en-US" sz="1800" kern="100" dirty="0">
-                <a:effectLst/>
-                <a:latin typeface="Calibri" panose="020F0502020204030204" pitchFamily="34" charset="0"/>
-                <a:ea typeface="Calibri" panose="020F0502020204030204" pitchFamily="34" charset="0"/>
-                <a:cs typeface="Arial" panose="020B0604020202020204" pitchFamily="34" charset="0"/>
-              </a:rPr>
-              <a:t>. </a:t>
-            </a:r>
-            <a:r>
-              <a:rPr lang="ru-RU" sz="1800" kern="100" dirty="0">
-                <a:effectLst/>
-                <a:latin typeface="Calibri" panose="020F0502020204030204" pitchFamily="34" charset="0"/>
-                <a:ea typeface="Calibri" panose="020F0502020204030204" pitchFamily="34" charset="0"/>
-                <a:cs typeface="Arial" panose="020B0604020202020204" pitchFamily="34" charset="0"/>
-              </a:rPr>
-              <a:t>(627 г). В этой битве Абу Бакр и остальные сподвижники </a:t>
-            </a:r>
-            <a:r>
-              <a:rPr lang="ar-SA" sz="1800" kern="100" dirty="0">
-                <a:effectLst/>
-                <a:latin typeface="Calibri" panose="020F0502020204030204" pitchFamily="34" charset="0"/>
-                <a:ea typeface="Calibri" panose="020F0502020204030204" pitchFamily="34" charset="0"/>
-                <a:cs typeface="Arial" panose="020B0604020202020204" pitchFamily="34" charset="0"/>
-              </a:rPr>
-              <a:t> (الصحابه) </a:t>
-            </a:r>
-            <a:r>
-              <a:rPr lang="ru-RU" sz="1800" kern="100" dirty="0">
-                <a:effectLst/>
-                <a:latin typeface="Calibri" panose="020F0502020204030204" pitchFamily="34" charset="0"/>
-                <a:ea typeface="Calibri" panose="020F0502020204030204" pitchFamily="34" charset="0"/>
-                <a:cs typeface="Arial" panose="020B0604020202020204" pitchFamily="34" charset="0"/>
-              </a:rPr>
-              <a:t>вырыли ров вокруг Медины, чтобы защитить ее от нападения </a:t>
-            </a:r>
-            <a:r>
-              <a:rPr lang="ru-RU" sz="1800" kern="100" dirty="0" err="1">
-                <a:effectLst/>
-                <a:latin typeface="Calibri" panose="020F0502020204030204" pitchFamily="34" charset="0"/>
-                <a:ea typeface="Calibri" panose="020F0502020204030204" pitchFamily="34" charset="0"/>
-                <a:cs typeface="Arial" panose="020B0604020202020204" pitchFamily="34" charset="0"/>
-              </a:rPr>
-              <a:t>курайшитов</a:t>
-            </a:r>
-            <a:r>
-              <a:rPr lang="ru-RU" sz="1800" kern="100" dirty="0">
-                <a:effectLst/>
-                <a:latin typeface="Calibri" panose="020F0502020204030204" pitchFamily="34" charset="0"/>
-                <a:ea typeface="Calibri" panose="020F0502020204030204" pitchFamily="34" charset="0"/>
-                <a:cs typeface="Arial" panose="020B0604020202020204" pitchFamily="34" charset="0"/>
-              </a:rPr>
-              <a:t> и враждебных племен. Мусульманам удалось дать им отпор и сохранить безопасность города.</a:t>
-            </a:r>
-            <a:endParaRPr lang="en-US" sz="1800" dirty="0">
-              <a:solidFill>
-                <a:srgbClr val="FFFFFF"/>
-              </a:solidFill>
-            </a:endParaRPr>
-          </a:p>
-        </p:txBody>
-      </p:sp>
-    </p:spTree>
-    <p:extLst>
-      <p:ext uri="{BB962C8B-B14F-4D97-AF65-F5344CB8AC3E}">
-        <p14:creationId xmlns:p14="http://schemas.microsoft.com/office/powerpoint/2010/main" val="1915427336"/>
       </p:ext>
     </p:extLst>
   </p:cSld>
@@ -9041,25 +9521,16 @@
               </a:spcAft>
             </a:pPr>
             <a:r>
-              <a:rPr lang="ar-SA" sz="2000" kern="100" dirty="0">
-                <a:effectLst/>
-                <a:latin typeface="Calibri" panose="020F0502020204030204" pitchFamily="34" charset="0"/>
-                <a:ea typeface="Calibri" panose="020F0502020204030204" pitchFamily="34" charset="0"/>
-                <a:cs typeface="Arial" panose="020B0604020202020204" pitchFamily="34" charset="0"/>
-              </a:rPr>
-              <a:t>4</a:t>
-            </a:r>
-            <a:r>
-              <a:rPr lang="ru-RU" sz="2000" kern="100" dirty="0">
-                <a:effectLst/>
-                <a:latin typeface="Calibri" panose="020F0502020204030204" pitchFamily="34" charset="0"/>
-                <a:ea typeface="Calibri" panose="020F0502020204030204" pitchFamily="34" charset="0"/>
-                <a:cs typeface="Arial" panose="020B0604020202020204" pitchFamily="34" charset="0"/>
-              </a:rPr>
-              <a:t>. (630 г.). Абу Бакр Аль-</a:t>
-            </a:r>
-            <a:r>
-              <a:rPr lang="ru-RU" sz="2000" kern="100" dirty="0" err="1">
+              <a:rPr lang="ru-RU" sz="1800" dirty="0">
+                <a:effectLst/>
+                <a:latin typeface="Calibri" panose="020F0502020204030204" pitchFamily="34" charset="0"/>
+                <a:ea typeface="Calibri" panose="020F0502020204030204" pitchFamily="34" charset="0"/>
+                <a:cs typeface="Arial" panose="020B0604020202020204" pitchFamily="34" charset="0"/>
+              </a:rPr>
+              <a:t>Абу Бакр ас-</a:t>
+            </a:r>
+            <a:r>
+              <a:rPr lang="ru-RU" sz="1800" dirty="0" err="1">
                 <a:effectLst/>
                 <a:latin typeface="Calibri" panose="020F0502020204030204" pitchFamily="34" charset="0"/>
                 <a:ea typeface="Calibri" panose="020F0502020204030204" pitchFamily="34" charset="0"/>
@@ -9068,15 +9539,86 @@
               <a:t>Сиддик</a:t>
             </a:r>
             <a:r>
-              <a:rPr lang="ru-RU" sz="2000" kern="100" dirty="0">
-                <a:effectLst/>
-                <a:latin typeface="Calibri" panose="020F0502020204030204" pitchFamily="34" charset="0"/>
-                <a:ea typeface="Calibri" panose="020F0502020204030204" pitchFamily="34" charset="0"/>
-                <a:cs typeface="Arial" panose="020B0604020202020204" pitchFamily="34" charset="0"/>
-              </a:rPr>
-              <a:t> участвовал в завоевании Мекки, где мусульмане вошли в Мекку без боя. Это было одно из ключевых событий в распространении ислама, проявившее милосердие и прощение к народу Мекки.</a:t>
-            </a:r>
-            <a:endParaRPr lang="en-US" sz="2000" kern="100" dirty="0">
+              <a:rPr lang="ru-RU" sz="1800" dirty="0">
+                <a:effectLst/>
+                <a:latin typeface="Calibri" panose="020F0502020204030204" pitchFamily="34" charset="0"/>
+                <a:ea typeface="Calibri" panose="020F0502020204030204" pitchFamily="34" charset="0"/>
+                <a:cs typeface="Arial" panose="020B0604020202020204" pitchFamily="34" charset="0"/>
+              </a:rPr>
+              <a:t> за свою жизнь участвовал во многих важных битвах и сыграл заметную роль в успехе ислама в этих битвах. Среди наиболее ярких боев, в которых он участвовал, можно упомянуть следующие:</a:t>
+            </a:r>
+            <a:br>
+              <a:rPr lang="ru-RU" sz="1800" dirty="0">
+                <a:effectLst/>
+                <a:latin typeface="Calibri" panose="020F0502020204030204" pitchFamily="34" charset="0"/>
+                <a:ea typeface="Calibri" panose="020F0502020204030204" pitchFamily="34" charset="0"/>
+                <a:cs typeface="Arial" panose="020B0604020202020204" pitchFamily="34" charset="0"/>
+              </a:rPr>
+            </a:br>
+            <a:r>
+              <a:rPr lang="ru-RU" sz="1800" kern="100" dirty="0">
+                <a:effectLst/>
+                <a:latin typeface="Calibri" panose="020F0502020204030204" pitchFamily="34" charset="0"/>
+                <a:ea typeface="Calibri" panose="020F0502020204030204" pitchFamily="34" charset="0"/>
+                <a:cs typeface="Arial" panose="020B0604020202020204" pitchFamily="34" charset="0"/>
+              </a:rPr>
+              <a:t>1. (624 г.): Абу Бакр Аль-</a:t>
+            </a:r>
+            <a:r>
+              <a:rPr lang="ru-RU" sz="1800" kern="100" dirty="0" err="1">
+                <a:effectLst/>
+                <a:latin typeface="Calibri" panose="020F0502020204030204" pitchFamily="34" charset="0"/>
+                <a:ea typeface="Calibri" panose="020F0502020204030204" pitchFamily="34" charset="0"/>
+                <a:cs typeface="Arial" panose="020B0604020202020204" pitchFamily="34" charset="0"/>
+              </a:rPr>
+              <a:t>Сиддик</a:t>
+            </a:r>
+            <a:r>
+              <a:rPr lang="ru-RU" sz="1800" kern="100" dirty="0">
+                <a:effectLst/>
+                <a:latin typeface="Calibri" panose="020F0502020204030204" pitchFamily="34" charset="0"/>
+                <a:ea typeface="Calibri" panose="020F0502020204030204" pitchFamily="34" charset="0"/>
+                <a:cs typeface="Arial" panose="020B0604020202020204" pitchFamily="34" charset="0"/>
+              </a:rPr>
+              <a:t> участвовал в битве при Бадре, которая была первой битвой, которую мусульмане вели против </a:t>
+            </a:r>
+            <a:r>
+              <a:rPr lang="ru-RU" sz="1800" kern="100" dirty="0" err="1">
+                <a:effectLst/>
+                <a:latin typeface="Calibri" panose="020F0502020204030204" pitchFamily="34" charset="0"/>
+                <a:ea typeface="Calibri" panose="020F0502020204030204" pitchFamily="34" charset="0"/>
+                <a:cs typeface="Arial" panose="020B0604020202020204" pitchFamily="34" charset="0"/>
+              </a:rPr>
+              <a:t>курайшитов</a:t>
+            </a:r>
+            <a:r>
+              <a:rPr lang="ru-RU" sz="1800" kern="100" dirty="0">
+                <a:effectLst/>
+                <a:latin typeface="Calibri" panose="020F0502020204030204" pitchFamily="34" charset="0"/>
+                <a:ea typeface="Calibri" panose="020F0502020204030204" pitchFamily="34" charset="0"/>
+                <a:cs typeface="Arial" panose="020B0604020202020204" pitchFamily="34" charset="0"/>
+              </a:rPr>
+              <a:t> в Мекке. Об этом свидетельствует успех мусульман в этой битве, поскольку они смогли разгромить армию </a:t>
+            </a:r>
+            <a:r>
+              <a:rPr lang="ru-RU" sz="1800" kern="100" dirty="0" err="1">
+                <a:effectLst/>
+                <a:latin typeface="Calibri" panose="020F0502020204030204" pitchFamily="34" charset="0"/>
+                <a:ea typeface="Calibri" panose="020F0502020204030204" pitchFamily="34" charset="0"/>
+                <a:cs typeface="Arial" panose="020B0604020202020204" pitchFamily="34" charset="0"/>
+              </a:rPr>
+              <a:t>курайшитов</a:t>
+            </a:r>
+            <a:r>
+              <a:rPr lang="ru-RU" sz="1800" kern="100" dirty="0">
+                <a:effectLst/>
+                <a:latin typeface="Calibri" panose="020F0502020204030204" pitchFamily="34" charset="0"/>
+                <a:ea typeface="Calibri" panose="020F0502020204030204" pitchFamily="34" charset="0"/>
+                <a:cs typeface="Arial" panose="020B0604020202020204" pitchFamily="34" charset="0"/>
+              </a:rPr>
+              <a:t>, несмотря на численное превосходство последних.</a:t>
+            </a:r>
+            <a:endParaRPr lang="en-US" sz="1800" kern="100" dirty="0">
               <a:effectLst/>
               <a:latin typeface="Calibri" panose="020F0502020204030204" pitchFamily="34" charset="0"/>
               <a:ea typeface="Calibri" panose="020F0502020204030204" pitchFamily="34" charset="0"/>
@@ -9084,27 +9626,7 @@
             </a:endParaRPr>
           </a:p>
           <a:p>
-            <a:pPr marL="0" marR="0" indent="0">
-              <a:lnSpc>
-                <a:spcPct val="107000"/>
-              </a:lnSpc>
-              <a:spcBef>
-                <a:spcPts val="0"/>
-              </a:spcBef>
-              <a:spcAft>
-                <a:spcPts val="800"/>
-              </a:spcAft>
-              <a:buNone/>
-            </a:pPr>
-            <a:endParaRPr lang="en-US" sz="2000" kern="100" dirty="0">
-              <a:effectLst/>
-              <a:latin typeface="Calibri" panose="020F0502020204030204" pitchFamily="34" charset="0"/>
-              <a:ea typeface="Calibri" panose="020F0502020204030204" pitchFamily="34" charset="0"/>
-              <a:cs typeface="Arial" panose="020B0604020202020204" pitchFamily="34" charset="0"/>
-            </a:endParaRPr>
-          </a:p>
-          <a:p>
-            <a:pPr marL="0" marR="0">
+            <a:pPr marL="0" marR="0" rtl="1">
               <a:lnSpc>
                 <a:spcPct val="107000"/>
               </a:lnSpc>
@@ -9116,124 +9638,140 @@
               </a:spcAft>
             </a:pPr>
             <a:r>
-              <a:rPr lang="ar-SA" sz="2000" kern="100" dirty="0">
-                <a:effectLst/>
-                <a:latin typeface="Calibri" panose="020F0502020204030204" pitchFamily="34" charset="0"/>
-                <a:ea typeface="Calibri" panose="020F0502020204030204" pitchFamily="34" charset="0"/>
-                <a:cs typeface="Arial" panose="020B0604020202020204" pitchFamily="34" charset="0"/>
-              </a:rPr>
-              <a:t>5</a:t>
-            </a:r>
-            <a:r>
-              <a:rPr lang="ru-RU" sz="2000" kern="100" dirty="0">
-                <a:effectLst/>
-                <a:latin typeface="Calibri" panose="020F0502020204030204" pitchFamily="34" charset="0"/>
-                <a:ea typeface="Calibri" panose="020F0502020204030204" pitchFamily="34" charset="0"/>
-                <a:cs typeface="Arial" panose="020B0604020202020204" pitchFamily="34" charset="0"/>
-              </a:rPr>
-              <a:t>. (629 г): Абу Бакр участвовал в битве при </a:t>
-            </a:r>
-            <a:r>
-              <a:rPr lang="ru-RU" sz="2000" kern="100" dirty="0" err="1">
-                <a:effectLst/>
-                <a:latin typeface="Calibri" panose="020F0502020204030204" pitchFamily="34" charset="0"/>
-                <a:ea typeface="Calibri" panose="020F0502020204030204" pitchFamily="34" charset="0"/>
-                <a:cs typeface="Arial" panose="020B0604020202020204" pitchFamily="34" charset="0"/>
-              </a:rPr>
-              <a:t>Муте</a:t>
-            </a:r>
-            <a:r>
-              <a:rPr lang="ru-RU" sz="2000" kern="100" dirty="0">
-                <a:effectLst/>
-                <a:latin typeface="Calibri" panose="020F0502020204030204" pitchFamily="34" charset="0"/>
-                <a:ea typeface="Calibri" panose="020F0502020204030204" pitchFamily="34" charset="0"/>
-                <a:cs typeface="Arial" panose="020B0604020202020204" pitchFamily="34" charset="0"/>
-              </a:rPr>
-              <a:t>, которая произошла между мусульманами и римской армией. Эта битва была частью столкновения с Византийской империей.</a:t>
-            </a:r>
-            <a:endParaRPr lang="en-US" sz="2000" kern="100" dirty="0">
-              <a:effectLst/>
-              <a:latin typeface="Calibri" panose="020F0502020204030204" pitchFamily="34" charset="0"/>
-              <a:ea typeface="Calibri" panose="020F0502020204030204" pitchFamily="34" charset="0"/>
-              <a:cs typeface="Arial" panose="020B0604020202020204" pitchFamily="34" charset="0"/>
-            </a:endParaRPr>
-          </a:p>
-          <a:p>
-            <a:pPr marL="0" marR="0" indent="0">
-              <a:lnSpc>
-                <a:spcPct val="107000"/>
-              </a:lnSpc>
-              <a:spcBef>
-                <a:spcPts val="0"/>
-              </a:spcBef>
-              <a:spcAft>
-                <a:spcPts val="800"/>
-              </a:spcAft>
-              <a:buNone/>
-            </a:pPr>
-            <a:r>
-              <a:rPr lang="ru-RU" sz="2000" kern="100" dirty="0">
-                <a:effectLst/>
-                <a:latin typeface="Calibri" panose="020F0502020204030204" pitchFamily="34" charset="0"/>
-                <a:ea typeface="Calibri" panose="020F0502020204030204" pitchFamily="34" charset="0"/>
-                <a:cs typeface="Arial" panose="020B0604020202020204" pitchFamily="34" charset="0"/>
-              </a:rPr>
-              <a:t> (</a:t>
-            </a:r>
-            <a:r>
-              <a:rPr lang="en-US" sz="2000" kern="100" dirty="0">
-                <a:effectLst/>
-                <a:latin typeface="Calibri" panose="020F0502020204030204" pitchFamily="34" charset="0"/>
-                <a:ea typeface="Calibri" panose="020F0502020204030204" pitchFamily="34" charset="0"/>
-                <a:cs typeface="Arial" panose="020B0604020202020204" pitchFamily="34" charset="0"/>
-              </a:rPr>
-              <a:t>I’m sure that translation of next sentence not correct</a:t>
-            </a:r>
-            <a:r>
-              <a:rPr lang="ru-RU" sz="2000" kern="100" dirty="0">
-                <a:effectLst/>
-                <a:latin typeface="Calibri" panose="020F0502020204030204" pitchFamily="34" charset="0"/>
-                <a:ea typeface="Calibri" panose="020F0502020204030204" pitchFamily="34" charset="0"/>
-                <a:cs typeface="Arial" panose="020B0604020202020204" pitchFamily="34" charset="0"/>
-              </a:rPr>
-              <a:t>)</a:t>
-            </a:r>
-            <a:endParaRPr lang="en-US" sz="2000" kern="100" dirty="0">
-              <a:effectLst/>
-              <a:latin typeface="Calibri" panose="020F0502020204030204" pitchFamily="34" charset="0"/>
-              <a:ea typeface="Calibri" panose="020F0502020204030204" pitchFamily="34" charset="0"/>
-              <a:cs typeface="Arial" panose="020B0604020202020204" pitchFamily="34" charset="0"/>
-            </a:endParaRPr>
-          </a:p>
-          <a:p>
-            <a:r>
-              <a:rPr lang="ru-RU" sz="2000" dirty="0">
-                <a:effectLst/>
-                <a:latin typeface="Calibri" panose="020F0502020204030204" pitchFamily="34" charset="0"/>
-                <a:ea typeface="Calibri" panose="020F0502020204030204" pitchFamily="34" charset="0"/>
-                <a:cs typeface="Arial" panose="020B0604020202020204" pitchFamily="34" charset="0"/>
-              </a:rPr>
-              <a:t>Это лишь некоторые из многих сражений, в которых Абу Бакр ас-</a:t>
-            </a:r>
-            <a:r>
-              <a:rPr lang="ru-RU" sz="2000" dirty="0" err="1">
-                <a:effectLst/>
-                <a:latin typeface="Calibri" panose="020F0502020204030204" pitchFamily="34" charset="0"/>
-                <a:ea typeface="Calibri" panose="020F0502020204030204" pitchFamily="34" charset="0"/>
-                <a:cs typeface="Arial" panose="020B0604020202020204" pitchFamily="34" charset="0"/>
-              </a:rPr>
-              <a:t>Сиддик</a:t>
-            </a:r>
-            <a:r>
-              <a:rPr lang="ru-RU" sz="2000" dirty="0">
-                <a:effectLst/>
-                <a:latin typeface="Calibri" panose="020F0502020204030204" pitchFamily="34" charset="0"/>
-                <a:ea typeface="Calibri" panose="020F0502020204030204" pitchFamily="34" charset="0"/>
-                <a:cs typeface="Arial" panose="020B0604020202020204" pitchFamily="34" charset="0"/>
-              </a:rPr>
-              <a:t> участвовал в течение своей жизни, и он сыграл важную роль в поддержке Пророка Мухаммеда и содействии успеху исламского призыва.</a:t>
-            </a:r>
-            <a:endParaRPr lang="en-US" sz="2000" dirty="0">
+              <a:rPr lang="ru-RU" sz="1800" dirty="0">
+                <a:effectLst/>
+                <a:latin typeface="Calibri" panose="020F0502020204030204" pitchFamily="34" charset="0"/>
+                <a:ea typeface="Calibri" panose="020F0502020204030204" pitchFamily="34" charset="0"/>
+                <a:cs typeface="Arial" panose="020B0604020202020204" pitchFamily="34" charset="0"/>
+              </a:rPr>
+              <a:t>2. (625 г.): Абу Бакр участвовал в битве при </a:t>
+            </a:r>
+            <a:r>
+              <a:rPr lang="ru-RU" sz="1800" dirty="0" err="1">
+                <a:effectLst/>
+                <a:latin typeface="Calibri" panose="020F0502020204030204" pitchFamily="34" charset="0"/>
+                <a:ea typeface="Calibri" panose="020F0502020204030204" pitchFamily="34" charset="0"/>
+                <a:cs typeface="Arial" panose="020B0604020202020204" pitchFamily="34" charset="0"/>
+              </a:rPr>
+              <a:t>Ухуде</a:t>
+            </a:r>
+            <a:r>
+              <a:rPr lang="ru-RU" sz="1800" dirty="0">
+                <a:effectLst/>
+                <a:latin typeface="Calibri" panose="020F0502020204030204" pitchFamily="34" charset="0"/>
+                <a:ea typeface="Calibri" panose="020F0502020204030204" pitchFamily="34" charset="0"/>
+                <a:cs typeface="Arial" panose="020B0604020202020204" pitchFamily="34" charset="0"/>
+              </a:rPr>
+              <a:t>, где произошла битва между мусульманами и </a:t>
+            </a:r>
+            <a:r>
+              <a:rPr lang="ru-RU" sz="1800" dirty="0" err="1">
+                <a:effectLst/>
+                <a:latin typeface="Calibri" panose="020F0502020204030204" pitchFamily="34" charset="0"/>
+                <a:ea typeface="Calibri" panose="020F0502020204030204" pitchFamily="34" charset="0"/>
+                <a:cs typeface="Arial" panose="020B0604020202020204" pitchFamily="34" charset="0"/>
+              </a:rPr>
+              <a:t>многобожниками</a:t>
+            </a:r>
+            <a:r>
+              <a:rPr lang="ru-RU" sz="1800" dirty="0">
+                <a:effectLst/>
+                <a:latin typeface="Calibri" panose="020F0502020204030204" pitchFamily="34" charset="0"/>
+                <a:ea typeface="Calibri" panose="020F0502020204030204" pitchFamily="34" charset="0"/>
+                <a:cs typeface="Arial" panose="020B0604020202020204" pitchFamily="34" charset="0"/>
+              </a:rPr>
+              <a:t> в </a:t>
+            </a:r>
+            <a:r>
+              <a:rPr lang="ru-RU" sz="1800" dirty="0" err="1">
+                <a:effectLst/>
+                <a:latin typeface="Calibri" panose="020F0502020204030204" pitchFamily="34" charset="0"/>
+                <a:ea typeface="Calibri" panose="020F0502020204030204" pitchFamily="34" charset="0"/>
+                <a:cs typeface="Arial" panose="020B0604020202020204" pitchFamily="34" charset="0"/>
+              </a:rPr>
+              <a:t>Ухуде</a:t>
+            </a:r>
+            <a:r>
+              <a:rPr lang="ru-RU" sz="1800" dirty="0">
+                <a:effectLst/>
+                <a:latin typeface="Calibri" panose="020F0502020204030204" pitchFamily="34" charset="0"/>
+                <a:ea typeface="Calibri" panose="020F0502020204030204" pitchFamily="34" charset="0"/>
+                <a:cs typeface="Arial" panose="020B0604020202020204" pitchFamily="34" charset="0"/>
+              </a:rPr>
+              <a:t> недалеко от Медины. В этом бою мусульмане понесли большие потери, но это не помешало им продолжить свою миссию.</a:t>
+            </a:r>
+            <a:br>
+              <a:rPr lang="ar-SA" sz="1800" dirty="0">
+                <a:effectLst/>
+                <a:latin typeface="Calibri" panose="020F0502020204030204" pitchFamily="34" charset="0"/>
+                <a:ea typeface="Calibri" panose="020F0502020204030204" pitchFamily="34" charset="0"/>
+                <a:cs typeface="Arial" panose="020B0604020202020204" pitchFamily="34" charset="0"/>
+              </a:rPr>
+            </a:br>
+            <a:r>
+              <a:rPr lang="ar-SA" sz="1800" kern="100" dirty="0">
+                <a:effectLst/>
+                <a:latin typeface="Calibri" panose="020F0502020204030204" pitchFamily="34" charset="0"/>
+                <a:ea typeface="Calibri" panose="020F0502020204030204" pitchFamily="34" charset="0"/>
+                <a:cs typeface="Arial" panose="020B0604020202020204" pitchFamily="34" charset="0"/>
+              </a:rPr>
+              <a:t>3</a:t>
+            </a:r>
+            <a:r>
+              <a:rPr lang="en-US" sz="1800" kern="100" dirty="0">
+                <a:effectLst/>
+                <a:latin typeface="Calibri" panose="020F0502020204030204" pitchFamily="34" charset="0"/>
+                <a:ea typeface="Calibri" panose="020F0502020204030204" pitchFamily="34" charset="0"/>
+                <a:cs typeface="Arial" panose="020B0604020202020204" pitchFamily="34" charset="0"/>
+              </a:rPr>
+              <a:t>. </a:t>
+            </a:r>
+            <a:r>
+              <a:rPr lang="ru-RU" sz="1800" kern="100" dirty="0">
+                <a:effectLst/>
+                <a:latin typeface="Calibri" panose="020F0502020204030204" pitchFamily="34" charset="0"/>
+                <a:ea typeface="Calibri" panose="020F0502020204030204" pitchFamily="34" charset="0"/>
+                <a:cs typeface="Arial" panose="020B0604020202020204" pitchFamily="34" charset="0"/>
+              </a:rPr>
+              <a:t>(627 г). В этой битве Абу Бакр и остальные сподвижники </a:t>
+            </a:r>
+            <a:r>
+              <a:rPr lang="ar-SA" sz="1800" kern="100" dirty="0">
+                <a:effectLst/>
+                <a:latin typeface="Calibri" panose="020F0502020204030204" pitchFamily="34" charset="0"/>
+                <a:ea typeface="Calibri" panose="020F0502020204030204" pitchFamily="34" charset="0"/>
+                <a:cs typeface="Arial" panose="020B0604020202020204" pitchFamily="34" charset="0"/>
+              </a:rPr>
+              <a:t> (الصحابه) </a:t>
+            </a:r>
+            <a:r>
+              <a:rPr lang="ru-RU" sz="1800" kern="100" dirty="0">
+                <a:effectLst/>
+                <a:latin typeface="Calibri" panose="020F0502020204030204" pitchFamily="34" charset="0"/>
+                <a:ea typeface="Calibri" panose="020F0502020204030204" pitchFamily="34" charset="0"/>
+                <a:cs typeface="Arial" panose="020B0604020202020204" pitchFamily="34" charset="0"/>
+              </a:rPr>
+              <a:t>вырыли ров вокруг Медины, чтобы защитить ее от нападения </a:t>
+            </a:r>
+            <a:r>
+              <a:rPr lang="ru-RU" sz="1800" kern="100" dirty="0" err="1">
+                <a:effectLst/>
+                <a:latin typeface="Calibri" panose="020F0502020204030204" pitchFamily="34" charset="0"/>
+                <a:ea typeface="Calibri" panose="020F0502020204030204" pitchFamily="34" charset="0"/>
+                <a:cs typeface="Arial" panose="020B0604020202020204" pitchFamily="34" charset="0"/>
+              </a:rPr>
+              <a:t>курайшитов</a:t>
+            </a:r>
+            <a:r>
+              <a:rPr lang="ru-RU" sz="1800" kern="100" dirty="0">
+                <a:effectLst/>
+                <a:latin typeface="Calibri" panose="020F0502020204030204" pitchFamily="34" charset="0"/>
+                <a:ea typeface="Calibri" panose="020F0502020204030204" pitchFamily="34" charset="0"/>
+                <a:cs typeface="Arial" panose="020B0604020202020204" pitchFamily="34" charset="0"/>
+              </a:rPr>
+              <a:t> и враждебных племен. Мусульманам удалось дать им отпор и сохранить безопасность города.</a:t>
+            </a:r>
+            <a:endParaRPr lang="en-US" sz="1800" dirty="0">
               <a:solidFill>
                 <a:srgbClr val="FFFFFF"/>
               </a:solidFill>
@@ -9244,7 +9782,7 @@
     </p:spTree>
     <p:extLst>
       <p:ext uri="{BB962C8B-B14F-4D97-AF65-F5344CB8AC3E}">
-        <p14:creationId xmlns:p14="http://schemas.microsoft.com/office/powerpoint/2010/main" val="2360895720"/>
+        <p14:creationId xmlns:p14="http://schemas.microsoft.com/office/powerpoint/2010/main" val="1915427336"/>
       </p:ext>
     </p:extLst>
   </p:cSld>
@@ -9407,32 +9945,18 @@
           <a:lstStyle/>
           <a:p>
             <a:r>
-              <a:rPr lang="ru-RU" dirty="0">
-                <a:effectLst/>
-                <a:latin typeface="Calibri" panose="020F0502020204030204" pitchFamily="34" charset="0"/>
-                <a:ea typeface="Calibri" panose="020F0502020204030204" pitchFamily="34" charset="0"/>
-                <a:cs typeface="Arial" panose="020B0604020202020204" pitchFamily="34" charset="0"/>
-              </a:rPr>
-              <a:t>Второй халиф, Омар </a:t>
-            </a:r>
-            <a:r>
-              <a:rPr lang="ru-RU" dirty="0">
-                <a:latin typeface="Calibri" panose="020F0502020204030204" pitchFamily="34" charset="0"/>
-                <a:ea typeface="Calibri" panose="020F0502020204030204" pitchFamily="34" charset="0"/>
-                <a:cs typeface="Arial" panose="020B0604020202020204" pitchFamily="34" charset="0"/>
-              </a:rPr>
-              <a:t>Ибн</a:t>
-            </a:r>
-            <a:r>
-              <a:rPr lang="ru-RU" dirty="0">
-                <a:effectLst/>
-                <a:latin typeface="Calibri" panose="020F0502020204030204" pitchFamily="34" charset="0"/>
-                <a:ea typeface="Calibri" panose="020F0502020204030204" pitchFamily="34" charset="0"/>
-                <a:cs typeface="Arial" panose="020B0604020202020204" pitchFamily="34" charset="0"/>
-              </a:rPr>
-              <a:t> Аль-Хаттаб</a:t>
-            </a:r>
-            <a:endParaRPr lang="en-US" dirty="0">
+              <a:rPr lang="ru-RU">
+                <a:solidFill>
+                  <a:srgbClr val="FFFFFF"/>
+                </a:solidFill>
+                <a:effectLst/>
+                <a:latin typeface="Calibri" panose="020F0502020204030204" pitchFamily="34" charset="0"/>
+                <a:ea typeface="Calibri" panose="020F0502020204030204" pitchFamily="34" charset="0"/>
+                <a:cs typeface="Arial" panose="020B0604020202020204" pitchFamily="34" charset="0"/>
+              </a:rPr>
+              <a:t>Первый халиф, Абу Бакр Аль-Сиддик</a:t>
+            </a:r>
+            <a:endParaRPr lang="en-US">
               <a:solidFill>
                 <a:srgbClr val="FFFFFF"/>
               </a:solidFill>
@@ -9480,79 +10004,47 @@
               </a:spcAft>
             </a:pPr>
             <a:r>
-              <a:rPr lang="ru-RU" sz="1800" kern="100" dirty="0">
-                <a:effectLst/>
-                <a:latin typeface="Calibri" panose="020F0502020204030204" pitchFamily="34" charset="0"/>
-                <a:ea typeface="Calibri" panose="020F0502020204030204" pitchFamily="34" charset="0"/>
-                <a:cs typeface="Arial" panose="020B0604020202020204" pitchFamily="34" charset="0"/>
-              </a:rPr>
-              <a:t>Омар бин Аль-Хаттаб: был назначен по прямому завещанию Абу Бакра Аль-</a:t>
-            </a:r>
-            <a:r>
-              <a:rPr lang="ru-RU" sz="1800" kern="100" dirty="0" err="1">
-                <a:effectLst/>
-                <a:latin typeface="Calibri" panose="020F0502020204030204" pitchFamily="34" charset="0"/>
-                <a:ea typeface="Calibri" panose="020F0502020204030204" pitchFamily="34" charset="0"/>
-                <a:cs typeface="Arial" panose="020B0604020202020204" pitchFamily="34" charset="0"/>
-              </a:rPr>
-              <a:t>Сиддика</a:t>
-            </a:r>
-            <a:r>
-              <a:rPr lang="ru-RU" sz="1800" kern="100" dirty="0">
-                <a:effectLst/>
-                <a:latin typeface="Calibri" panose="020F0502020204030204" pitchFamily="34" charset="0"/>
-                <a:ea typeface="Calibri" panose="020F0502020204030204" pitchFamily="34" charset="0"/>
-                <a:cs typeface="Arial" panose="020B0604020202020204" pitchFamily="34" charset="0"/>
-              </a:rPr>
-              <a:t> и продолжал свое правление в течение 10 лет.</a:t>
-            </a:r>
-            <a:endParaRPr lang="en-US" sz="1800" kern="100" dirty="0">
+              <a:rPr lang="ar-SA" sz="2000" kern="100" dirty="0">
+                <a:effectLst/>
+                <a:latin typeface="Calibri" panose="020F0502020204030204" pitchFamily="34" charset="0"/>
+                <a:ea typeface="Calibri" panose="020F0502020204030204" pitchFamily="34" charset="0"/>
+                <a:cs typeface="Arial" panose="020B0604020202020204" pitchFamily="34" charset="0"/>
+              </a:rPr>
+              <a:t>4</a:t>
+            </a:r>
+            <a:r>
+              <a:rPr lang="ru-RU" sz="2000" kern="100" dirty="0">
+                <a:effectLst/>
+                <a:latin typeface="Calibri" panose="020F0502020204030204" pitchFamily="34" charset="0"/>
+                <a:ea typeface="Calibri" panose="020F0502020204030204" pitchFamily="34" charset="0"/>
+                <a:cs typeface="Arial" panose="020B0604020202020204" pitchFamily="34" charset="0"/>
+              </a:rPr>
+              <a:t>. (630 г.). Абу Бакр Аль-</a:t>
+            </a:r>
+            <a:r>
+              <a:rPr lang="ru-RU" sz="2000" kern="100" dirty="0" err="1">
+                <a:effectLst/>
+                <a:latin typeface="Calibri" panose="020F0502020204030204" pitchFamily="34" charset="0"/>
+                <a:ea typeface="Calibri" panose="020F0502020204030204" pitchFamily="34" charset="0"/>
+                <a:cs typeface="Arial" panose="020B0604020202020204" pitchFamily="34" charset="0"/>
+              </a:rPr>
+              <a:t>Сиддик</a:t>
+            </a:r>
+            <a:r>
+              <a:rPr lang="ru-RU" sz="2000" kern="100" dirty="0">
+                <a:effectLst/>
+                <a:latin typeface="Calibri" panose="020F0502020204030204" pitchFamily="34" charset="0"/>
+                <a:ea typeface="Calibri" panose="020F0502020204030204" pitchFamily="34" charset="0"/>
+                <a:cs typeface="Arial" panose="020B0604020202020204" pitchFamily="34" charset="0"/>
+              </a:rPr>
+              <a:t> участвовал в завоевании Мекки, где мусульмане вошли в Мекку без боя. Это было одно из ключевых событий в распространении ислама, проявившее милосердие и прощение к народу Мекки.</a:t>
+            </a:r>
+            <a:endParaRPr lang="en-US" sz="2000" kern="100" dirty="0">
               <a:effectLst/>
               <a:latin typeface="Calibri" panose="020F0502020204030204" pitchFamily="34" charset="0"/>
               <a:ea typeface="Calibri" panose="020F0502020204030204" pitchFamily="34" charset="0"/>
               <a:cs typeface="Arial" panose="020B0604020202020204" pitchFamily="34" charset="0"/>
             </a:endParaRPr>
-          </a:p>
-          <a:p>
-            <a:pPr marL="0" marR="0">
-              <a:lnSpc>
-                <a:spcPct val="107000"/>
-              </a:lnSpc>
-              <a:spcBef>
-                <a:spcPts val="0"/>
-              </a:spcBef>
-              <a:spcAft>
-                <a:spcPts val="800"/>
-              </a:spcAft>
-            </a:pPr>
-            <a:endParaRPr lang="en-US" sz="1800" kern="100" dirty="0">
-              <a:effectLst/>
-              <a:latin typeface="Calibri" panose="020F0502020204030204" pitchFamily="34" charset="0"/>
-              <a:ea typeface="Calibri" panose="020F0502020204030204" pitchFamily="34" charset="0"/>
-              <a:cs typeface="Arial" panose="020B0604020202020204" pitchFamily="34" charset="0"/>
-            </a:endParaRPr>
-          </a:p>
-          <a:p>
-            <a:pPr marL="0" marR="0">
-              <a:lnSpc>
-                <a:spcPct val="107000"/>
-              </a:lnSpc>
-              <a:spcBef>
-                <a:spcPts val="0"/>
-              </a:spcBef>
-              <a:spcAft>
-                <a:spcPts val="800"/>
-              </a:spcAft>
-            </a:pPr>
-            <a:r>
-              <a:rPr lang="ru-RU" sz="1800" kern="100" dirty="0">
-                <a:effectLst/>
-                <a:latin typeface="Calibri" panose="020F0502020204030204" pitchFamily="34" charset="0"/>
-                <a:ea typeface="Calibri" panose="020F0502020204030204" pitchFamily="34" charset="0"/>
-                <a:cs typeface="Arial" panose="020B0604020202020204" pitchFamily="34" charset="0"/>
-              </a:rPr>
-              <a:t>(636 г.) Битва при Ярмуке. Эта битва произошла между мусульманами и Византийской империей в регионе Ярмук. Мусульмане выиграли эту битву, которая привела к завоеванию Леванта и его присоединению к Исламскому государству.</a:t>
-            </a:r>
           </a:p>
           <a:p>
             <a:pPr marL="0" marR="0" indent="0">
@@ -9567,42 +10059,62 @@
               </a:spcAft>
               <a:buNone/>
             </a:pPr>
-            <a:br>
-              <a:rPr lang="ru-RU" sz="1800" kern="100" dirty="0">
-                <a:effectLst/>
-                <a:latin typeface="Calibri" panose="020F0502020204030204" pitchFamily="34" charset="0"/>
-                <a:ea typeface="Calibri" panose="020F0502020204030204" pitchFamily="34" charset="0"/>
-                <a:cs typeface="Arial" panose="020B0604020202020204" pitchFamily="34" charset="0"/>
-              </a:rPr>
-            </a:br>
-            <a:r>
-              <a:rPr lang="ru-RU" sz="1800" kern="100" dirty="0">
-                <a:effectLst/>
-                <a:latin typeface="Calibri" panose="020F0502020204030204" pitchFamily="34" charset="0"/>
-                <a:ea typeface="Calibri" panose="020F0502020204030204" pitchFamily="34" charset="0"/>
-                <a:cs typeface="Arial" panose="020B0604020202020204" pitchFamily="34" charset="0"/>
-              </a:rPr>
-              <a:t>(640 г.) Завоевание Египта. Во время правления Омара ибн аль-Хаттаба Египет был завоеван под руководством Амра ибн аль-</a:t>
-            </a:r>
-            <a:r>
-              <a:rPr lang="ru-RU" sz="1800" kern="100" dirty="0" err="1">
-                <a:effectLst/>
-                <a:latin typeface="Calibri" panose="020F0502020204030204" pitchFamily="34" charset="0"/>
-                <a:ea typeface="Calibri" panose="020F0502020204030204" pitchFamily="34" charset="0"/>
-                <a:cs typeface="Arial" panose="020B0604020202020204" pitchFamily="34" charset="0"/>
-              </a:rPr>
-              <a:t>Ааса</a:t>
-            </a:r>
-            <a:r>
-              <a:rPr lang="ru-RU" sz="1800" kern="100" dirty="0">
-                <a:effectLst/>
-                <a:latin typeface="Calibri" panose="020F0502020204030204" pitchFamily="34" charset="0"/>
-                <a:ea typeface="Calibri" panose="020F0502020204030204" pitchFamily="34" charset="0"/>
-                <a:cs typeface="Arial" panose="020B0604020202020204" pitchFamily="34" charset="0"/>
-              </a:rPr>
-              <a:t>. Это завоевание способствовало распространению ислама в Египте и Северной Африке.</a:t>
-            </a:r>
-            <a:endParaRPr lang="en-US" sz="1800" kern="100" dirty="0">
+            <a:endParaRPr lang="en-US" sz="2000" kern="100" dirty="0">
+              <a:effectLst/>
+              <a:latin typeface="Calibri" panose="020F0502020204030204" pitchFamily="34" charset="0"/>
+              <a:ea typeface="Calibri" panose="020F0502020204030204" pitchFamily="34" charset="0"/>
+              <a:cs typeface="Arial" panose="020B0604020202020204" pitchFamily="34" charset="0"/>
+            </a:endParaRPr>
+          </a:p>
+          <a:p>
+            <a:pPr marL="0" marR="0">
+              <a:lnSpc>
+                <a:spcPct val="107000"/>
+              </a:lnSpc>
+              <a:spcBef>
+                <a:spcPts val="0"/>
+              </a:spcBef>
+              <a:spcAft>
+                <a:spcPts val="800"/>
+              </a:spcAft>
+            </a:pPr>
+            <a:r>
+              <a:rPr lang="ar-SA" sz="2000" kern="100" dirty="0">
+                <a:effectLst/>
+                <a:latin typeface="Calibri" panose="020F0502020204030204" pitchFamily="34" charset="0"/>
+                <a:ea typeface="Calibri" panose="020F0502020204030204" pitchFamily="34" charset="0"/>
+                <a:cs typeface="Arial" panose="020B0604020202020204" pitchFamily="34" charset="0"/>
+              </a:rPr>
+              <a:t>5</a:t>
+            </a:r>
+            <a:r>
+              <a:rPr lang="ru-RU" sz="2000" kern="100" dirty="0">
+                <a:effectLst/>
+                <a:latin typeface="Calibri" panose="020F0502020204030204" pitchFamily="34" charset="0"/>
+                <a:ea typeface="Calibri" panose="020F0502020204030204" pitchFamily="34" charset="0"/>
+                <a:cs typeface="Arial" panose="020B0604020202020204" pitchFamily="34" charset="0"/>
+              </a:rPr>
+              <a:t>. (629 г): Абу Бакр участвовал в битве при </a:t>
+            </a:r>
+            <a:r>
+              <a:rPr lang="ru-RU" sz="2000" kern="100" dirty="0" err="1">
+                <a:effectLst/>
+                <a:latin typeface="Calibri" panose="020F0502020204030204" pitchFamily="34" charset="0"/>
+                <a:ea typeface="Calibri" panose="020F0502020204030204" pitchFamily="34" charset="0"/>
+                <a:cs typeface="Arial" panose="020B0604020202020204" pitchFamily="34" charset="0"/>
+              </a:rPr>
+              <a:t>Муте</a:t>
+            </a:r>
+            <a:r>
+              <a:rPr lang="ru-RU" sz="2000" kern="100" dirty="0">
+                <a:effectLst/>
+                <a:latin typeface="Calibri" panose="020F0502020204030204" pitchFamily="34" charset="0"/>
+                <a:ea typeface="Calibri" panose="020F0502020204030204" pitchFamily="34" charset="0"/>
+                <a:cs typeface="Arial" panose="020B0604020202020204" pitchFamily="34" charset="0"/>
+              </a:rPr>
+              <a:t>, которая произошла между мусульманами и римской армией. Эта битва была частью столкновения с Византийской империей.</a:t>
+            </a:r>
+            <a:endParaRPr lang="en-US" sz="2000" kern="100" dirty="0">
               <a:effectLst/>
               <a:latin typeface="Calibri" panose="020F0502020204030204" pitchFamily="34" charset="0"/>
               <a:ea typeface="Calibri" panose="020F0502020204030204" pitchFamily="34" charset="0"/>
@@ -9622,7 +10134,34 @@
               </a:spcAft>
               <a:buNone/>
             </a:pPr>
-            <a:endParaRPr lang="en-US" sz="1800" kern="100" dirty="0">
+            <a:r>
+              <a:rPr lang="ru-RU" sz="2000" kern="100" dirty="0">
+                <a:effectLst/>
+                <a:latin typeface="Calibri" panose="020F0502020204030204" pitchFamily="34" charset="0"/>
+                <a:ea typeface="Calibri" panose="020F0502020204030204" pitchFamily="34" charset="0"/>
+                <a:cs typeface="Arial" panose="020B0604020202020204" pitchFamily="34" charset="0"/>
+              </a:rPr>
+              <a:t> (</a:t>
+            </a:r>
+            <a:r>
+              <a:rPr lang="en-US" sz="2000" kern="100" dirty="0">
+                <a:effectLst/>
+                <a:latin typeface="Calibri" panose="020F0502020204030204" pitchFamily="34" charset="0"/>
+                <a:ea typeface="Calibri" panose="020F0502020204030204" pitchFamily="34" charset="0"/>
+                <a:cs typeface="Arial" panose="020B0604020202020204" pitchFamily="34" charset="0"/>
+              </a:rPr>
+              <a:t>I’m sure that translation of next sentence not correct</a:t>
+            </a:r>
+            <a:r>
+              <a:rPr lang="ru-RU" sz="2000" kern="100" dirty="0">
+                <a:effectLst/>
+                <a:latin typeface="Calibri" panose="020F0502020204030204" pitchFamily="34" charset="0"/>
+                <a:ea typeface="Calibri" panose="020F0502020204030204" pitchFamily="34" charset="0"/>
+                <a:cs typeface="Arial" panose="020B0604020202020204" pitchFamily="34" charset="0"/>
+              </a:rPr>
+              <a:t>)</a:t>
+            </a:r>
+            <a:endParaRPr lang="en-US" sz="2000" kern="100" dirty="0">
               <a:effectLst/>
               <a:latin typeface="Calibri" panose="020F0502020204030204" pitchFamily="34" charset="0"/>
               <a:ea typeface="Calibri" panose="020F0502020204030204" pitchFamily="34" charset="0"/>
@@ -9630,86 +10169,37 @@
             </a:endParaRPr>
           </a:p>
           <a:p>
-            <a:pPr marL="0" marR="0">
-              <a:lnSpc>
-                <a:spcPct val="107000"/>
-              </a:lnSpc>
-              <a:spcBef>
-                <a:spcPts val="0"/>
-              </a:spcBef>
-              <a:spcAft>
-                <a:spcPts val="800"/>
-              </a:spcAft>
-            </a:pPr>
-            <a:r>
-              <a:rPr lang="ru-RU" sz="1800" kern="100" dirty="0">
-                <a:effectLst/>
-                <a:latin typeface="Calibri" panose="020F0502020204030204" pitchFamily="34" charset="0"/>
-                <a:ea typeface="Calibri" panose="020F0502020204030204" pitchFamily="34" charset="0"/>
-                <a:cs typeface="Arial" panose="020B0604020202020204" pitchFamily="34" charset="0"/>
-              </a:rPr>
-              <a:t>(642 г. н. э.) Битва при </a:t>
-            </a:r>
-            <a:r>
-              <a:rPr lang="ru-RU" sz="1800" kern="100" dirty="0" err="1">
-                <a:effectLst/>
-                <a:latin typeface="Calibri" panose="020F0502020204030204" pitchFamily="34" charset="0"/>
-                <a:ea typeface="Calibri" panose="020F0502020204030204" pitchFamily="34" charset="0"/>
-                <a:cs typeface="Arial" panose="020B0604020202020204" pitchFamily="34" charset="0"/>
-              </a:rPr>
-              <a:t>Нахаванде</a:t>
-            </a:r>
-            <a:r>
-              <a:rPr lang="ru-RU" sz="1800" kern="100" dirty="0">
-                <a:effectLst/>
-                <a:latin typeface="Calibri" panose="020F0502020204030204" pitchFamily="34" charset="0"/>
-                <a:ea typeface="Calibri" panose="020F0502020204030204" pitchFamily="34" charset="0"/>
-                <a:cs typeface="Arial" panose="020B0604020202020204" pitchFamily="34" charset="0"/>
-              </a:rPr>
-              <a:t>. Эта битва произошла между мусульманами и империей Сасанидов в </a:t>
-            </a:r>
-            <a:r>
-              <a:rPr lang="ru-RU" sz="1800" kern="100" dirty="0" err="1">
-                <a:effectLst/>
-                <a:latin typeface="Calibri" panose="020F0502020204030204" pitchFamily="34" charset="0"/>
-                <a:ea typeface="Calibri" panose="020F0502020204030204" pitchFamily="34" charset="0"/>
-                <a:cs typeface="Arial" panose="020B0604020202020204" pitchFamily="34" charset="0"/>
-              </a:rPr>
-              <a:t>Нахаванде</a:t>
-            </a:r>
-            <a:r>
-              <a:rPr lang="ru-RU" sz="1800" kern="100" dirty="0">
-                <a:effectLst/>
-                <a:latin typeface="Calibri" panose="020F0502020204030204" pitchFamily="34" charset="0"/>
-                <a:ea typeface="Calibri" panose="020F0502020204030204" pitchFamily="34" charset="0"/>
-                <a:cs typeface="Arial" panose="020B0604020202020204" pitchFamily="34" charset="0"/>
-              </a:rPr>
-              <a:t> (современный Иран). Мусульмане выиграли эту битву и завоевали Персию.</a:t>
-            </a:r>
-            <a:endParaRPr lang="en-US" sz="1800" kern="100" dirty="0">
-              <a:effectLst/>
-              <a:latin typeface="Calibri" panose="020F0502020204030204" pitchFamily="34" charset="0"/>
-              <a:ea typeface="Calibri" panose="020F0502020204030204" pitchFamily="34" charset="0"/>
-              <a:cs typeface="Arial" panose="020B0604020202020204" pitchFamily="34" charset="0"/>
-            </a:endParaRPr>
-          </a:p>
-          <a:p>
-            <a:pPr marL="0" marR="0">
-              <a:lnSpc>
-                <a:spcPct val="107000"/>
-              </a:lnSpc>
-              <a:spcBef>
-                <a:spcPts val="0"/>
-              </a:spcBef>
-              <a:spcAft>
-                <a:spcPts val="800"/>
-              </a:spcAft>
-            </a:pPr>
-            <a:endParaRPr lang="en-US" sz="1800" kern="100" dirty="0">
-              <a:effectLst/>
-              <a:latin typeface="Calibri" panose="020F0502020204030204" pitchFamily="34" charset="0"/>
-              <a:ea typeface="Calibri" panose="020F0502020204030204" pitchFamily="34" charset="0"/>
-              <a:cs typeface="Arial" panose="020B0604020202020204" pitchFamily="34" charset="0"/>
+            <a:r>
+              <a:rPr lang="ru-RU" sz="2000" dirty="0">
+                <a:effectLst/>
+                <a:latin typeface="Calibri" panose="020F0502020204030204" pitchFamily="34" charset="0"/>
+                <a:ea typeface="Calibri" panose="020F0502020204030204" pitchFamily="34" charset="0"/>
+                <a:cs typeface="Arial" panose="020B0604020202020204" pitchFamily="34" charset="0"/>
+              </a:rPr>
+              <a:t>Это лишь некоторые из многих сражений, в которых Абу Бакр ас-</a:t>
+            </a:r>
+            <a:r>
+              <a:rPr lang="ru-RU" sz="2000" dirty="0" err="1">
+                <a:effectLst/>
+                <a:latin typeface="Calibri" panose="020F0502020204030204" pitchFamily="34" charset="0"/>
+                <a:ea typeface="Calibri" panose="020F0502020204030204" pitchFamily="34" charset="0"/>
+                <a:cs typeface="Arial" panose="020B0604020202020204" pitchFamily="34" charset="0"/>
+              </a:rPr>
+              <a:t>Сиддик</a:t>
+            </a:r>
+            <a:r>
+              <a:rPr lang="ru-RU" sz="2000" dirty="0">
+                <a:effectLst/>
+                <a:latin typeface="Calibri" panose="020F0502020204030204" pitchFamily="34" charset="0"/>
+                <a:ea typeface="Calibri" panose="020F0502020204030204" pitchFamily="34" charset="0"/>
+                <a:cs typeface="Arial" panose="020B0604020202020204" pitchFamily="34" charset="0"/>
+              </a:rPr>
+              <a:t> участвовал в течение своей жизни, и он сыграл важную роль в поддержке Пророка Мухаммеда и содействии успеху исламского призыва.</a:t>
+            </a:r>
+            <a:endParaRPr lang="en-US" sz="2000" dirty="0">
+              <a:solidFill>
+                <a:srgbClr val="FFFFFF"/>
+              </a:solidFill>
             </a:endParaRPr>
           </a:p>
         </p:txBody>
@@ -9717,7 +10207,7 @@
     </p:spTree>
     <p:extLst>
       <p:ext uri="{BB962C8B-B14F-4D97-AF65-F5344CB8AC3E}">
-        <p14:creationId xmlns:p14="http://schemas.microsoft.com/office/powerpoint/2010/main" val="2960975120"/>
+        <p14:creationId xmlns:p14="http://schemas.microsoft.com/office/powerpoint/2010/main" val="2360895720"/>
       </p:ext>
     </p:extLst>
   </p:cSld>
@@ -9728,6 +10218,99 @@
 </file>
 
 <file path=ppt/slides/slide8.xml><?xml version="1.0" encoding="utf-8"?>
+<p:sld xmlns:a="http://schemas.openxmlformats.org/drawingml/2006/main" xmlns:r="http://schemas.openxmlformats.org/officeDocument/2006/relationships" xmlns:p="http://schemas.openxmlformats.org/presentationml/2006/main">
+  <p:cSld>
+    <p:spTree>
+      <p:nvGrpSpPr>
+        <p:cNvPr id="1" name=""/>
+        <p:cNvGrpSpPr/>
+        <p:nvPr/>
+      </p:nvGrpSpPr>
+      <p:grpSpPr>
+        <a:xfrm>
+          <a:off x="0" y="0"/>
+          <a:ext cx="0" cy="0"/>
+          <a:chOff x="0" y="0"/>
+          <a:chExt cx="0" cy="0"/>
+        </a:xfrm>
+      </p:grpSpPr>
+      <p:sp>
+        <p:nvSpPr>
+          <p:cNvPr id="2" name="Заголовок 1">
+            <a:extLst>
+              <a:ext uri="{FF2B5EF4-FFF2-40B4-BE49-F238E27FC236}">
+                <a16:creationId xmlns:a16="http://schemas.microsoft.com/office/drawing/2014/main" id="{296BB2E0-43DF-1EE9-8DFA-B3729F2D7AA9}"/>
+              </a:ext>
+            </a:extLst>
+          </p:cNvPr>
+          <p:cNvSpPr>
+            <a:spLocks noGrp="1"/>
+          </p:cNvSpPr>
+          <p:nvPr>
+            <p:ph type="title"/>
+          </p:nvPr>
+        </p:nvSpPr>
+        <p:spPr/>
+        <p:txBody>
+          <a:bodyPr/>
+          <a:lstStyle/>
+          <a:p>
+            <a:r>
+              <a:rPr lang="en-US" dirty="0"/>
+              <a:t>|</a:t>
+            </a:r>
+          </a:p>
+        </p:txBody>
+      </p:sp>
+      <p:pic>
+        <p:nvPicPr>
+          <p:cNvPr id="5" name="Объект 4" descr="Изображение выглядит как карта, текст, атлас&#10;&#10;Автоматически созданное описание">
+            <a:extLst>
+              <a:ext uri="{FF2B5EF4-FFF2-40B4-BE49-F238E27FC236}">
+                <a16:creationId xmlns:a16="http://schemas.microsoft.com/office/drawing/2014/main" id="{816C8922-6246-15C9-88B2-77DA8A29C165}"/>
+              </a:ext>
+            </a:extLst>
+          </p:cNvPr>
+          <p:cNvPicPr>
+            <a:picLocks noGrp="1" noChangeAspect="1"/>
+          </p:cNvPicPr>
+          <p:nvPr>
+            <p:ph idx="1"/>
+          </p:nvPr>
+        </p:nvPicPr>
+        <p:blipFill>
+          <a:blip r:embed="rId2">
+            <a:extLst>
+              <a:ext uri="{28A0092B-C50C-407E-A947-70E740481C1C}">
+                <a14:useLocalDpi xmlns:a14="http://schemas.microsoft.com/office/drawing/2010/main" val="0"/>
+              </a:ext>
+            </a:extLst>
+          </a:blip>
+          <a:stretch>
+            <a:fillRect/>
+          </a:stretch>
+        </p:blipFill>
+        <p:spPr>
+          <a:xfrm>
+            <a:off x="2087523" y="1528922"/>
+            <a:ext cx="8016953" cy="4963953"/>
+          </a:xfrm>
+        </p:spPr>
+      </p:pic>
+    </p:spTree>
+    <p:extLst>
+      <p:ext uri="{BB962C8B-B14F-4D97-AF65-F5344CB8AC3E}">
+        <p14:creationId xmlns:p14="http://schemas.microsoft.com/office/powerpoint/2010/main" val="3508762172"/>
+      </p:ext>
+    </p:extLst>
+  </p:cSld>
+  <p:clrMapOvr>
+    <a:masterClrMapping/>
+  </p:clrMapOvr>
+</p:sld>
+</file>
+
+<file path=ppt/slides/slide9.xml><?xml version="1.0" encoding="utf-8"?>
 <p:sld xmlns:a="http://schemas.openxmlformats.org/drawingml/2006/main" xmlns:r="http://schemas.openxmlformats.org/officeDocument/2006/relationships" xmlns:p="http://schemas.openxmlformats.org/presentationml/2006/main">
   <p:cSld>
     <p:bg>
@@ -9959,7 +10542,25 @@
                 <a:ea typeface="Calibri" panose="020F0502020204030204" pitchFamily="34" charset="0"/>
                 <a:cs typeface="Arial" panose="020B0604020202020204" pitchFamily="34" charset="0"/>
               </a:rPr>
-              <a:t>Организация ИГИЛ: Во время правления Омара ибн аль-Хаттаба Исламское государство получило большое развитие и организацию, включая разделение территорий, назначение губернаторов и создание административных систем.</a:t>
+              <a:t>Омар бин Аль-Хаттаб: был назначен по прямому завещанию Абу Бакра Аль-</a:t>
+            </a:r>
+            <a:r>
+              <a:rPr lang="ru-RU" sz="1800" kern="100" dirty="0" err="1">
+                <a:effectLst/>
+                <a:latin typeface="Calibri" panose="020F0502020204030204" pitchFamily="34" charset="0"/>
+                <a:ea typeface="Calibri" panose="020F0502020204030204" pitchFamily="34" charset="0"/>
+                <a:cs typeface="Arial" panose="020B0604020202020204" pitchFamily="34" charset="0"/>
+              </a:rPr>
+              <a:t>Сиддика</a:t>
+            </a:r>
+            <a:r>
+              <a:rPr lang="ru-RU" sz="1800" kern="100" dirty="0">
+                <a:effectLst/>
+                <a:latin typeface="Calibri" panose="020F0502020204030204" pitchFamily="34" charset="0"/>
+                <a:ea typeface="Calibri" panose="020F0502020204030204" pitchFamily="34" charset="0"/>
+                <a:cs typeface="Arial" panose="020B0604020202020204" pitchFamily="34" charset="0"/>
+              </a:rPr>
+              <a:t> и продолжал свое правление в течение 10 лет.</a:t>
             </a:r>
             <a:endParaRPr lang="en-US" sz="1800" kern="100" dirty="0">
               <a:effectLst/>
@@ -9980,15 +10581,6 @@
                 <a:spcPts val="800"/>
               </a:spcAft>
             </a:pPr>
-            <a:r>
-              <a:rPr lang="ru-RU" sz="1800" kern="100" dirty="0">
-                <a:effectLst/>
-                <a:latin typeface="Calibri" panose="020F0502020204030204" pitchFamily="34" charset="0"/>
-                <a:ea typeface="Calibri" panose="020F0502020204030204" pitchFamily="34" charset="0"/>
-                <a:cs typeface="Arial" panose="020B0604020202020204" pitchFamily="34" charset="0"/>
-              </a:rPr>
-              <a:t> </a:t>
-            </a:r>
             <a:endParaRPr lang="en-US" sz="1800" kern="100" dirty="0">
               <a:effectLst/>
               <a:latin typeface="Calibri" panose="020F0502020204030204" pitchFamily="34" charset="0"/>
@@ -9996,261 +10588,6 @@
               <a:cs typeface="Arial" panose="020B0604020202020204" pitchFamily="34" charset="0"/>
             </a:endParaRPr>
           </a:p>
-          <a:p>
-            <a:r>
-              <a:rPr lang="ru-RU" sz="1800" dirty="0">
-                <a:effectLst/>
-                <a:latin typeface="Calibri" panose="020F0502020204030204" pitchFamily="34" charset="0"/>
-                <a:ea typeface="Calibri" panose="020F0502020204030204" pitchFamily="34" charset="0"/>
-                <a:cs typeface="Arial" panose="020B0604020202020204" pitchFamily="34" charset="0"/>
-              </a:rPr>
-              <a:t>Издание исламских законов: Омар бин Аль-Хаттаб издал множество исламских постановлений и законов, отражающих применение исламских законов в различных аспектах жизни.</a:t>
-            </a:r>
-            <a:endParaRPr lang="en-US" sz="1800" kern="100" dirty="0">
-              <a:effectLst/>
-              <a:latin typeface="Calibri" panose="020F0502020204030204" pitchFamily="34" charset="0"/>
-              <a:ea typeface="Calibri" panose="020F0502020204030204" pitchFamily="34" charset="0"/>
-              <a:cs typeface="Arial" panose="020B0604020202020204" pitchFamily="34" charset="0"/>
-            </a:endParaRPr>
-          </a:p>
-        </p:txBody>
-      </p:sp>
-    </p:spTree>
-    <p:extLst>
-      <p:ext uri="{BB962C8B-B14F-4D97-AF65-F5344CB8AC3E}">
-        <p14:creationId xmlns:p14="http://schemas.microsoft.com/office/powerpoint/2010/main" val="1552944486"/>
-      </p:ext>
-    </p:extLst>
-  </p:cSld>
-  <p:clrMapOvr>
-    <a:overrideClrMapping bg1="dk1" tx1="lt1" bg2="dk2" tx2="lt2" accent1="accent1" accent2="accent2" accent3="accent3" accent4="accent4" accent5="accent5" accent6="accent6" hlink="hlink" folHlink="folHlink"/>
-  </p:clrMapOvr>
-</p:sld>
-</file>
-
-<file path=ppt/slides/slide9.xml><?xml version="1.0" encoding="utf-8"?>
-<p:sld xmlns:a="http://schemas.openxmlformats.org/drawingml/2006/main" xmlns:r="http://schemas.openxmlformats.org/officeDocument/2006/relationships" xmlns:p="http://schemas.openxmlformats.org/presentationml/2006/main">
-  <p:cSld>
-    <p:bg>
-      <p:bgPr>
-        <a:solidFill>
-          <a:schemeClr val="bg1"/>
-        </a:solidFill>
-        <a:effectLst/>
-      </p:bgPr>
-    </p:bg>
-    <p:spTree>
-      <p:nvGrpSpPr>
-        <p:cNvPr id="1" name=""/>
-        <p:cNvGrpSpPr/>
-        <p:nvPr/>
-      </p:nvGrpSpPr>
-      <p:grpSpPr>
-        <a:xfrm>
-          <a:off x="0" y="0"/>
-          <a:ext cx="0" cy="0"/>
-          <a:chOff x="0" y="0"/>
-          <a:chExt cx="0" cy="0"/>
-        </a:xfrm>
-      </p:grpSpPr>
-      <p:sp>
-        <p:nvSpPr>
-          <p:cNvPr id="16" name="Rectangle 15">
-            <a:extLst>
-              <a:ext uri="{FF2B5EF4-FFF2-40B4-BE49-F238E27FC236}">
-                <a16:creationId xmlns:a16="http://schemas.microsoft.com/office/drawing/2014/main" id="{9228552E-C8B1-4A80-8448-0787CE0FC704}"/>
-              </a:ext>
-              <a:ext uri="{C183D7F6-B498-43B3-948B-1728B52AA6E4}">
-                <adec:decorative xmlns:adec="http://schemas.microsoft.com/office/drawing/2017/decorative" val="1"/>
-              </a:ext>
-            </a:extLst>
-          </p:cNvPr>
-          <p:cNvSpPr>
-            <a:spLocks noGrp="1" noRot="1" noChangeAspect="1" noMove="1" noResize="1" noEditPoints="1" noAdjustHandles="1" noChangeArrowheads="1" noChangeShapeType="1" noTextEdit="1"/>
-          </p:cNvSpPr>
-          <p:nvPr>
-            <p:extLst>
-              <p:ext uri="{386F3935-93C4-4BCD-93E2-E3B085C9AB24}">
-                <p16:designElem xmlns:p16="http://schemas.microsoft.com/office/powerpoint/2015/main" val="1"/>
-              </p:ext>
-            </p:extLst>
-          </p:nvPr>
-        </p:nvSpPr>
-        <p:spPr>
-          <a:xfrm>
-            <a:off x="0" y="0"/>
-            <a:ext cx="12192000" cy="6858000"/>
-          </a:xfrm>
-          <a:prstGeom prst="rect">
-            <a:avLst/>
-          </a:prstGeom>
-          <a:solidFill>
-            <a:srgbClr val="000000"/>
-          </a:solidFill>
-          <a:ln>
-            <a:noFill/>
-          </a:ln>
-        </p:spPr>
-        <p:style>
-          <a:lnRef idx="2">
-            <a:schemeClr val="accent1">
-              <a:shade val="50000"/>
-            </a:schemeClr>
-          </a:lnRef>
-          <a:fillRef idx="1">
-            <a:schemeClr val="accent1"/>
-          </a:fillRef>
-          <a:effectRef idx="0">
-            <a:schemeClr val="accent1"/>
-          </a:effectRef>
-          <a:fontRef idx="minor">
-            <a:schemeClr val="lt1"/>
-          </a:fontRef>
-        </p:style>
-        <p:txBody>
-          <a:bodyPr rtlCol="0" anchor="ctr"/>
-          <a:lstStyle/>
-          <a:p>
-            <a:pPr algn="ctr"/>
-            <a:endParaRPr lang="en-US"/>
-          </a:p>
-        </p:txBody>
-      </p:sp>
-      <p:pic>
-        <p:nvPicPr>
-          <p:cNvPr id="5" name="Picture 4" descr="A flag with a red white and black triangle&#10;&#10;Description automatically generated">
-            <a:extLst>
-              <a:ext uri="{FF2B5EF4-FFF2-40B4-BE49-F238E27FC236}">
-                <a16:creationId xmlns:a16="http://schemas.microsoft.com/office/drawing/2014/main" id="{57A4C738-D5C6-4CAF-EC82-6ACEAB6AF852}"/>
-              </a:ext>
-            </a:extLst>
-          </p:cNvPr>
-          <p:cNvPicPr>
-            <a:picLocks noChangeAspect="1"/>
-          </p:cNvPicPr>
-          <p:nvPr/>
-        </p:nvPicPr>
-        <p:blipFill rotWithShape="1">
-          <a:blip r:embed="rId2">
-            <a:alphaModFix amt="35000"/>
-            <a:extLst>
-              <a:ext uri="{28A0092B-C50C-407E-A947-70E740481C1C}">
-                <a14:useLocalDpi xmlns:a14="http://schemas.microsoft.com/office/drawing/2010/main" val="0"/>
-              </a:ext>
-            </a:extLst>
-          </a:blip>
-          <a:srcRect l="1063" r="10048"/>
-          <a:stretch/>
-        </p:blipFill>
-        <p:spPr>
-          <a:xfrm>
-            <a:off x="20" y="10"/>
-            <a:ext cx="12191980" cy="6857990"/>
-          </a:xfrm>
-          <a:prstGeom prst="rect">
-            <a:avLst/>
-          </a:prstGeom>
-        </p:spPr>
-      </p:pic>
-      <p:sp>
-        <p:nvSpPr>
-          <p:cNvPr id="2" name="Title 1">
-            <a:extLst>
-              <a:ext uri="{FF2B5EF4-FFF2-40B4-BE49-F238E27FC236}">
-                <a16:creationId xmlns:a16="http://schemas.microsoft.com/office/drawing/2014/main" id="{487D4709-4AE5-13EB-EFFF-8823E28178D3}"/>
-              </a:ext>
-            </a:extLst>
-          </p:cNvPr>
-          <p:cNvSpPr>
-            <a:spLocks noGrp="1"/>
-          </p:cNvSpPr>
-          <p:nvPr>
-            <p:ph type="title"/>
-          </p:nvPr>
-        </p:nvSpPr>
-        <p:spPr>
-          <a:xfrm>
-            <a:off x="838200" y="365125"/>
-            <a:ext cx="10515600" cy="1325563"/>
-          </a:xfrm>
-        </p:spPr>
-        <p:txBody>
-          <a:bodyPr>
-            <a:normAutofit/>
-          </a:bodyPr>
-          <a:lstStyle/>
-          <a:p>
-            <a:r>
-              <a:rPr lang="ru-RU" dirty="0">
-                <a:effectLst/>
-                <a:latin typeface="Calibri" panose="020F0502020204030204" pitchFamily="34" charset="0"/>
-                <a:ea typeface="Calibri" panose="020F0502020204030204" pitchFamily="34" charset="0"/>
-                <a:cs typeface="Arial" panose="020B0604020202020204" pitchFamily="34" charset="0"/>
-              </a:rPr>
-              <a:t>Третий халиф</a:t>
-            </a:r>
-            <a:r>
-              <a:rPr lang="en-US" dirty="0">
-                <a:effectLst/>
-                <a:latin typeface="Calibri" panose="020F0502020204030204" pitchFamily="34" charset="0"/>
-                <a:ea typeface="Calibri" panose="020F0502020204030204" pitchFamily="34" charset="0"/>
-                <a:cs typeface="Arial" panose="020B0604020202020204" pitchFamily="34" charset="0"/>
-              </a:rPr>
-              <a:t>, </a:t>
-            </a:r>
-            <a:r>
-              <a:rPr lang="ru-RU" dirty="0">
-                <a:effectLst/>
-                <a:latin typeface="Calibri" panose="020F0502020204030204" pitchFamily="34" charset="0"/>
-                <a:ea typeface="Calibri" panose="020F0502020204030204" pitchFamily="34" charset="0"/>
-                <a:cs typeface="Arial" panose="020B0604020202020204" pitchFamily="34" charset="0"/>
-              </a:rPr>
-              <a:t>Осман бин </a:t>
-            </a:r>
-            <a:r>
-              <a:rPr lang="ru-RU" dirty="0" err="1">
-                <a:effectLst/>
-                <a:latin typeface="Calibri" panose="020F0502020204030204" pitchFamily="34" charset="0"/>
-                <a:ea typeface="Calibri" panose="020F0502020204030204" pitchFamily="34" charset="0"/>
-                <a:cs typeface="Arial" panose="020B0604020202020204" pitchFamily="34" charset="0"/>
-              </a:rPr>
-              <a:t>Аффан</a:t>
-            </a:r>
-            <a:endParaRPr lang="en-US" dirty="0">
-              <a:solidFill>
-                <a:srgbClr val="FFFFFF"/>
-              </a:solidFill>
-            </a:endParaRPr>
-          </a:p>
-        </p:txBody>
-      </p:sp>
-      <p:sp>
-        <p:nvSpPr>
-          <p:cNvPr id="3" name="Content Placeholder 2">
-            <a:extLst>
-              <a:ext uri="{FF2B5EF4-FFF2-40B4-BE49-F238E27FC236}">
-                <a16:creationId xmlns:a16="http://schemas.microsoft.com/office/drawing/2014/main" id="{FF685C3B-A764-AC2D-D337-10CFF016CD56}"/>
-              </a:ext>
-            </a:extLst>
-          </p:cNvPr>
-          <p:cNvSpPr>
-            <a:spLocks noGrp="1"/>
-          </p:cNvSpPr>
-          <p:nvPr>
-            <p:ph idx="1"/>
-          </p:nvPr>
-        </p:nvSpPr>
-        <p:spPr>
-          <a:xfrm>
-            <a:off x="838200" y="1825624"/>
-            <a:ext cx="10515600" cy="4801317"/>
-          </a:xfrm>
-        </p:spPr>
-        <p:txBody>
-          <a:bodyPr>
-            <a:normAutofit/>
-          </a:bodyPr>
-          <a:lstStyle/>
           <a:p>
             <a:pPr marL="0" marR="0">
               <a:lnSpc>
@@ -10270,25 +10607,38 @@
                 <a:ea typeface="Calibri" panose="020F0502020204030204" pitchFamily="34" charset="0"/>
                 <a:cs typeface="Arial" panose="020B0604020202020204" pitchFamily="34" charset="0"/>
               </a:rPr>
-              <a:t>Омар</a:t>
-            </a:r>
-            <a:r>
-              <a:rPr lang="en-US" sz="1800" kern="100" dirty="0">
-                <a:effectLst/>
-                <a:latin typeface="Calibri" panose="020F0502020204030204" pitchFamily="34" charset="0"/>
-                <a:ea typeface="Calibri" panose="020F0502020204030204" pitchFamily="34" charset="0"/>
-                <a:cs typeface="Arial" panose="020B0604020202020204" pitchFamily="34" charset="0"/>
-              </a:rPr>
-              <a:t>, </a:t>
-            </a:r>
-            <a:r>
+              <a:t>(636 г.) Битва при Ярмуке. Эта битва произошла между мусульманами и Византийской империей в регионе Ярмук. Мусульмане выиграли эту битву, которая привела к завоеванию Леванта и его присоединению к Исламскому государству.</a:t>
+            </a:r>
+          </a:p>
+          <a:p>
+            <a:pPr marL="0" marR="0" indent="0">
+              <a:lnSpc>
+                <a:spcPct val="107000"/>
+              </a:lnSpc>
+              <a:spcBef>
+                <a:spcPts val="0"/>
+              </a:spcBef>
+              <a:spcAft>
+                <a:spcPts val="800"/>
+              </a:spcAft>
+              <a:buNone/>
+            </a:pPr>
+            <a:br>
               <a:rPr lang="ru-RU" sz="1800" kern="100" dirty="0">
                 <a:effectLst/>
                 <a:latin typeface="Calibri" panose="020F0502020204030204" pitchFamily="34" charset="0"/>
                 <a:ea typeface="Calibri" panose="020F0502020204030204" pitchFamily="34" charset="0"/>
                 <a:cs typeface="Arial" panose="020B0604020202020204" pitchFamily="34" charset="0"/>
               </a:rPr>
-              <a:t>получив ножевое ранение от Абу </a:t>
+            </a:br>
+            <a:r>
+              <a:rPr lang="ru-RU" sz="1800" kern="100" dirty="0">
+                <a:effectLst/>
+                <a:latin typeface="Calibri" panose="020F0502020204030204" pitchFamily="34" charset="0"/>
+                <a:ea typeface="Calibri" panose="020F0502020204030204" pitchFamily="34" charset="0"/>
+                <a:cs typeface="Arial" panose="020B0604020202020204" pitchFamily="34" charset="0"/>
+              </a:rPr>
+              <a:t>(640 г.) Завоевание Египта. Во время правления Омара ибн аль-Хаттаба Египет был завоеван под руководством Амра ибн аль-</a:t>
             </a:r>
             <a:r>
               <a:rPr lang="ru-RU" sz="1800" kern="100" dirty="0" err="1">
@@ -10297,7 +10647,7 @@
                 <a:ea typeface="Calibri" panose="020F0502020204030204" pitchFamily="34" charset="0"/>
                 <a:cs typeface="Arial" panose="020B0604020202020204" pitchFamily="34" charset="0"/>
               </a:rPr>
-              <a:t>Лулуа</a:t>
+              <a:t>Ааса</a:t>
             </a:r>
             <a:r>
               <a:rPr lang="ru-RU" sz="1800" kern="100" dirty="0">
@@ -10306,133 +10656,7 @@
                 <a:ea typeface="Calibri" panose="020F0502020204030204" pitchFamily="34" charset="0"/>
                 <a:cs typeface="Arial" panose="020B0604020202020204" pitchFamily="34" charset="0"/>
               </a:rPr>
-              <a:t> и почувствовав приближение своей смерти</a:t>
-            </a:r>
-            <a:r>
-              <a:rPr lang="en-US" sz="1800" kern="100" dirty="0">
-                <a:effectLst/>
-                <a:latin typeface="Calibri" panose="020F0502020204030204" pitchFamily="34" charset="0"/>
-                <a:ea typeface="Calibri" panose="020F0502020204030204" pitchFamily="34" charset="0"/>
-                <a:cs typeface="Arial" panose="020B0604020202020204" pitchFamily="34" charset="0"/>
-              </a:rPr>
-              <a:t>, </a:t>
-            </a:r>
-            <a:r>
-              <a:rPr lang="ru-RU" sz="1800" kern="100" dirty="0">
-                <a:effectLst/>
-                <a:latin typeface="Calibri" panose="020F0502020204030204" pitchFamily="34" charset="0"/>
-                <a:ea typeface="Calibri" panose="020F0502020204030204" pitchFamily="34" charset="0"/>
-                <a:cs typeface="Arial" panose="020B0604020202020204" pitchFamily="34" charset="0"/>
-              </a:rPr>
-              <a:t>сформировал совет из шести человек</a:t>
-            </a:r>
-            <a:r>
-              <a:rPr lang="en-US" sz="1800" kern="100" dirty="0">
-                <a:effectLst/>
-                <a:latin typeface="Calibri" panose="020F0502020204030204" pitchFamily="34" charset="0"/>
-                <a:ea typeface="Calibri" panose="020F0502020204030204" pitchFamily="34" charset="0"/>
-                <a:cs typeface="Arial" panose="020B0604020202020204" pitchFamily="34" charset="0"/>
-              </a:rPr>
-              <a:t>, </a:t>
-            </a:r>
-            <a:r>
-              <a:rPr lang="ru-RU" sz="1800" kern="100" dirty="0">
-                <a:effectLst/>
-                <a:latin typeface="Calibri" panose="020F0502020204030204" pitchFamily="34" charset="0"/>
-                <a:ea typeface="Calibri" panose="020F0502020204030204" pitchFamily="34" charset="0"/>
-                <a:cs typeface="Arial" panose="020B0604020202020204" pitchFamily="34" charset="0"/>
-              </a:rPr>
-              <a:t>одобренных Посланником Бога в исламе</a:t>
-            </a:r>
-            <a:r>
-              <a:rPr lang="en-US" sz="1800" kern="100" dirty="0">
-                <a:effectLst/>
-                <a:latin typeface="Calibri" panose="020F0502020204030204" pitchFamily="34" charset="0"/>
-                <a:ea typeface="Calibri" panose="020F0502020204030204" pitchFamily="34" charset="0"/>
-                <a:cs typeface="Arial" panose="020B0604020202020204" pitchFamily="34" charset="0"/>
-              </a:rPr>
-              <a:t>. </a:t>
-            </a:r>
-            <a:r>
-              <a:rPr lang="ru-RU" sz="1800" kern="100" dirty="0">
-                <a:effectLst/>
-                <a:latin typeface="Calibri" panose="020F0502020204030204" pitchFamily="34" charset="0"/>
-                <a:ea typeface="Calibri" panose="020F0502020204030204" pitchFamily="34" charset="0"/>
-                <a:cs typeface="Arial" panose="020B0604020202020204" pitchFamily="34" charset="0"/>
-              </a:rPr>
-              <a:t>Отбор из них будет производить Шура. Первое, что можно было назвать выборами, состоялось внутри зарождающегося исламского общества, чтобы сделать выбор между Усманом ибн </a:t>
-            </a:r>
-            <a:r>
-              <a:rPr lang="ru-RU" sz="1800" kern="100" dirty="0" err="1">
-                <a:effectLst/>
-                <a:latin typeface="Calibri" panose="020F0502020204030204" pitchFamily="34" charset="0"/>
-                <a:ea typeface="Calibri" panose="020F0502020204030204" pitchFamily="34" charset="0"/>
-                <a:cs typeface="Arial" panose="020B0604020202020204" pitchFamily="34" charset="0"/>
-              </a:rPr>
-              <a:t>Аффаном</a:t>
-            </a:r>
-            <a:r>
-              <a:rPr lang="ru-RU" sz="1800" kern="100" dirty="0">
-                <a:effectLst/>
-                <a:latin typeface="Calibri" panose="020F0502020204030204" pitchFamily="34" charset="0"/>
-                <a:ea typeface="Calibri" panose="020F0502020204030204" pitchFamily="34" charset="0"/>
-                <a:cs typeface="Arial" panose="020B0604020202020204" pitchFamily="34" charset="0"/>
-              </a:rPr>
-              <a:t> и Али ибн </a:t>
-            </a:r>
-            <a:r>
-              <a:rPr lang="ru-RU" sz="1800" kern="100" dirty="0" err="1">
-                <a:effectLst/>
-                <a:latin typeface="Calibri" panose="020F0502020204030204" pitchFamily="34" charset="0"/>
-                <a:ea typeface="Calibri" panose="020F0502020204030204" pitchFamily="34" charset="0"/>
-                <a:cs typeface="Arial" panose="020B0604020202020204" pitchFamily="34" charset="0"/>
-              </a:rPr>
-              <a:t>Аби</a:t>
-            </a:r>
-            <a:r>
-              <a:rPr lang="ru-RU" sz="1800" kern="100" dirty="0">
-                <a:effectLst/>
-                <a:latin typeface="Calibri" panose="020F0502020204030204" pitchFamily="34" charset="0"/>
-                <a:ea typeface="Calibri" panose="020F0502020204030204" pitchFamily="34" charset="0"/>
-                <a:cs typeface="Arial" panose="020B0604020202020204" pitchFamily="34" charset="0"/>
-              </a:rPr>
-              <a:t> Талибом, и результаты, как говорят источники, привели к процессу референдума, проведенному </a:t>
-            </a:r>
-            <a:r>
-              <a:rPr lang="ru-RU" sz="1800" kern="100" dirty="0" err="1">
-                <a:effectLst/>
-                <a:latin typeface="Calibri" panose="020F0502020204030204" pitchFamily="34" charset="0"/>
-                <a:ea typeface="Calibri" panose="020F0502020204030204" pitchFamily="34" charset="0"/>
-                <a:cs typeface="Arial" panose="020B0604020202020204" pitchFamily="34" charset="0"/>
-              </a:rPr>
-              <a:t>Абд</a:t>
-            </a:r>
-            <a:r>
-              <a:rPr lang="ru-RU" sz="1800" kern="100" dirty="0">
-                <a:effectLst/>
-                <a:latin typeface="Calibri" panose="020F0502020204030204" pitchFamily="34" charset="0"/>
-                <a:ea typeface="Calibri" panose="020F0502020204030204" pitchFamily="34" charset="0"/>
-                <a:cs typeface="Arial" panose="020B0604020202020204" pitchFamily="34" charset="0"/>
-              </a:rPr>
-              <a:t> ар-Рахманом ибн Ауфом. 12 в назначении Усмана ибн </a:t>
-            </a:r>
-            <a:r>
-              <a:rPr lang="ru-RU" sz="1800" kern="100" dirty="0" err="1">
-                <a:effectLst/>
-                <a:latin typeface="Calibri" panose="020F0502020204030204" pitchFamily="34" charset="0"/>
-                <a:ea typeface="Calibri" panose="020F0502020204030204" pitchFamily="34" charset="0"/>
-                <a:cs typeface="Arial" panose="020B0604020202020204" pitchFamily="34" charset="0"/>
-              </a:rPr>
-              <a:t>Аффана</a:t>
-            </a:r>
-            <a:r>
-              <a:rPr lang="ru-RU" sz="1800" kern="100" dirty="0">
-                <a:effectLst/>
-                <a:latin typeface="Calibri" panose="020F0502020204030204" pitchFamily="34" charset="0"/>
-                <a:ea typeface="Calibri" panose="020F0502020204030204" pitchFamily="34" charset="0"/>
-                <a:cs typeface="Arial" panose="020B0604020202020204" pitchFamily="34" charset="0"/>
-              </a:rPr>
-              <a:t> халифом мусульман, и он продолжал править в течение 12 лет.</a:t>
+              <a:t>. Это завоевание способствовало распространению ислама в Египте и Северной Африке.</a:t>
             </a:r>
             <a:endParaRPr lang="en-US" sz="1800" kern="100" dirty="0">
               <a:effectLst/>
@@ -10442,7 +10666,27 @@
             </a:endParaRPr>
           </a:p>
           <a:p>
-            <a:pPr marL="0">
+            <a:pPr marL="0" marR="0" indent="0">
+              <a:lnSpc>
+                <a:spcPct val="107000"/>
+              </a:lnSpc>
+              <a:spcBef>
+                <a:spcPts val="0"/>
+              </a:spcBef>
+              <a:spcAft>
+                <a:spcPts val="800"/>
+              </a:spcAft>
+              <a:buNone/>
+            </a:pPr>
+            <a:endParaRPr lang="en-US" sz="1800" kern="100" dirty="0">
+              <a:effectLst/>
+              <a:latin typeface="Calibri" panose="020F0502020204030204" pitchFamily="34" charset="0"/>
+              <a:ea typeface="Calibri" panose="020F0502020204030204" pitchFamily="34" charset="0"/>
+              <a:cs typeface="Arial" panose="020B0604020202020204" pitchFamily="34" charset="0"/>
+            </a:endParaRPr>
+          </a:p>
+          <a:p>
+            <a:pPr marL="0" marR="0">
               <a:lnSpc>
                 <a:spcPct val="107000"/>
               </a:lnSpc>
@@ -10460,16 +10704,16 @@
                 <a:ea typeface="Calibri" panose="020F0502020204030204" pitchFamily="34" charset="0"/>
                 <a:cs typeface="Arial" panose="020B0604020202020204" pitchFamily="34" charset="0"/>
               </a:rPr>
-              <a:t>С 644 г. до своей мученической кончины в 656 г</a:t>
-            </a:r>
-            <a:r>
-              <a:rPr lang="ar-SA" sz="1800" kern="100" dirty="0">
-                <a:effectLst/>
-                <a:latin typeface="Calibri" panose="020F0502020204030204" pitchFamily="34" charset="0"/>
-                <a:ea typeface="Calibri" panose="020F0502020204030204" pitchFamily="34" charset="0"/>
-                <a:cs typeface="Arial" panose="020B0604020202020204" pitchFamily="34" charset="0"/>
-              </a:rPr>
-              <a:t>. </a:t>
+              <a:t>(642 г. н. э.) Битва при </a:t>
+            </a:r>
+            <a:r>
+              <a:rPr lang="ru-RU" sz="1800" kern="100" dirty="0" err="1">
+                <a:effectLst/>
+                <a:latin typeface="Calibri" panose="020F0502020204030204" pitchFamily="34" charset="0"/>
+                <a:ea typeface="Calibri" panose="020F0502020204030204" pitchFamily="34" charset="0"/>
+                <a:cs typeface="Arial" panose="020B0604020202020204" pitchFamily="34" charset="0"/>
+              </a:rPr>
+              <a:t>Нахаванде</a:t>
             </a:r>
             <a:r>
               <a:rPr lang="ru-RU" sz="1800" kern="100" dirty="0">
@@ -10478,167 +10722,25 @@
                 <a:ea typeface="Calibri" panose="020F0502020204030204" pitchFamily="34" charset="0"/>
                 <a:cs typeface="Arial" panose="020B0604020202020204" pitchFamily="34" charset="0"/>
               </a:rPr>
-              <a:t>За время его правления Исламское Государство стало свидетелем многих важных событий и сражений, в том числе:</a:t>
-            </a:r>
-            <a:br>
+              <a:t>. Эта битва произошла между мусульманами и империей Сасанидов в </a:t>
+            </a:r>
+            <a:r>
+              <a:rPr lang="ru-RU" sz="1800" kern="100" dirty="0" err="1">
+                <a:effectLst/>
+                <a:latin typeface="Calibri" panose="020F0502020204030204" pitchFamily="34" charset="0"/>
+                <a:ea typeface="Calibri" panose="020F0502020204030204" pitchFamily="34" charset="0"/>
+                <a:cs typeface="Arial" panose="020B0604020202020204" pitchFamily="34" charset="0"/>
+              </a:rPr>
+              <a:t>Нахаванде</a:t>
+            </a:r>
+            <a:r>
               <a:rPr lang="ru-RU" sz="1800" kern="100" dirty="0">
                 <a:effectLst/>
                 <a:latin typeface="Calibri" panose="020F0502020204030204" pitchFamily="34" charset="0"/>
                 <a:ea typeface="Calibri" panose="020F0502020204030204" pitchFamily="34" charset="0"/>
                 <a:cs typeface="Arial" panose="020B0604020202020204" pitchFamily="34" charset="0"/>
               </a:rPr>
-            </a:br>
-            <a:r>
-              <a:rPr lang="ru-RU" sz="1800" kern="100" dirty="0">
-                <a:effectLst/>
-                <a:latin typeface="Calibri" panose="020F0502020204030204" pitchFamily="34" charset="0"/>
-                <a:ea typeface="Calibri" panose="020F0502020204030204" pitchFamily="34" charset="0"/>
-                <a:cs typeface="Arial" panose="020B0604020202020204" pitchFamily="34" charset="0"/>
-              </a:rPr>
-              <a:t> </a:t>
-            </a:r>
-            <a:br>
-              <a:rPr lang="ru-RU" sz="1800" kern="100" dirty="0">
-                <a:effectLst/>
-                <a:latin typeface="Calibri" panose="020F0502020204030204" pitchFamily="34" charset="0"/>
-                <a:ea typeface="Calibri" panose="020F0502020204030204" pitchFamily="34" charset="0"/>
-                <a:cs typeface="Arial" panose="020B0604020202020204" pitchFamily="34" charset="0"/>
-              </a:rPr>
-            </a:br>
-            <a:r>
-              <a:rPr lang="en-US" sz="1800" kern="100" dirty="0" err="1">
-                <a:effectLst/>
-                <a:latin typeface="Calibri" panose="020F0502020204030204" pitchFamily="34" charset="0"/>
-                <a:ea typeface="Calibri" panose="020F0502020204030204" pitchFamily="34" charset="0"/>
-                <a:cs typeface="Arial" panose="020B0604020202020204" pitchFamily="34" charset="0"/>
-              </a:rPr>
-              <a:t>Битва</a:t>
-            </a:r>
-            <a:r>
-              <a:rPr lang="en-US" sz="1800" kern="100" dirty="0">
-                <a:effectLst/>
-                <a:latin typeface="Calibri" panose="020F0502020204030204" pitchFamily="34" charset="0"/>
-                <a:ea typeface="Calibri" panose="020F0502020204030204" pitchFamily="34" charset="0"/>
-                <a:cs typeface="Arial" panose="020B0604020202020204" pitchFamily="34" charset="0"/>
-              </a:rPr>
-              <a:t> при </a:t>
-            </a:r>
-            <a:r>
-              <a:rPr lang="en-US" sz="1800" kern="100" dirty="0" err="1">
-                <a:effectLst/>
-                <a:latin typeface="Calibri" panose="020F0502020204030204" pitchFamily="34" charset="0"/>
-                <a:ea typeface="Calibri" panose="020F0502020204030204" pitchFamily="34" charset="0"/>
-                <a:cs typeface="Arial" panose="020B0604020202020204" pitchFamily="34" charset="0"/>
-              </a:rPr>
-              <a:t>Аль-Куме</a:t>
-            </a:r>
-            <a:r>
-              <a:rPr lang="en-US" sz="1800" kern="100" dirty="0">
-                <a:effectLst/>
-                <a:latin typeface="Calibri" panose="020F0502020204030204" pitchFamily="34" charset="0"/>
-                <a:ea typeface="Calibri" panose="020F0502020204030204" pitchFamily="34" charset="0"/>
-                <a:cs typeface="Arial" panose="020B0604020202020204" pitchFamily="34" charset="0"/>
-              </a:rPr>
-              <a:t> (656 г. н. э.). </a:t>
-            </a:r>
-            <a:r>
-              <a:rPr lang="ru-RU" sz="1800" kern="100" dirty="0">
-                <a:effectLst/>
-                <a:latin typeface="Calibri" panose="020F0502020204030204" pitchFamily="34" charset="0"/>
-                <a:ea typeface="Calibri" panose="020F0502020204030204" pitchFamily="34" charset="0"/>
-                <a:cs typeface="Arial" panose="020B0604020202020204" pitchFamily="34" charset="0"/>
-              </a:rPr>
-              <a:t>Эта битва произошла между Армией ислама во главе с Али бин </a:t>
-            </a:r>
-            <a:r>
-              <a:rPr lang="ru-RU" sz="1800" kern="100" dirty="0" err="1">
-                <a:effectLst/>
-                <a:latin typeface="Calibri" panose="020F0502020204030204" pitchFamily="34" charset="0"/>
-                <a:ea typeface="Calibri" panose="020F0502020204030204" pitchFamily="34" charset="0"/>
-                <a:cs typeface="Arial" panose="020B0604020202020204" pitchFamily="34" charset="0"/>
-              </a:rPr>
-              <a:t>Аби</a:t>
-            </a:r>
-            <a:r>
-              <a:rPr lang="ru-RU" sz="1800" kern="100" dirty="0">
-                <a:effectLst/>
-                <a:latin typeface="Calibri" panose="020F0502020204030204" pitchFamily="34" charset="0"/>
-                <a:ea typeface="Calibri" panose="020F0502020204030204" pitchFamily="34" charset="0"/>
-                <a:cs typeface="Arial" panose="020B0604020202020204" pitchFamily="34" charset="0"/>
-              </a:rPr>
-              <a:t> Талибом и </a:t>
-            </a:r>
-            <a:r>
-              <a:rPr lang="ru-RU" sz="1800" kern="100" dirty="0" err="1">
-                <a:effectLst/>
-                <a:latin typeface="Calibri" panose="020F0502020204030204" pitchFamily="34" charset="0"/>
-                <a:ea typeface="Calibri" panose="020F0502020204030204" pitchFamily="34" charset="0"/>
-                <a:cs typeface="Arial" panose="020B0604020202020204" pitchFamily="34" charset="0"/>
-              </a:rPr>
-              <a:t>хариджитами</a:t>
-            </a:r>
-            <a:r>
-              <a:rPr lang="ru-RU" sz="1800" kern="100" dirty="0">
-                <a:effectLst/>
-                <a:latin typeface="Calibri" panose="020F0502020204030204" pitchFamily="34" charset="0"/>
-                <a:ea typeface="Calibri" panose="020F0502020204030204" pitchFamily="34" charset="0"/>
-                <a:cs typeface="Arial" panose="020B0604020202020204" pitchFamily="34" charset="0"/>
-              </a:rPr>
-              <a:t>. </a:t>
-            </a:r>
-            <a:r>
-              <a:rPr lang="ru-RU" sz="1800" kern="100" dirty="0" err="1">
-                <a:effectLst/>
-                <a:latin typeface="Calibri" panose="020F0502020204030204" pitchFamily="34" charset="0"/>
-                <a:ea typeface="Calibri" panose="020F0502020204030204" pitchFamily="34" charset="0"/>
-                <a:cs typeface="Arial" panose="020B0604020202020204" pitchFamily="34" charset="0"/>
-              </a:rPr>
-              <a:t>Хариджиты</a:t>
-            </a:r>
-            <a:r>
-              <a:rPr lang="ru-RU" sz="1800" kern="100" dirty="0">
-                <a:effectLst/>
-                <a:latin typeface="Calibri" panose="020F0502020204030204" pitchFamily="34" charset="0"/>
-                <a:ea typeface="Calibri" panose="020F0502020204030204" pitchFamily="34" charset="0"/>
-                <a:cs typeface="Arial" panose="020B0604020202020204" pitchFamily="34" charset="0"/>
-              </a:rPr>
-              <a:t> были повстанческой группой, выступавшей против правления Усмана ибн </a:t>
-            </a:r>
-            <a:r>
-              <a:rPr lang="ru-RU" sz="1800" kern="100" dirty="0" err="1">
-                <a:effectLst/>
-                <a:latin typeface="Calibri" panose="020F0502020204030204" pitchFamily="34" charset="0"/>
-                <a:ea typeface="Calibri" panose="020F0502020204030204" pitchFamily="34" charset="0"/>
-                <a:cs typeface="Arial" panose="020B0604020202020204" pitchFamily="34" charset="0"/>
-              </a:rPr>
-              <a:t>Аффана</a:t>
-            </a:r>
-            <a:r>
-              <a:rPr lang="ru-RU" sz="1800" kern="100" dirty="0">
-                <a:effectLst/>
-                <a:latin typeface="Calibri" panose="020F0502020204030204" pitchFamily="34" charset="0"/>
-                <a:ea typeface="Calibri" panose="020F0502020204030204" pitchFamily="34" charset="0"/>
-                <a:cs typeface="Arial" panose="020B0604020202020204" pitchFamily="34" charset="0"/>
-              </a:rPr>
-              <a:t>. Битва закончилась убийством Османа бин </a:t>
-            </a:r>
-            <a:r>
-              <a:rPr lang="ru-RU" sz="1800" kern="100" dirty="0" err="1">
-                <a:effectLst/>
-                <a:latin typeface="Calibri" panose="020F0502020204030204" pitchFamily="34" charset="0"/>
-                <a:ea typeface="Calibri" panose="020F0502020204030204" pitchFamily="34" charset="0"/>
-                <a:cs typeface="Arial" panose="020B0604020202020204" pitchFamily="34" charset="0"/>
-              </a:rPr>
-              <a:t>Аффана</a:t>
-            </a:r>
-            <a:r>
-              <a:rPr lang="ru-RU" sz="1800" kern="100" dirty="0">
-                <a:effectLst/>
-                <a:latin typeface="Calibri" panose="020F0502020204030204" pitchFamily="34" charset="0"/>
-                <a:ea typeface="Calibri" panose="020F0502020204030204" pitchFamily="34" charset="0"/>
-                <a:cs typeface="Arial" panose="020B0604020202020204" pitchFamily="34" charset="0"/>
-              </a:rPr>
-              <a:t>, и Али принял халифат после его смерти.</a:t>
+              <a:t> (современный Иран). Мусульмане выиграли эту битву и завоевали Персию.</a:t>
             </a:r>
             <a:endParaRPr lang="en-US" sz="1800" kern="100" dirty="0">
               <a:effectLst/>
@@ -10647,12 +10749,31 @@
               <a:cs typeface="Arial" panose="020B0604020202020204" pitchFamily="34" charset="0"/>
             </a:endParaRPr>
           </a:p>
+          <a:p>
+            <a:pPr marL="0" marR="0">
+              <a:lnSpc>
+                <a:spcPct val="107000"/>
+              </a:lnSpc>
+              <a:spcBef>
+                <a:spcPts val="0"/>
+              </a:spcBef>
+              <a:spcAft>
+                <a:spcPts val="800"/>
+              </a:spcAft>
+            </a:pPr>
+            <a:endParaRPr lang="en-US" sz="1800" kern="100" dirty="0">
+              <a:effectLst/>
+              <a:latin typeface="Calibri" panose="020F0502020204030204" pitchFamily="34" charset="0"/>
+              <a:ea typeface="Calibri" panose="020F0502020204030204" pitchFamily="34" charset="0"/>
+              <a:cs typeface="Arial" panose="020B0604020202020204" pitchFamily="34" charset="0"/>
+            </a:endParaRPr>
+          </a:p>
         </p:txBody>
       </p:sp>
     </p:spTree>
     <p:extLst>
       <p:ext uri="{BB962C8B-B14F-4D97-AF65-F5344CB8AC3E}">
-        <p14:creationId xmlns:p14="http://schemas.microsoft.com/office/powerpoint/2010/main" val="2303202450"/>
+        <p14:creationId xmlns:p14="http://schemas.microsoft.com/office/powerpoint/2010/main" val="2960975120"/>
       </p:ext>
     </p:extLst>
   </p:cSld>

--- a/History/Khelafa.pptx
+++ b/History/Khelafa.pptx
@@ -3614,27 +3614,19 @@
               <a:t>Абрабоу Ахмед Е.А.И</a:t>
             </a:r>
             <a:br>
-              <a:rPr lang="ru-RU" sz="2000" dirty="0">
+              <a:rPr lang="ru-RU" sz="2000">
                 <a:solidFill>
                   <a:schemeClr val="bg1"/>
                 </a:solidFill>
               </a:rPr>
             </a:br>
             <a:r>
-              <a:rPr lang="ru-RU" sz="2000" dirty="0" err="1">
+              <a:rPr lang="ru-RU" sz="2000">
                 <a:solidFill>
                   <a:schemeClr val="bg1"/>
                 </a:solidFill>
               </a:rPr>
-              <a:t>Алдажех</a:t>
-            </a:r>
-            <a:r>
-              <a:rPr lang="ru-RU" sz="2000" dirty="0">
-                <a:solidFill>
-                  <a:schemeClr val="bg1"/>
-                </a:solidFill>
-              </a:rPr>
-              <a:t> Ахмад М.Х</a:t>
+              <a:t>ИН-23-9</a:t>
             </a:r>
             <a:endParaRPr lang="en-US" sz="2000" dirty="0">
               <a:solidFill>
